--- a/img/group_pricing_Harry.pptx
+++ b/img/group_pricing_Harry.pptx
@@ -2,22 +2,24 @@
 <file path=ppt/presentation.xml><?xml version="1.0" encoding="utf-8"?>
 <p:presentation xmlns:a="http://schemas.openxmlformats.org/drawingml/2006/main" xmlns:r="http://schemas.openxmlformats.org/officeDocument/2006/relationships" xmlns:p="http://schemas.openxmlformats.org/presentationml/2006/main" saveSubsetFonts="1" autoCompressPictures="0">
   <p:sldMasterIdLst>
-    <p:sldMasterId id="2147483708" r:id="rId1"/>
+    <p:sldMasterId id="2147483720" r:id="rId1"/>
   </p:sldMasterIdLst>
   <p:sldIdLst>
     <p:sldId id="258" r:id="rId2"/>
     <p:sldId id="261" r:id="rId3"/>
     <p:sldId id="259" r:id="rId4"/>
     <p:sldId id="260" r:id="rId5"/>
-    <p:sldId id="262" r:id="rId6"/>
+    <p:sldId id="263" r:id="rId6"/>
+    <p:sldId id="264" r:id="rId7"/>
+    <p:sldId id="262" r:id="rId8"/>
   </p:sldIdLst>
-  <p:sldSz cx="7199313" cy="4679950"/>
+  <p:sldSz cx="5759450" cy="4679950"/>
   <p:notesSz cx="6858000" cy="9144000"/>
   <p:defaultTextStyle>
     <a:defPPr>
       <a:defRPr lang="en-US"/>
     </a:defPPr>
-    <a:lvl1pPr marL="0" algn="l" defTabSz="457200" rtl="0" eaLnBrk="1" latinLnBrk="0" hangingPunct="1">
+    <a:lvl1pPr marL="0" algn="l" defTabSz="457151" rtl="0" eaLnBrk="1" latinLnBrk="0" hangingPunct="1">
       <a:defRPr sz="1800" kern="1200">
         <a:solidFill>
           <a:schemeClr val="tx1"/>
@@ -27,7 +29,7 @@
         <a:cs typeface="+mn-cs"/>
       </a:defRPr>
     </a:lvl1pPr>
-    <a:lvl2pPr marL="457200" algn="l" defTabSz="457200" rtl="0" eaLnBrk="1" latinLnBrk="0" hangingPunct="1">
+    <a:lvl2pPr marL="457151" algn="l" defTabSz="457151" rtl="0" eaLnBrk="1" latinLnBrk="0" hangingPunct="1">
       <a:defRPr sz="1800" kern="1200">
         <a:solidFill>
           <a:schemeClr val="tx1"/>
@@ -37,7 +39,7 @@
         <a:cs typeface="+mn-cs"/>
       </a:defRPr>
     </a:lvl2pPr>
-    <a:lvl3pPr marL="914400" algn="l" defTabSz="457200" rtl="0" eaLnBrk="1" latinLnBrk="0" hangingPunct="1">
+    <a:lvl3pPr marL="914303" algn="l" defTabSz="457151" rtl="0" eaLnBrk="1" latinLnBrk="0" hangingPunct="1">
       <a:defRPr sz="1800" kern="1200">
         <a:solidFill>
           <a:schemeClr val="tx1"/>
@@ -47,7 +49,7 @@
         <a:cs typeface="+mn-cs"/>
       </a:defRPr>
     </a:lvl3pPr>
-    <a:lvl4pPr marL="1371600" algn="l" defTabSz="457200" rtl="0" eaLnBrk="1" latinLnBrk="0" hangingPunct="1">
+    <a:lvl4pPr marL="1371454" algn="l" defTabSz="457151" rtl="0" eaLnBrk="1" latinLnBrk="0" hangingPunct="1">
       <a:defRPr sz="1800" kern="1200">
         <a:solidFill>
           <a:schemeClr val="tx1"/>
@@ -57,7 +59,7 @@
         <a:cs typeface="+mn-cs"/>
       </a:defRPr>
     </a:lvl4pPr>
-    <a:lvl5pPr marL="1828800" algn="l" defTabSz="457200" rtl="0" eaLnBrk="1" latinLnBrk="0" hangingPunct="1">
+    <a:lvl5pPr marL="1828605" algn="l" defTabSz="457151" rtl="0" eaLnBrk="1" latinLnBrk="0" hangingPunct="1">
       <a:defRPr sz="1800" kern="1200">
         <a:solidFill>
           <a:schemeClr val="tx1"/>
@@ -67,7 +69,7 @@
         <a:cs typeface="+mn-cs"/>
       </a:defRPr>
     </a:lvl5pPr>
-    <a:lvl6pPr marL="2286000" algn="l" defTabSz="457200" rtl="0" eaLnBrk="1" latinLnBrk="0" hangingPunct="1">
+    <a:lvl6pPr marL="2285756" algn="l" defTabSz="457151" rtl="0" eaLnBrk="1" latinLnBrk="0" hangingPunct="1">
       <a:defRPr sz="1800" kern="1200">
         <a:solidFill>
           <a:schemeClr val="tx1"/>
@@ -77,7 +79,7 @@
         <a:cs typeface="+mn-cs"/>
       </a:defRPr>
     </a:lvl6pPr>
-    <a:lvl7pPr marL="2743200" algn="l" defTabSz="457200" rtl="0" eaLnBrk="1" latinLnBrk="0" hangingPunct="1">
+    <a:lvl7pPr marL="2742907" algn="l" defTabSz="457151" rtl="0" eaLnBrk="1" latinLnBrk="0" hangingPunct="1">
       <a:defRPr sz="1800" kern="1200">
         <a:solidFill>
           <a:schemeClr val="tx1"/>
@@ -87,7 +89,7 @@
         <a:cs typeface="+mn-cs"/>
       </a:defRPr>
     </a:lvl7pPr>
-    <a:lvl8pPr marL="3200400" algn="l" defTabSz="457200" rtl="0" eaLnBrk="1" latinLnBrk="0" hangingPunct="1">
+    <a:lvl8pPr marL="3200059" algn="l" defTabSz="457151" rtl="0" eaLnBrk="1" latinLnBrk="0" hangingPunct="1">
       <a:defRPr sz="1800" kern="1200">
         <a:solidFill>
           <a:schemeClr val="tx1"/>
@@ -97,7 +99,7 @@
         <a:cs typeface="+mn-cs"/>
       </a:defRPr>
     </a:lvl8pPr>
-    <a:lvl9pPr marL="3657600" algn="l" defTabSz="457200" rtl="0" eaLnBrk="1" latinLnBrk="0" hangingPunct="1">
+    <a:lvl9pPr marL="3657210" algn="l" defTabSz="457151" rtl="0" eaLnBrk="1" latinLnBrk="0" hangingPunct="1">
       <a:defRPr sz="1800" kern="1200">
         <a:solidFill>
           <a:schemeClr val="tx1"/>
@@ -145,15 +147,15 @@
         </p:nvSpPr>
         <p:spPr>
           <a:xfrm>
-            <a:off x="539949" y="765909"/>
-            <a:ext cx="6119416" cy="1629316"/>
+            <a:off x="431959" y="765909"/>
+            <a:ext cx="4895533" cy="1629316"/>
           </a:xfrm>
         </p:spPr>
         <p:txBody>
           <a:bodyPr anchor="b"/>
           <a:lstStyle>
             <a:lvl1pPr algn="ctr">
-              <a:defRPr sz="4094"/>
+              <a:defRPr sz="3779"/>
             </a:lvl1pPr>
           </a:lstStyle>
           <a:p>
@@ -177,8 +179,8 @@
         </p:nvSpPr>
         <p:spPr>
           <a:xfrm>
-            <a:off x="899914" y="2458058"/>
-            <a:ext cx="5399485" cy="1129904"/>
+            <a:off x="719932" y="2458058"/>
+            <a:ext cx="4319588" cy="1129904"/>
           </a:xfrm>
         </p:spPr>
         <p:txBody>
@@ -186,39 +188,39 @@
           <a:lstStyle>
             <a:lvl1pPr marL="0" indent="0" algn="ctr">
               <a:buNone/>
-              <a:defRPr sz="1638"/>
+              <a:defRPr sz="1512"/>
             </a:lvl1pPr>
-            <a:lvl2pPr marL="311993" indent="0" algn="ctr">
+            <a:lvl2pPr marL="287990" indent="0" algn="ctr">
               <a:buNone/>
-              <a:defRPr sz="1365"/>
+              <a:defRPr sz="1260"/>
             </a:lvl2pPr>
-            <a:lvl3pPr marL="623987" indent="0" algn="ctr">
+            <a:lvl3pPr marL="575981" indent="0" algn="ctr">
               <a:buNone/>
-              <a:defRPr sz="1228"/>
+              <a:defRPr sz="1134"/>
             </a:lvl3pPr>
-            <a:lvl4pPr marL="935980" indent="0" algn="ctr">
+            <a:lvl4pPr marL="863971" indent="0" algn="ctr">
               <a:buNone/>
-              <a:defRPr sz="1092"/>
+              <a:defRPr sz="1008"/>
             </a:lvl4pPr>
-            <a:lvl5pPr marL="1247973" indent="0" algn="ctr">
+            <a:lvl5pPr marL="1151961" indent="0" algn="ctr">
               <a:buNone/>
-              <a:defRPr sz="1092"/>
+              <a:defRPr sz="1008"/>
             </a:lvl5pPr>
-            <a:lvl6pPr marL="1559966" indent="0" algn="ctr">
+            <a:lvl6pPr marL="1439951" indent="0" algn="ctr">
               <a:buNone/>
-              <a:defRPr sz="1092"/>
+              <a:defRPr sz="1008"/>
             </a:lvl6pPr>
-            <a:lvl7pPr marL="1871960" indent="0" algn="ctr">
+            <a:lvl7pPr marL="1727942" indent="0" algn="ctr">
               <a:buNone/>
-              <a:defRPr sz="1092"/>
+              <a:defRPr sz="1008"/>
             </a:lvl7pPr>
-            <a:lvl8pPr marL="2183953" indent="0" algn="ctr">
+            <a:lvl8pPr marL="2015932" indent="0" algn="ctr">
               <a:buNone/>
-              <a:defRPr sz="1092"/>
+              <a:defRPr sz="1008"/>
             </a:lvl8pPr>
-            <a:lvl9pPr marL="2495946" indent="0" algn="ctr">
+            <a:lvl9pPr marL="2303922" indent="0" algn="ctr">
               <a:buNone/>
-              <a:defRPr sz="1092"/>
+              <a:defRPr sz="1008"/>
             </a:lvl9pPr>
           </a:lstStyle>
           <a:p>
@@ -298,7 +300,7 @@
     </p:spTree>
     <p:extLst>
       <p:ext uri="{BB962C8B-B14F-4D97-AF65-F5344CB8AC3E}">
-        <p14:creationId xmlns:p14="http://schemas.microsoft.com/office/powerpoint/2010/main" val="1276148125"/>
+        <p14:creationId xmlns:p14="http://schemas.microsoft.com/office/powerpoint/2010/main" val="391269595"/>
       </p:ext>
     </p:extLst>
   </p:cSld>
@@ -468,7 +470,7 @@
     </p:spTree>
     <p:extLst>
       <p:ext uri="{BB962C8B-B14F-4D97-AF65-F5344CB8AC3E}">
-        <p14:creationId xmlns:p14="http://schemas.microsoft.com/office/powerpoint/2010/main" val="3402090620"/>
+        <p14:creationId xmlns:p14="http://schemas.microsoft.com/office/powerpoint/2010/main" val="850562606"/>
       </p:ext>
     </p:extLst>
   </p:cSld>
@@ -507,8 +509,8 @@
         </p:nvSpPr>
         <p:spPr>
           <a:xfrm>
-            <a:off x="5152009" y="249164"/>
-            <a:ext cx="1552352" cy="3966041"/>
+            <a:off x="4121607" y="249165"/>
+            <a:ext cx="1241881" cy="3966041"/>
           </a:xfrm>
         </p:spPr>
         <p:txBody>
@@ -535,8 +537,8 @@
         </p:nvSpPr>
         <p:spPr>
           <a:xfrm>
-            <a:off x="494953" y="249164"/>
-            <a:ext cx="4567064" cy="3966041"/>
+            <a:off x="395964" y="249165"/>
+            <a:ext cx="3653651" cy="3966041"/>
           </a:xfrm>
         </p:spPr>
         <p:txBody>
@@ -648,7 +650,7 @@
     </p:spTree>
     <p:extLst>
       <p:ext uri="{BB962C8B-B14F-4D97-AF65-F5344CB8AC3E}">
-        <p14:creationId xmlns:p14="http://schemas.microsoft.com/office/powerpoint/2010/main" val="1583579275"/>
+        <p14:creationId xmlns:p14="http://schemas.microsoft.com/office/powerpoint/2010/main" val="1298219110"/>
       </p:ext>
     </p:extLst>
   </p:cSld>
@@ -818,7 +820,7 @@
     </p:spTree>
     <p:extLst>
       <p:ext uri="{BB962C8B-B14F-4D97-AF65-F5344CB8AC3E}">
-        <p14:creationId xmlns:p14="http://schemas.microsoft.com/office/powerpoint/2010/main" val="2688575822"/>
+        <p14:creationId xmlns:p14="http://schemas.microsoft.com/office/powerpoint/2010/main" val="2986187975"/>
       </p:ext>
     </p:extLst>
   </p:cSld>
@@ -857,15 +859,15 @@
         </p:nvSpPr>
         <p:spPr>
           <a:xfrm>
-            <a:off x="491204" y="1166739"/>
-            <a:ext cx="6209407" cy="1946729"/>
+            <a:off x="392964" y="1166741"/>
+            <a:ext cx="4967526" cy="1946729"/>
           </a:xfrm>
         </p:spPr>
         <p:txBody>
           <a:bodyPr anchor="b"/>
           <a:lstStyle>
             <a:lvl1pPr>
-              <a:defRPr sz="4094"/>
+              <a:defRPr sz="3779"/>
             </a:lvl1pPr>
           </a:lstStyle>
           <a:p>
@@ -889,8 +891,8 @@
         </p:nvSpPr>
         <p:spPr>
           <a:xfrm>
-            <a:off x="491204" y="3131884"/>
-            <a:ext cx="6209407" cy="1023739"/>
+            <a:off x="392964" y="3131885"/>
+            <a:ext cx="4967526" cy="1023738"/>
           </a:xfrm>
         </p:spPr>
         <p:txBody>
@@ -898,15 +900,15 @@
           <a:lstStyle>
             <a:lvl1pPr marL="0" indent="0">
               <a:buNone/>
-              <a:defRPr sz="1638">
+              <a:defRPr sz="1512">
                 <a:solidFill>
                   <a:schemeClr val="tx1"/>
                 </a:solidFill>
               </a:defRPr>
             </a:lvl1pPr>
-            <a:lvl2pPr marL="311993" indent="0">
+            <a:lvl2pPr marL="287990" indent="0">
               <a:buNone/>
-              <a:defRPr sz="1365">
+              <a:defRPr sz="1260">
                 <a:solidFill>
                   <a:schemeClr val="tx1">
                     <a:tint val="75000"/>
@@ -914,9 +916,9 @@
                 </a:solidFill>
               </a:defRPr>
             </a:lvl2pPr>
-            <a:lvl3pPr marL="623987" indent="0">
+            <a:lvl3pPr marL="575981" indent="0">
               <a:buNone/>
-              <a:defRPr sz="1228">
+              <a:defRPr sz="1134">
                 <a:solidFill>
                   <a:schemeClr val="tx1">
                     <a:tint val="75000"/>
@@ -924,9 +926,9 @@
                 </a:solidFill>
               </a:defRPr>
             </a:lvl3pPr>
-            <a:lvl4pPr marL="935980" indent="0">
+            <a:lvl4pPr marL="863971" indent="0">
               <a:buNone/>
-              <a:defRPr sz="1092">
+              <a:defRPr sz="1008">
                 <a:solidFill>
                   <a:schemeClr val="tx1">
                     <a:tint val="75000"/>
@@ -934,9 +936,9 @@
                 </a:solidFill>
               </a:defRPr>
             </a:lvl4pPr>
-            <a:lvl5pPr marL="1247973" indent="0">
+            <a:lvl5pPr marL="1151961" indent="0">
               <a:buNone/>
-              <a:defRPr sz="1092">
+              <a:defRPr sz="1008">
                 <a:solidFill>
                   <a:schemeClr val="tx1">
                     <a:tint val="75000"/>
@@ -944,9 +946,9 @@
                 </a:solidFill>
               </a:defRPr>
             </a:lvl5pPr>
-            <a:lvl6pPr marL="1559966" indent="0">
+            <a:lvl6pPr marL="1439951" indent="0">
               <a:buNone/>
-              <a:defRPr sz="1092">
+              <a:defRPr sz="1008">
                 <a:solidFill>
                   <a:schemeClr val="tx1">
                     <a:tint val="75000"/>
@@ -954,9 +956,9 @@
                 </a:solidFill>
               </a:defRPr>
             </a:lvl6pPr>
-            <a:lvl7pPr marL="1871960" indent="0">
+            <a:lvl7pPr marL="1727942" indent="0">
               <a:buNone/>
-              <a:defRPr sz="1092">
+              <a:defRPr sz="1008">
                 <a:solidFill>
                   <a:schemeClr val="tx1">
                     <a:tint val="75000"/>
@@ -964,9 +966,9 @@
                 </a:solidFill>
               </a:defRPr>
             </a:lvl7pPr>
-            <a:lvl8pPr marL="2183953" indent="0">
+            <a:lvl8pPr marL="2015932" indent="0">
               <a:buNone/>
-              <a:defRPr sz="1092">
+              <a:defRPr sz="1008">
                 <a:solidFill>
                   <a:schemeClr val="tx1">
                     <a:tint val="75000"/>
@@ -974,9 +976,9 @@
                 </a:solidFill>
               </a:defRPr>
             </a:lvl8pPr>
-            <a:lvl9pPr marL="2495946" indent="0">
+            <a:lvl9pPr marL="2303922" indent="0">
               <a:buNone/>
-              <a:defRPr sz="1092">
+              <a:defRPr sz="1008">
                 <a:solidFill>
                   <a:schemeClr val="tx1">
                     <a:tint val="75000"/>
@@ -1062,7 +1064,7 @@
     </p:spTree>
     <p:extLst>
       <p:ext uri="{BB962C8B-B14F-4D97-AF65-F5344CB8AC3E}">
-        <p14:creationId xmlns:p14="http://schemas.microsoft.com/office/powerpoint/2010/main" val="336364033"/>
+        <p14:creationId xmlns:p14="http://schemas.microsoft.com/office/powerpoint/2010/main" val="3661559490"/>
       </p:ext>
     </p:extLst>
   </p:cSld>
@@ -1124,8 +1126,8 @@
         </p:nvSpPr>
         <p:spPr>
           <a:xfrm>
-            <a:off x="494953" y="1245820"/>
-            <a:ext cx="3059708" cy="2969385"/>
+            <a:off x="395962" y="1245821"/>
+            <a:ext cx="2447766" cy="2969385"/>
           </a:xfrm>
         </p:spPr>
         <p:txBody>
@@ -1181,8 +1183,8 @@
         </p:nvSpPr>
         <p:spPr>
           <a:xfrm>
-            <a:off x="3644652" y="1245820"/>
-            <a:ext cx="3059708" cy="2969385"/>
+            <a:off x="2915723" y="1245821"/>
+            <a:ext cx="2447766" cy="2969385"/>
           </a:xfrm>
         </p:spPr>
         <p:txBody>
@@ -1294,7 +1296,7 @@
     </p:spTree>
     <p:extLst>
       <p:ext uri="{BB962C8B-B14F-4D97-AF65-F5344CB8AC3E}">
-        <p14:creationId xmlns:p14="http://schemas.microsoft.com/office/powerpoint/2010/main" val="2898086900"/>
+        <p14:creationId xmlns:p14="http://schemas.microsoft.com/office/powerpoint/2010/main" val="3675183698"/>
       </p:ext>
     </p:extLst>
   </p:cSld>
@@ -1333,8 +1335,8 @@
         </p:nvSpPr>
         <p:spPr>
           <a:xfrm>
-            <a:off x="495891" y="249165"/>
-            <a:ext cx="6209407" cy="904574"/>
+            <a:off x="396712" y="249165"/>
+            <a:ext cx="4967526" cy="904575"/>
           </a:xfrm>
         </p:spPr>
         <p:txBody>
@@ -1361,8 +1363,8 @@
         </p:nvSpPr>
         <p:spPr>
           <a:xfrm>
-            <a:off x="495891" y="1147238"/>
-            <a:ext cx="3045646" cy="562244"/>
+            <a:off x="396713" y="1147239"/>
+            <a:ext cx="2436517" cy="562244"/>
           </a:xfrm>
         </p:spPr>
         <p:txBody>
@@ -1370,39 +1372,39 @@
           <a:lstStyle>
             <a:lvl1pPr marL="0" indent="0">
               <a:buNone/>
-              <a:defRPr sz="1638" b="1"/>
+              <a:defRPr sz="1512" b="1"/>
             </a:lvl1pPr>
-            <a:lvl2pPr marL="311993" indent="0">
+            <a:lvl2pPr marL="287990" indent="0">
               <a:buNone/>
-              <a:defRPr sz="1365" b="1"/>
+              <a:defRPr sz="1260" b="1"/>
             </a:lvl2pPr>
-            <a:lvl3pPr marL="623987" indent="0">
+            <a:lvl3pPr marL="575981" indent="0">
               <a:buNone/>
-              <a:defRPr sz="1228" b="1"/>
+              <a:defRPr sz="1134" b="1"/>
             </a:lvl3pPr>
-            <a:lvl4pPr marL="935980" indent="0">
+            <a:lvl4pPr marL="863971" indent="0">
               <a:buNone/>
-              <a:defRPr sz="1092" b="1"/>
+              <a:defRPr sz="1008" b="1"/>
             </a:lvl4pPr>
-            <a:lvl5pPr marL="1247973" indent="0">
+            <a:lvl5pPr marL="1151961" indent="0">
               <a:buNone/>
-              <a:defRPr sz="1092" b="1"/>
+              <a:defRPr sz="1008" b="1"/>
             </a:lvl5pPr>
-            <a:lvl6pPr marL="1559966" indent="0">
+            <a:lvl6pPr marL="1439951" indent="0">
               <a:buNone/>
-              <a:defRPr sz="1092" b="1"/>
+              <a:defRPr sz="1008" b="1"/>
             </a:lvl6pPr>
-            <a:lvl7pPr marL="1871960" indent="0">
+            <a:lvl7pPr marL="1727942" indent="0">
               <a:buNone/>
-              <a:defRPr sz="1092" b="1"/>
+              <a:defRPr sz="1008" b="1"/>
             </a:lvl7pPr>
-            <a:lvl8pPr marL="2183953" indent="0">
+            <a:lvl8pPr marL="2015932" indent="0">
               <a:buNone/>
-              <a:defRPr sz="1092" b="1"/>
+              <a:defRPr sz="1008" b="1"/>
             </a:lvl8pPr>
-            <a:lvl9pPr marL="2495946" indent="0">
+            <a:lvl9pPr marL="2303922" indent="0">
               <a:buNone/>
-              <a:defRPr sz="1092" b="1"/>
+              <a:defRPr sz="1008" b="1"/>
             </a:lvl9pPr>
           </a:lstStyle>
           <a:p>
@@ -1426,8 +1428,8 @@
         </p:nvSpPr>
         <p:spPr>
           <a:xfrm>
-            <a:off x="495891" y="1709482"/>
-            <a:ext cx="3045646" cy="2514390"/>
+            <a:off x="396713" y="1709482"/>
+            <a:ext cx="2436517" cy="2514391"/>
           </a:xfrm>
         </p:spPr>
         <p:txBody>
@@ -1483,8 +1485,8 @@
         </p:nvSpPr>
         <p:spPr>
           <a:xfrm>
-            <a:off x="3644652" y="1147238"/>
-            <a:ext cx="3060646" cy="562244"/>
+            <a:off x="2915722" y="1147239"/>
+            <a:ext cx="2448516" cy="562244"/>
           </a:xfrm>
         </p:spPr>
         <p:txBody>
@@ -1492,39 +1494,39 @@
           <a:lstStyle>
             <a:lvl1pPr marL="0" indent="0">
               <a:buNone/>
-              <a:defRPr sz="1638" b="1"/>
+              <a:defRPr sz="1512" b="1"/>
             </a:lvl1pPr>
-            <a:lvl2pPr marL="311993" indent="0">
+            <a:lvl2pPr marL="287990" indent="0">
               <a:buNone/>
-              <a:defRPr sz="1365" b="1"/>
+              <a:defRPr sz="1260" b="1"/>
             </a:lvl2pPr>
-            <a:lvl3pPr marL="623987" indent="0">
+            <a:lvl3pPr marL="575981" indent="0">
               <a:buNone/>
-              <a:defRPr sz="1228" b="1"/>
+              <a:defRPr sz="1134" b="1"/>
             </a:lvl3pPr>
-            <a:lvl4pPr marL="935980" indent="0">
+            <a:lvl4pPr marL="863971" indent="0">
               <a:buNone/>
-              <a:defRPr sz="1092" b="1"/>
+              <a:defRPr sz="1008" b="1"/>
             </a:lvl4pPr>
-            <a:lvl5pPr marL="1247973" indent="0">
+            <a:lvl5pPr marL="1151961" indent="0">
               <a:buNone/>
-              <a:defRPr sz="1092" b="1"/>
+              <a:defRPr sz="1008" b="1"/>
             </a:lvl5pPr>
-            <a:lvl6pPr marL="1559966" indent="0">
+            <a:lvl6pPr marL="1439951" indent="0">
               <a:buNone/>
-              <a:defRPr sz="1092" b="1"/>
+              <a:defRPr sz="1008" b="1"/>
             </a:lvl6pPr>
-            <a:lvl7pPr marL="1871960" indent="0">
+            <a:lvl7pPr marL="1727942" indent="0">
               <a:buNone/>
-              <a:defRPr sz="1092" b="1"/>
+              <a:defRPr sz="1008" b="1"/>
             </a:lvl7pPr>
-            <a:lvl8pPr marL="2183953" indent="0">
+            <a:lvl8pPr marL="2015932" indent="0">
               <a:buNone/>
-              <a:defRPr sz="1092" b="1"/>
+              <a:defRPr sz="1008" b="1"/>
             </a:lvl8pPr>
-            <a:lvl9pPr marL="2495946" indent="0">
+            <a:lvl9pPr marL="2303922" indent="0">
               <a:buNone/>
-              <a:defRPr sz="1092" b="1"/>
+              <a:defRPr sz="1008" b="1"/>
             </a:lvl9pPr>
           </a:lstStyle>
           <a:p>
@@ -1548,8 +1550,8 @@
         </p:nvSpPr>
         <p:spPr>
           <a:xfrm>
-            <a:off x="3644652" y="1709482"/>
-            <a:ext cx="3060646" cy="2514390"/>
+            <a:off x="2915722" y="1709482"/>
+            <a:ext cx="2448516" cy="2514391"/>
           </a:xfrm>
         </p:spPr>
         <p:txBody>
@@ -1661,7 +1663,7 @@
     </p:spTree>
     <p:extLst>
       <p:ext uri="{BB962C8B-B14F-4D97-AF65-F5344CB8AC3E}">
-        <p14:creationId xmlns:p14="http://schemas.microsoft.com/office/powerpoint/2010/main" val="1550053492"/>
+        <p14:creationId xmlns:p14="http://schemas.microsoft.com/office/powerpoint/2010/main" val="253107644"/>
       </p:ext>
     </p:extLst>
   </p:cSld>
@@ -1779,7 +1781,7 @@
     </p:spTree>
     <p:extLst>
       <p:ext uri="{BB962C8B-B14F-4D97-AF65-F5344CB8AC3E}">
-        <p14:creationId xmlns:p14="http://schemas.microsoft.com/office/powerpoint/2010/main" val="44385768"/>
+        <p14:creationId xmlns:p14="http://schemas.microsoft.com/office/powerpoint/2010/main" val="1877757208"/>
       </p:ext>
     </p:extLst>
   </p:cSld>
@@ -1874,7 +1876,7 @@
     </p:spTree>
     <p:extLst>
       <p:ext uri="{BB962C8B-B14F-4D97-AF65-F5344CB8AC3E}">
-        <p14:creationId xmlns:p14="http://schemas.microsoft.com/office/powerpoint/2010/main" val="2141909841"/>
+        <p14:creationId xmlns:p14="http://schemas.microsoft.com/office/powerpoint/2010/main" val="2017930331"/>
       </p:ext>
     </p:extLst>
   </p:cSld>
@@ -1913,15 +1915,15 @@
         </p:nvSpPr>
         <p:spPr>
           <a:xfrm>
-            <a:off x="495890" y="311997"/>
-            <a:ext cx="2321966" cy="1091988"/>
+            <a:off x="396713" y="311997"/>
+            <a:ext cx="1857573" cy="1091988"/>
           </a:xfrm>
         </p:spPr>
         <p:txBody>
           <a:bodyPr anchor="b"/>
           <a:lstStyle>
             <a:lvl1pPr>
-              <a:defRPr sz="2184"/>
+              <a:defRPr sz="2016"/>
             </a:lvl1pPr>
           </a:lstStyle>
           <a:p>
@@ -1945,39 +1947,39 @@
         </p:nvSpPr>
         <p:spPr>
           <a:xfrm>
-            <a:off x="3060646" y="673827"/>
-            <a:ext cx="3644652" cy="3325798"/>
+            <a:off x="2448516" y="673828"/>
+            <a:ext cx="2915722" cy="3325798"/>
           </a:xfrm>
         </p:spPr>
         <p:txBody>
           <a:bodyPr/>
           <a:lstStyle>
             <a:lvl1pPr>
-              <a:defRPr sz="2184"/>
+              <a:defRPr sz="2016"/>
             </a:lvl1pPr>
             <a:lvl2pPr>
-              <a:defRPr sz="1911"/>
+              <a:defRPr sz="1764"/>
             </a:lvl2pPr>
             <a:lvl3pPr>
-              <a:defRPr sz="1638"/>
+              <a:defRPr sz="1512"/>
             </a:lvl3pPr>
             <a:lvl4pPr>
-              <a:defRPr sz="1365"/>
+              <a:defRPr sz="1260"/>
             </a:lvl4pPr>
             <a:lvl5pPr>
-              <a:defRPr sz="1365"/>
+              <a:defRPr sz="1260"/>
             </a:lvl5pPr>
             <a:lvl6pPr>
-              <a:defRPr sz="1365"/>
+              <a:defRPr sz="1260"/>
             </a:lvl6pPr>
             <a:lvl7pPr>
-              <a:defRPr sz="1365"/>
+              <a:defRPr sz="1260"/>
             </a:lvl7pPr>
             <a:lvl8pPr>
-              <a:defRPr sz="1365"/>
+              <a:defRPr sz="1260"/>
             </a:lvl8pPr>
             <a:lvl9pPr>
-              <a:defRPr sz="1365"/>
+              <a:defRPr sz="1260"/>
             </a:lvl9pPr>
           </a:lstStyle>
           <a:p>
@@ -2030,8 +2032,8 @@
         </p:nvSpPr>
         <p:spPr>
           <a:xfrm>
-            <a:off x="495890" y="1403985"/>
-            <a:ext cx="2321966" cy="2601056"/>
+            <a:off x="396713" y="1403985"/>
+            <a:ext cx="1857573" cy="2601056"/>
           </a:xfrm>
         </p:spPr>
         <p:txBody>
@@ -2039,39 +2041,39 @@
           <a:lstStyle>
             <a:lvl1pPr marL="0" indent="0">
               <a:buNone/>
-              <a:defRPr sz="1092"/>
+              <a:defRPr sz="1008"/>
             </a:lvl1pPr>
-            <a:lvl2pPr marL="311993" indent="0">
+            <a:lvl2pPr marL="287990" indent="0">
               <a:buNone/>
-              <a:defRPr sz="955"/>
+              <a:defRPr sz="882"/>
             </a:lvl2pPr>
-            <a:lvl3pPr marL="623987" indent="0">
+            <a:lvl3pPr marL="575981" indent="0">
               <a:buNone/>
-              <a:defRPr sz="819"/>
+              <a:defRPr sz="756"/>
             </a:lvl3pPr>
-            <a:lvl4pPr marL="935980" indent="0">
+            <a:lvl4pPr marL="863971" indent="0">
               <a:buNone/>
-              <a:defRPr sz="682"/>
+              <a:defRPr sz="630"/>
             </a:lvl4pPr>
-            <a:lvl5pPr marL="1247973" indent="0">
+            <a:lvl5pPr marL="1151961" indent="0">
               <a:buNone/>
-              <a:defRPr sz="682"/>
+              <a:defRPr sz="630"/>
             </a:lvl5pPr>
-            <a:lvl6pPr marL="1559966" indent="0">
+            <a:lvl6pPr marL="1439951" indent="0">
               <a:buNone/>
-              <a:defRPr sz="682"/>
+              <a:defRPr sz="630"/>
             </a:lvl6pPr>
-            <a:lvl7pPr marL="1871960" indent="0">
+            <a:lvl7pPr marL="1727942" indent="0">
               <a:buNone/>
-              <a:defRPr sz="682"/>
+              <a:defRPr sz="630"/>
             </a:lvl7pPr>
-            <a:lvl8pPr marL="2183953" indent="0">
+            <a:lvl8pPr marL="2015932" indent="0">
               <a:buNone/>
-              <a:defRPr sz="682"/>
+              <a:defRPr sz="630"/>
             </a:lvl8pPr>
-            <a:lvl9pPr marL="2495946" indent="0">
+            <a:lvl9pPr marL="2303922" indent="0">
               <a:buNone/>
-              <a:defRPr sz="682"/>
+              <a:defRPr sz="630"/>
             </a:lvl9pPr>
           </a:lstStyle>
           <a:p>
@@ -2151,7 +2153,7 @@
     </p:spTree>
     <p:extLst>
       <p:ext uri="{BB962C8B-B14F-4D97-AF65-F5344CB8AC3E}">
-        <p14:creationId xmlns:p14="http://schemas.microsoft.com/office/powerpoint/2010/main" val="3768076369"/>
+        <p14:creationId xmlns:p14="http://schemas.microsoft.com/office/powerpoint/2010/main" val="1900181478"/>
       </p:ext>
     </p:extLst>
   </p:cSld>
@@ -2190,15 +2192,15 @@
         </p:nvSpPr>
         <p:spPr>
           <a:xfrm>
-            <a:off x="495890" y="311997"/>
-            <a:ext cx="2321966" cy="1091988"/>
+            <a:off x="396713" y="311997"/>
+            <a:ext cx="1857573" cy="1091988"/>
           </a:xfrm>
         </p:spPr>
         <p:txBody>
           <a:bodyPr anchor="b"/>
           <a:lstStyle>
             <a:lvl1pPr>
-              <a:defRPr sz="2184"/>
+              <a:defRPr sz="2016"/>
             </a:lvl1pPr>
           </a:lstStyle>
           <a:p>
@@ -2222,8 +2224,8 @@
         </p:nvSpPr>
         <p:spPr>
           <a:xfrm>
-            <a:off x="3060646" y="673827"/>
-            <a:ext cx="3644652" cy="3325798"/>
+            <a:off x="2448516" y="673828"/>
+            <a:ext cx="2915722" cy="3325798"/>
           </a:xfrm>
         </p:spPr>
         <p:txBody>
@@ -2231,39 +2233,39 @@
           <a:lstStyle>
             <a:lvl1pPr marL="0" indent="0">
               <a:buNone/>
-              <a:defRPr sz="2184"/>
+              <a:defRPr sz="2016"/>
             </a:lvl1pPr>
-            <a:lvl2pPr marL="311993" indent="0">
+            <a:lvl2pPr marL="287990" indent="0">
               <a:buNone/>
-              <a:defRPr sz="1911"/>
+              <a:defRPr sz="1764"/>
             </a:lvl2pPr>
-            <a:lvl3pPr marL="623987" indent="0">
+            <a:lvl3pPr marL="575981" indent="0">
               <a:buNone/>
-              <a:defRPr sz="1638"/>
+              <a:defRPr sz="1512"/>
             </a:lvl3pPr>
-            <a:lvl4pPr marL="935980" indent="0">
+            <a:lvl4pPr marL="863971" indent="0">
               <a:buNone/>
-              <a:defRPr sz="1365"/>
+              <a:defRPr sz="1260"/>
             </a:lvl4pPr>
-            <a:lvl5pPr marL="1247973" indent="0">
+            <a:lvl5pPr marL="1151961" indent="0">
               <a:buNone/>
-              <a:defRPr sz="1365"/>
+              <a:defRPr sz="1260"/>
             </a:lvl5pPr>
-            <a:lvl6pPr marL="1559966" indent="0">
+            <a:lvl6pPr marL="1439951" indent="0">
               <a:buNone/>
-              <a:defRPr sz="1365"/>
+              <a:defRPr sz="1260"/>
             </a:lvl6pPr>
-            <a:lvl7pPr marL="1871960" indent="0">
+            <a:lvl7pPr marL="1727942" indent="0">
               <a:buNone/>
-              <a:defRPr sz="1365"/>
+              <a:defRPr sz="1260"/>
             </a:lvl7pPr>
-            <a:lvl8pPr marL="2183953" indent="0">
+            <a:lvl8pPr marL="2015932" indent="0">
               <a:buNone/>
-              <a:defRPr sz="1365"/>
+              <a:defRPr sz="1260"/>
             </a:lvl8pPr>
-            <a:lvl9pPr marL="2495946" indent="0">
+            <a:lvl9pPr marL="2303922" indent="0">
               <a:buNone/>
-              <a:defRPr sz="1365"/>
+              <a:defRPr sz="1260"/>
             </a:lvl9pPr>
           </a:lstStyle>
           <a:p>
@@ -2287,8 +2289,8 @@
         </p:nvSpPr>
         <p:spPr>
           <a:xfrm>
-            <a:off x="495890" y="1403985"/>
-            <a:ext cx="2321966" cy="2601056"/>
+            <a:off x="396713" y="1403985"/>
+            <a:ext cx="1857573" cy="2601056"/>
           </a:xfrm>
         </p:spPr>
         <p:txBody>
@@ -2296,39 +2298,39 @@
           <a:lstStyle>
             <a:lvl1pPr marL="0" indent="0">
               <a:buNone/>
-              <a:defRPr sz="1092"/>
+              <a:defRPr sz="1008"/>
             </a:lvl1pPr>
-            <a:lvl2pPr marL="311993" indent="0">
+            <a:lvl2pPr marL="287990" indent="0">
               <a:buNone/>
-              <a:defRPr sz="955"/>
+              <a:defRPr sz="882"/>
             </a:lvl2pPr>
-            <a:lvl3pPr marL="623987" indent="0">
+            <a:lvl3pPr marL="575981" indent="0">
               <a:buNone/>
-              <a:defRPr sz="819"/>
+              <a:defRPr sz="756"/>
             </a:lvl3pPr>
-            <a:lvl4pPr marL="935980" indent="0">
+            <a:lvl4pPr marL="863971" indent="0">
               <a:buNone/>
-              <a:defRPr sz="682"/>
+              <a:defRPr sz="630"/>
             </a:lvl4pPr>
-            <a:lvl5pPr marL="1247973" indent="0">
+            <a:lvl5pPr marL="1151961" indent="0">
               <a:buNone/>
-              <a:defRPr sz="682"/>
+              <a:defRPr sz="630"/>
             </a:lvl5pPr>
-            <a:lvl6pPr marL="1559966" indent="0">
+            <a:lvl6pPr marL="1439951" indent="0">
               <a:buNone/>
-              <a:defRPr sz="682"/>
+              <a:defRPr sz="630"/>
             </a:lvl6pPr>
-            <a:lvl7pPr marL="1871960" indent="0">
+            <a:lvl7pPr marL="1727942" indent="0">
               <a:buNone/>
-              <a:defRPr sz="682"/>
+              <a:defRPr sz="630"/>
             </a:lvl7pPr>
-            <a:lvl8pPr marL="2183953" indent="0">
+            <a:lvl8pPr marL="2015932" indent="0">
               <a:buNone/>
-              <a:defRPr sz="682"/>
+              <a:defRPr sz="630"/>
             </a:lvl8pPr>
-            <a:lvl9pPr marL="2495946" indent="0">
+            <a:lvl9pPr marL="2303922" indent="0">
               <a:buNone/>
-              <a:defRPr sz="682"/>
+              <a:defRPr sz="630"/>
             </a:lvl9pPr>
           </a:lstStyle>
           <a:p>
@@ -2408,7 +2410,7 @@
     </p:spTree>
     <p:extLst>
       <p:ext uri="{BB962C8B-B14F-4D97-AF65-F5344CB8AC3E}">
-        <p14:creationId xmlns:p14="http://schemas.microsoft.com/office/powerpoint/2010/main" val="3594862889"/>
+        <p14:creationId xmlns:p14="http://schemas.microsoft.com/office/powerpoint/2010/main" val="1204524454"/>
       </p:ext>
     </p:extLst>
   </p:cSld>
@@ -2452,8 +2454,8 @@
         </p:nvSpPr>
         <p:spPr>
           <a:xfrm>
-            <a:off x="494953" y="249165"/>
-            <a:ext cx="6209407" cy="904574"/>
+            <a:off x="395963" y="249165"/>
+            <a:ext cx="4967526" cy="904575"/>
           </a:xfrm>
           <a:prstGeom prst="rect">
             <a:avLst/>
@@ -2485,8 +2487,8 @@
         </p:nvSpPr>
         <p:spPr>
           <a:xfrm>
-            <a:off x="494953" y="1245820"/>
-            <a:ext cx="6209407" cy="2969385"/>
+            <a:off x="395963" y="1245821"/>
+            <a:ext cx="4967526" cy="2969385"/>
           </a:xfrm>
           <a:prstGeom prst="rect">
             <a:avLst/>
@@ -2547,8 +2549,8 @@
         </p:nvSpPr>
         <p:spPr>
           <a:xfrm>
-            <a:off x="494953" y="4337621"/>
-            <a:ext cx="1619845" cy="249164"/>
+            <a:off x="395962" y="4337622"/>
+            <a:ext cx="1295876" cy="249164"/>
           </a:xfrm>
           <a:prstGeom prst="rect">
             <a:avLst/>
@@ -2558,7 +2560,7 @@
           <a:bodyPr vert="horz" lIns="91440" tIns="45720" rIns="91440" bIns="45720" rtlCol="0" anchor="ctr"/>
           <a:lstStyle>
             <a:lvl1pPr algn="l">
-              <a:defRPr sz="819">
+              <a:defRPr sz="756">
                 <a:solidFill>
                   <a:schemeClr val="tx1">
                     <a:tint val="75000"/>
@@ -2589,8 +2591,8 @@
         </p:nvSpPr>
         <p:spPr>
           <a:xfrm>
-            <a:off x="2384773" y="4337621"/>
-            <a:ext cx="2429768" cy="249164"/>
+            <a:off x="1907819" y="4337622"/>
+            <a:ext cx="1943814" cy="249164"/>
           </a:xfrm>
           <a:prstGeom prst="rect">
             <a:avLst/>
@@ -2600,7 +2602,7 @@
           <a:bodyPr vert="horz" lIns="91440" tIns="45720" rIns="91440" bIns="45720" rtlCol="0" anchor="ctr"/>
           <a:lstStyle>
             <a:lvl1pPr algn="ctr">
-              <a:defRPr sz="819">
+              <a:defRPr sz="756">
                 <a:solidFill>
                   <a:schemeClr val="tx1">
                     <a:tint val="75000"/>
@@ -2626,8 +2628,8 @@
         </p:nvSpPr>
         <p:spPr>
           <a:xfrm>
-            <a:off x="5084515" y="4337621"/>
-            <a:ext cx="1619845" cy="249164"/>
+            <a:off x="4067612" y="4337622"/>
+            <a:ext cx="1295876" cy="249164"/>
           </a:xfrm>
           <a:prstGeom prst="rect">
             <a:avLst/>
@@ -2637,7 +2639,7 @@
           <a:bodyPr vert="horz" lIns="91440" tIns="45720" rIns="91440" bIns="45720" rtlCol="0" anchor="ctr"/>
           <a:lstStyle>
             <a:lvl1pPr algn="r">
-              <a:defRPr sz="819">
+              <a:defRPr sz="756">
                 <a:solidFill>
                   <a:schemeClr val="tx1">
                     <a:tint val="75000"/>
@@ -2659,27 +2661,27 @@
     </p:spTree>
     <p:extLst>
       <p:ext uri="{BB962C8B-B14F-4D97-AF65-F5344CB8AC3E}">
-        <p14:creationId xmlns:p14="http://schemas.microsoft.com/office/powerpoint/2010/main" val="116784609"/>
+        <p14:creationId xmlns:p14="http://schemas.microsoft.com/office/powerpoint/2010/main" val="1539331061"/>
       </p:ext>
     </p:extLst>
   </p:cSld>
   <p:clrMap bg1="lt1" tx1="dk1" bg2="lt2" tx2="dk2" accent1="accent1" accent2="accent2" accent3="accent3" accent4="accent4" accent5="accent5" accent6="accent6" hlink="hlink" folHlink="folHlink"/>
   <p:sldLayoutIdLst>
-    <p:sldLayoutId id="2147483709" r:id="rId1"/>
-    <p:sldLayoutId id="2147483710" r:id="rId2"/>
-    <p:sldLayoutId id="2147483711" r:id="rId3"/>
-    <p:sldLayoutId id="2147483712" r:id="rId4"/>
-    <p:sldLayoutId id="2147483713" r:id="rId5"/>
-    <p:sldLayoutId id="2147483714" r:id="rId6"/>
-    <p:sldLayoutId id="2147483715" r:id="rId7"/>
-    <p:sldLayoutId id="2147483716" r:id="rId8"/>
-    <p:sldLayoutId id="2147483717" r:id="rId9"/>
-    <p:sldLayoutId id="2147483718" r:id="rId10"/>
-    <p:sldLayoutId id="2147483719" r:id="rId11"/>
+    <p:sldLayoutId id="2147483721" r:id="rId1"/>
+    <p:sldLayoutId id="2147483722" r:id="rId2"/>
+    <p:sldLayoutId id="2147483723" r:id="rId3"/>
+    <p:sldLayoutId id="2147483724" r:id="rId4"/>
+    <p:sldLayoutId id="2147483725" r:id="rId5"/>
+    <p:sldLayoutId id="2147483726" r:id="rId6"/>
+    <p:sldLayoutId id="2147483727" r:id="rId7"/>
+    <p:sldLayoutId id="2147483728" r:id="rId8"/>
+    <p:sldLayoutId id="2147483729" r:id="rId9"/>
+    <p:sldLayoutId id="2147483730" r:id="rId10"/>
+    <p:sldLayoutId id="2147483731" r:id="rId11"/>
   </p:sldLayoutIdLst>
   <p:txStyles>
     <p:titleStyle>
-      <a:lvl1pPr algn="l" defTabSz="623987" rtl="0" eaLnBrk="1" latinLnBrk="0" hangingPunct="1">
+      <a:lvl1pPr algn="l" defTabSz="575981" rtl="0" eaLnBrk="1" latinLnBrk="0" hangingPunct="1">
         <a:lnSpc>
           <a:spcPct val="90000"/>
         </a:lnSpc>
@@ -2687,7 +2689,7 @@
           <a:spcPct val="0"/>
         </a:spcBef>
         <a:buNone/>
-        <a:defRPr sz="3003" kern="1200">
+        <a:defRPr sz="2772" kern="1200">
           <a:solidFill>
             <a:schemeClr val="tx1"/>
           </a:solidFill>
@@ -2698,16 +2700,16 @@
       </a:lvl1pPr>
     </p:titleStyle>
     <p:bodyStyle>
-      <a:lvl1pPr marL="155997" indent="-155997" algn="l" defTabSz="623987" rtl="0" eaLnBrk="1" latinLnBrk="0" hangingPunct="1">
+      <a:lvl1pPr marL="143995" indent="-143995" algn="l" defTabSz="575981" rtl="0" eaLnBrk="1" latinLnBrk="0" hangingPunct="1">
         <a:lnSpc>
           <a:spcPct val="90000"/>
         </a:lnSpc>
         <a:spcBef>
-          <a:spcPts val="682"/>
+          <a:spcPts val="630"/>
         </a:spcBef>
         <a:buFont typeface="Arial" panose="020B0604020202020204" pitchFamily="34" charset="0"/>
         <a:buChar char="•"/>
-        <a:defRPr sz="1911" kern="1200">
+        <a:defRPr sz="1764" kern="1200">
           <a:solidFill>
             <a:schemeClr val="tx1"/>
           </a:solidFill>
@@ -2716,16 +2718,16 @@
           <a:cs typeface="+mn-cs"/>
         </a:defRPr>
       </a:lvl1pPr>
-      <a:lvl2pPr marL="467990" indent="-155997" algn="l" defTabSz="623987" rtl="0" eaLnBrk="1" latinLnBrk="0" hangingPunct="1">
+      <a:lvl2pPr marL="431985" indent="-143995" algn="l" defTabSz="575981" rtl="0" eaLnBrk="1" latinLnBrk="0" hangingPunct="1">
         <a:lnSpc>
           <a:spcPct val="90000"/>
         </a:lnSpc>
         <a:spcBef>
-          <a:spcPts val="341"/>
+          <a:spcPts val="315"/>
         </a:spcBef>
         <a:buFont typeface="Arial" panose="020B0604020202020204" pitchFamily="34" charset="0"/>
         <a:buChar char="•"/>
-        <a:defRPr sz="1638" kern="1200">
+        <a:defRPr sz="1512" kern="1200">
           <a:solidFill>
             <a:schemeClr val="tx1"/>
           </a:solidFill>
@@ -2734,16 +2736,16 @@
           <a:cs typeface="+mn-cs"/>
         </a:defRPr>
       </a:lvl2pPr>
-      <a:lvl3pPr marL="779983" indent="-155997" algn="l" defTabSz="623987" rtl="0" eaLnBrk="1" latinLnBrk="0" hangingPunct="1">
+      <a:lvl3pPr marL="719976" indent="-143995" algn="l" defTabSz="575981" rtl="0" eaLnBrk="1" latinLnBrk="0" hangingPunct="1">
         <a:lnSpc>
           <a:spcPct val="90000"/>
         </a:lnSpc>
         <a:spcBef>
-          <a:spcPts val="341"/>
+          <a:spcPts val="315"/>
         </a:spcBef>
         <a:buFont typeface="Arial" panose="020B0604020202020204" pitchFamily="34" charset="0"/>
         <a:buChar char="•"/>
-        <a:defRPr sz="1365" kern="1200">
+        <a:defRPr sz="1260" kern="1200">
           <a:solidFill>
             <a:schemeClr val="tx1"/>
           </a:solidFill>
@@ -2752,16 +2754,16 @@
           <a:cs typeface="+mn-cs"/>
         </a:defRPr>
       </a:lvl3pPr>
-      <a:lvl4pPr marL="1091976" indent="-155997" algn="l" defTabSz="623987" rtl="0" eaLnBrk="1" latinLnBrk="0" hangingPunct="1">
+      <a:lvl4pPr marL="1007966" indent="-143995" algn="l" defTabSz="575981" rtl="0" eaLnBrk="1" latinLnBrk="0" hangingPunct="1">
         <a:lnSpc>
           <a:spcPct val="90000"/>
         </a:lnSpc>
         <a:spcBef>
-          <a:spcPts val="341"/>
+          <a:spcPts val="315"/>
         </a:spcBef>
         <a:buFont typeface="Arial" panose="020B0604020202020204" pitchFamily="34" charset="0"/>
         <a:buChar char="•"/>
-        <a:defRPr sz="1228" kern="1200">
+        <a:defRPr sz="1134" kern="1200">
           <a:solidFill>
             <a:schemeClr val="tx1"/>
           </a:solidFill>
@@ -2770,16 +2772,16 @@
           <a:cs typeface="+mn-cs"/>
         </a:defRPr>
       </a:lvl4pPr>
-      <a:lvl5pPr marL="1403970" indent="-155997" algn="l" defTabSz="623987" rtl="0" eaLnBrk="1" latinLnBrk="0" hangingPunct="1">
+      <a:lvl5pPr marL="1295956" indent="-143995" algn="l" defTabSz="575981" rtl="0" eaLnBrk="1" latinLnBrk="0" hangingPunct="1">
         <a:lnSpc>
           <a:spcPct val="90000"/>
         </a:lnSpc>
         <a:spcBef>
-          <a:spcPts val="341"/>
+          <a:spcPts val="315"/>
         </a:spcBef>
         <a:buFont typeface="Arial" panose="020B0604020202020204" pitchFamily="34" charset="0"/>
         <a:buChar char="•"/>
-        <a:defRPr sz="1228" kern="1200">
+        <a:defRPr sz="1134" kern="1200">
           <a:solidFill>
             <a:schemeClr val="tx1"/>
           </a:solidFill>
@@ -2788,16 +2790,16 @@
           <a:cs typeface="+mn-cs"/>
         </a:defRPr>
       </a:lvl5pPr>
-      <a:lvl6pPr marL="1715963" indent="-155997" algn="l" defTabSz="623987" rtl="0" eaLnBrk="1" latinLnBrk="0" hangingPunct="1">
+      <a:lvl6pPr marL="1583947" indent="-143995" algn="l" defTabSz="575981" rtl="0" eaLnBrk="1" latinLnBrk="0" hangingPunct="1">
         <a:lnSpc>
           <a:spcPct val="90000"/>
         </a:lnSpc>
         <a:spcBef>
-          <a:spcPts val="341"/>
+          <a:spcPts val="315"/>
         </a:spcBef>
         <a:buFont typeface="Arial" panose="020B0604020202020204" pitchFamily="34" charset="0"/>
         <a:buChar char="•"/>
-        <a:defRPr sz="1228" kern="1200">
+        <a:defRPr sz="1134" kern="1200">
           <a:solidFill>
             <a:schemeClr val="tx1"/>
           </a:solidFill>
@@ -2806,16 +2808,16 @@
           <a:cs typeface="+mn-cs"/>
         </a:defRPr>
       </a:lvl6pPr>
-      <a:lvl7pPr marL="2027956" indent="-155997" algn="l" defTabSz="623987" rtl="0" eaLnBrk="1" latinLnBrk="0" hangingPunct="1">
+      <a:lvl7pPr marL="1871937" indent="-143995" algn="l" defTabSz="575981" rtl="0" eaLnBrk="1" latinLnBrk="0" hangingPunct="1">
         <a:lnSpc>
           <a:spcPct val="90000"/>
         </a:lnSpc>
         <a:spcBef>
-          <a:spcPts val="341"/>
+          <a:spcPts val="315"/>
         </a:spcBef>
         <a:buFont typeface="Arial" panose="020B0604020202020204" pitchFamily="34" charset="0"/>
         <a:buChar char="•"/>
-        <a:defRPr sz="1228" kern="1200">
+        <a:defRPr sz="1134" kern="1200">
           <a:solidFill>
             <a:schemeClr val="tx1"/>
           </a:solidFill>
@@ -2824,16 +2826,16 @@
           <a:cs typeface="+mn-cs"/>
         </a:defRPr>
       </a:lvl7pPr>
-      <a:lvl8pPr marL="2339950" indent="-155997" algn="l" defTabSz="623987" rtl="0" eaLnBrk="1" latinLnBrk="0" hangingPunct="1">
+      <a:lvl8pPr marL="2159927" indent="-143995" algn="l" defTabSz="575981" rtl="0" eaLnBrk="1" latinLnBrk="0" hangingPunct="1">
         <a:lnSpc>
           <a:spcPct val="90000"/>
         </a:lnSpc>
         <a:spcBef>
-          <a:spcPts val="341"/>
+          <a:spcPts val="315"/>
         </a:spcBef>
         <a:buFont typeface="Arial" panose="020B0604020202020204" pitchFamily="34" charset="0"/>
         <a:buChar char="•"/>
-        <a:defRPr sz="1228" kern="1200">
+        <a:defRPr sz="1134" kern="1200">
           <a:solidFill>
             <a:schemeClr val="tx1"/>
           </a:solidFill>
@@ -2842,16 +2844,16 @@
           <a:cs typeface="+mn-cs"/>
         </a:defRPr>
       </a:lvl8pPr>
-      <a:lvl9pPr marL="2651943" indent="-155997" algn="l" defTabSz="623987" rtl="0" eaLnBrk="1" latinLnBrk="0" hangingPunct="1">
+      <a:lvl9pPr marL="2447917" indent="-143995" algn="l" defTabSz="575981" rtl="0" eaLnBrk="1" latinLnBrk="0" hangingPunct="1">
         <a:lnSpc>
           <a:spcPct val="90000"/>
         </a:lnSpc>
         <a:spcBef>
-          <a:spcPts val="341"/>
+          <a:spcPts val="315"/>
         </a:spcBef>
         <a:buFont typeface="Arial" panose="020B0604020202020204" pitchFamily="34" charset="0"/>
         <a:buChar char="•"/>
-        <a:defRPr sz="1228" kern="1200">
+        <a:defRPr sz="1134" kern="1200">
           <a:solidFill>
             <a:schemeClr val="tx1"/>
           </a:solidFill>
@@ -2865,8 +2867,8 @@
       <a:defPPr>
         <a:defRPr lang="en-US"/>
       </a:defPPr>
-      <a:lvl1pPr marL="0" algn="l" defTabSz="623987" rtl="0" eaLnBrk="1" latinLnBrk="0" hangingPunct="1">
-        <a:defRPr sz="1228" kern="1200">
+      <a:lvl1pPr marL="0" algn="l" defTabSz="575981" rtl="0" eaLnBrk="1" latinLnBrk="0" hangingPunct="1">
+        <a:defRPr sz="1134" kern="1200">
           <a:solidFill>
             <a:schemeClr val="tx1"/>
           </a:solidFill>
@@ -2875,8 +2877,8 @@
           <a:cs typeface="+mn-cs"/>
         </a:defRPr>
       </a:lvl1pPr>
-      <a:lvl2pPr marL="311993" algn="l" defTabSz="623987" rtl="0" eaLnBrk="1" latinLnBrk="0" hangingPunct="1">
-        <a:defRPr sz="1228" kern="1200">
+      <a:lvl2pPr marL="287990" algn="l" defTabSz="575981" rtl="0" eaLnBrk="1" latinLnBrk="0" hangingPunct="1">
+        <a:defRPr sz="1134" kern="1200">
           <a:solidFill>
             <a:schemeClr val="tx1"/>
           </a:solidFill>
@@ -2885,8 +2887,8 @@
           <a:cs typeface="+mn-cs"/>
         </a:defRPr>
       </a:lvl2pPr>
-      <a:lvl3pPr marL="623987" algn="l" defTabSz="623987" rtl="0" eaLnBrk="1" latinLnBrk="0" hangingPunct="1">
-        <a:defRPr sz="1228" kern="1200">
+      <a:lvl3pPr marL="575981" algn="l" defTabSz="575981" rtl="0" eaLnBrk="1" latinLnBrk="0" hangingPunct="1">
+        <a:defRPr sz="1134" kern="1200">
           <a:solidFill>
             <a:schemeClr val="tx1"/>
           </a:solidFill>
@@ -2895,8 +2897,8 @@
           <a:cs typeface="+mn-cs"/>
         </a:defRPr>
       </a:lvl3pPr>
-      <a:lvl4pPr marL="935980" algn="l" defTabSz="623987" rtl="0" eaLnBrk="1" latinLnBrk="0" hangingPunct="1">
-        <a:defRPr sz="1228" kern="1200">
+      <a:lvl4pPr marL="863971" algn="l" defTabSz="575981" rtl="0" eaLnBrk="1" latinLnBrk="0" hangingPunct="1">
+        <a:defRPr sz="1134" kern="1200">
           <a:solidFill>
             <a:schemeClr val="tx1"/>
           </a:solidFill>
@@ -2905,8 +2907,8 @@
           <a:cs typeface="+mn-cs"/>
         </a:defRPr>
       </a:lvl4pPr>
-      <a:lvl5pPr marL="1247973" algn="l" defTabSz="623987" rtl="0" eaLnBrk="1" latinLnBrk="0" hangingPunct="1">
-        <a:defRPr sz="1228" kern="1200">
+      <a:lvl5pPr marL="1151961" algn="l" defTabSz="575981" rtl="0" eaLnBrk="1" latinLnBrk="0" hangingPunct="1">
+        <a:defRPr sz="1134" kern="1200">
           <a:solidFill>
             <a:schemeClr val="tx1"/>
           </a:solidFill>
@@ -2915,8 +2917,8 @@
           <a:cs typeface="+mn-cs"/>
         </a:defRPr>
       </a:lvl5pPr>
-      <a:lvl6pPr marL="1559966" algn="l" defTabSz="623987" rtl="0" eaLnBrk="1" latinLnBrk="0" hangingPunct="1">
-        <a:defRPr sz="1228" kern="1200">
+      <a:lvl6pPr marL="1439951" algn="l" defTabSz="575981" rtl="0" eaLnBrk="1" latinLnBrk="0" hangingPunct="1">
+        <a:defRPr sz="1134" kern="1200">
           <a:solidFill>
             <a:schemeClr val="tx1"/>
           </a:solidFill>
@@ -2925,8 +2927,8 @@
           <a:cs typeface="+mn-cs"/>
         </a:defRPr>
       </a:lvl6pPr>
-      <a:lvl7pPr marL="1871960" algn="l" defTabSz="623987" rtl="0" eaLnBrk="1" latinLnBrk="0" hangingPunct="1">
-        <a:defRPr sz="1228" kern="1200">
+      <a:lvl7pPr marL="1727942" algn="l" defTabSz="575981" rtl="0" eaLnBrk="1" latinLnBrk="0" hangingPunct="1">
+        <a:defRPr sz="1134" kern="1200">
           <a:solidFill>
             <a:schemeClr val="tx1"/>
           </a:solidFill>
@@ -2935,8 +2937,8 @@
           <a:cs typeface="+mn-cs"/>
         </a:defRPr>
       </a:lvl7pPr>
-      <a:lvl8pPr marL="2183953" algn="l" defTabSz="623987" rtl="0" eaLnBrk="1" latinLnBrk="0" hangingPunct="1">
-        <a:defRPr sz="1228" kern="1200">
+      <a:lvl8pPr marL="2015932" algn="l" defTabSz="575981" rtl="0" eaLnBrk="1" latinLnBrk="0" hangingPunct="1">
+        <a:defRPr sz="1134" kern="1200">
           <a:solidFill>
             <a:schemeClr val="tx1"/>
           </a:solidFill>
@@ -2945,8 +2947,8 @@
           <a:cs typeface="+mn-cs"/>
         </a:defRPr>
       </a:lvl8pPr>
-      <a:lvl9pPr marL="2495946" algn="l" defTabSz="623987" rtl="0" eaLnBrk="1" latinLnBrk="0" hangingPunct="1">
-        <a:defRPr sz="1228" kern="1200">
+      <a:lvl9pPr marL="2303922" algn="l" defTabSz="575981" rtl="0" eaLnBrk="1" latinLnBrk="0" hangingPunct="1">
+        <a:defRPr sz="1134" kern="1200">
           <a:solidFill>
             <a:schemeClr val="tx1"/>
           </a:solidFill>
@@ -3058,7 +3060,7 @@
         </p:nvSpPr>
         <p:spPr bwMode="auto">
           <a:xfrm>
-            <a:off x="1211424" y="2268315"/>
+            <a:off x="1211424" y="2268317"/>
             <a:ext cx="3039710" cy="2079801"/>
           </a:xfrm>
           <a:prstGeom prst="line">
@@ -3123,7 +3125,7 @@
         </p:nvSpPr>
         <p:spPr bwMode="auto">
           <a:xfrm>
-            <a:off x="651480" y="1388395"/>
+            <a:off x="651480" y="1388394"/>
             <a:ext cx="574947" cy="1929816"/>
           </a:xfrm>
           <a:prstGeom prst="line">
@@ -3188,7 +3190,7 @@
         </p:nvSpPr>
         <p:spPr bwMode="auto">
           <a:xfrm>
-            <a:off x="1238976" y="2702092"/>
+            <a:off x="1238979" y="2702094"/>
             <a:ext cx="1127337" cy="1651023"/>
           </a:xfrm>
           <a:prstGeom prst="line">
@@ -3253,7 +3255,7 @@
         </p:nvSpPr>
         <p:spPr bwMode="auto">
           <a:xfrm>
-            <a:off x="1225200" y="2702092"/>
+            <a:off x="1225200" y="2702094"/>
             <a:ext cx="0" cy="639939"/>
           </a:xfrm>
           <a:prstGeom prst="line">
@@ -3319,7 +3321,7 @@
         </p:nvSpPr>
         <p:spPr bwMode="auto">
           <a:xfrm>
-            <a:off x="651480" y="4348111"/>
+            <a:off x="651480" y="4348110"/>
             <a:ext cx="4251023" cy="0"/>
           </a:xfrm>
           <a:prstGeom prst="line">
@@ -3383,7 +3385,7 @@
         </p:nvSpPr>
         <p:spPr bwMode="auto">
           <a:xfrm>
-            <a:off x="651477" y="839876"/>
+            <a:off x="651477" y="839875"/>
             <a:ext cx="0" cy="3508236"/>
           </a:xfrm>
           <a:prstGeom prst="line">
@@ -3447,7 +3449,7 @@
             </p:nvSpPr>
             <p:spPr>
               <a:xfrm>
-                <a:off x="1854928" y="3591157"/>
+                <a:off x="1854931" y="3591159"/>
                 <a:ext cx="717395" cy="169277"/>
               </a:xfrm>
               <a:prstGeom prst="rect">
@@ -3516,7 +3518,7 @@
             </p:nvSpPr>
             <p:spPr>
               <a:xfrm>
-                <a:off x="1854928" y="3591157"/>
+                <a:off x="1854931" y="3591159"/>
                 <a:ext cx="717395" cy="169277"/>
               </a:xfrm>
               <a:prstGeom prst="rect">
@@ -3560,7 +3562,7 @@
             </p:nvSpPr>
             <p:spPr>
               <a:xfrm>
-                <a:off x="734258" y="1567417"/>
+                <a:off x="734259" y="1567417"/>
                 <a:ext cx="717395" cy="169277"/>
               </a:xfrm>
               <a:prstGeom prst="rect">
@@ -3629,7 +3631,7 @@
             </p:nvSpPr>
             <p:spPr>
               <a:xfrm>
-                <a:off x="734258" y="1567417"/>
+                <a:off x="734259" y="1567417"/>
                 <a:ext cx="717395" cy="169277"/>
               </a:xfrm>
               <a:prstGeom prst="rect">
@@ -3868,7 +3870,7 @@
             </p:nvSpPr>
             <p:spPr>
               <a:xfrm>
-                <a:off x="4786268" y="4510673"/>
+                <a:off x="4786269" y="4510673"/>
                 <a:ext cx="717395" cy="169277"/>
               </a:xfrm>
               <a:prstGeom prst="rect">
@@ -3918,7 +3920,7 @@
             </p:nvSpPr>
             <p:spPr>
               <a:xfrm>
-                <a:off x="4786268" y="4510673"/>
+                <a:off x="4786269" y="4510673"/>
                 <a:ext cx="717395" cy="169277"/>
               </a:xfrm>
               <a:prstGeom prst="rect">
@@ -3962,7 +3964,7 @@
             </p:nvSpPr>
             <p:spPr>
               <a:xfrm>
-                <a:off x="3892439" y="4425481"/>
+                <a:off x="3892440" y="4425481"/>
                 <a:ext cx="717395" cy="169277"/>
               </a:xfrm>
               <a:prstGeom prst="rect">
@@ -4019,7 +4021,7 @@
             </p:nvSpPr>
             <p:spPr>
               <a:xfrm>
-                <a:off x="3892439" y="4425481"/>
+                <a:off x="3892440" y="4425481"/>
                 <a:ext cx="717395" cy="169277"/>
               </a:xfrm>
               <a:prstGeom prst="rect">
@@ -4508,7 +4510,7 @@
         </p:nvSpPr>
         <p:spPr bwMode="auto">
           <a:xfrm>
-            <a:off x="1211424" y="2268315"/>
+            <a:off x="1211424" y="2268317"/>
             <a:ext cx="3039710" cy="2079801"/>
           </a:xfrm>
           <a:prstGeom prst="line">
@@ -4573,7 +4575,7 @@
         </p:nvSpPr>
         <p:spPr bwMode="auto">
           <a:xfrm>
-            <a:off x="651480" y="1388395"/>
+            <a:off x="651480" y="1388394"/>
             <a:ext cx="574947" cy="1929816"/>
           </a:xfrm>
           <a:prstGeom prst="line">
@@ -4638,7 +4640,7 @@
         </p:nvSpPr>
         <p:spPr bwMode="auto">
           <a:xfrm>
-            <a:off x="1238976" y="2702092"/>
+            <a:off x="1238979" y="2702094"/>
             <a:ext cx="1127337" cy="1651023"/>
           </a:xfrm>
           <a:prstGeom prst="line">
@@ -4703,7 +4705,7 @@
         </p:nvSpPr>
         <p:spPr bwMode="auto">
           <a:xfrm>
-            <a:off x="1225200" y="2702092"/>
+            <a:off x="1225200" y="2702094"/>
             <a:ext cx="0" cy="639939"/>
           </a:xfrm>
           <a:prstGeom prst="line">
@@ -4769,7 +4771,7 @@
         </p:nvSpPr>
         <p:spPr bwMode="auto">
           <a:xfrm>
-            <a:off x="644592" y="3425099"/>
+            <a:off x="644592" y="3425098"/>
             <a:ext cx="4251023" cy="0"/>
           </a:xfrm>
           <a:prstGeom prst="line">
@@ -4837,7 +4839,7 @@
         </p:nvSpPr>
         <p:spPr bwMode="auto">
           <a:xfrm>
-            <a:off x="651480" y="4348111"/>
+            <a:off x="651480" y="4348110"/>
             <a:ext cx="4251023" cy="0"/>
           </a:xfrm>
           <a:prstGeom prst="line">
@@ -4901,7 +4903,7 @@
         </p:nvSpPr>
         <p:spPr bwMode="auto">
           <a:xfrm>
-            <a:off x="651477" y="839876"/>
+            <a:off x="651477" y="839875"/>
             <a:ext cx="0" cy="3508236"/>
           </a:xfrm>
           <a:prstGeom prst="line">
@@ -4965,7 +4967,7 @@
             </p:nvSpPr>
             <p:spPr>
               <a:xfrm>
-                <a:off x="1854928" y="3591157"/>
+                <a:off x="1854931" y="3591159"/>
                 <a:ext cx="717395" cy="169277"/>
               </a:xfrm>
               <a:prstGeom prst="rect">
@@ -5034,7 +5036,7 @@
             </p:nvSpPr>
             <p:spPr>
               <a:xfrm>
-                <a:off x="1854928" y="3591157"/>
+                <a:off x="1854931" y="3591159"/>
                 <a:ext cx="717395" cy="169277"/>
               </a:xfrm>
               <a:prstGeom prst="rect">
@@ -5078,7 +5080,7 @@
             </p:nvSpPr>
             <p:spPr>
               <a:xfrm>
-                <a:off x="734258" y="1567417"/>
+                <a:off x="734259" y="1567417"/>
                 <a:ext cx="717395" cy="169277"/>
               </a:xfrm>
               <a:prstGeom prst="rect">
@@ -5147,7 +5149,7 @@
             </p:nvSpPr>
             <p:spPr>
               <a:xfrm>
-                <a:off x="734258" y="1567417"/>
+                <a:off x="734259" y="1567417"/>
                 <a:ext cx="717395" cy="169277"/>
               </a:xfrm>
               <a:prstGeom prst="rect">
@@ -5191,7 +5193,7 @@
             </p:nvSpPr>
             <p:spPr>
               <a:xfrm>
-                <a:off x="4123822" y="3148935"/>
+                <a:off x="4123825" y="3148937"/>
                 <a:ext cx="1069723" cy="169277"/>
               </a:xfrm>
               <a:prstGeom prst="rect">
@@ -5265,7 +5267,7 @@
             </p:nvSpPr>
             <p:spPr>
               <a:xfrm>
-                <a:off x="4123822" y="3148935"/>
+                <a:off x="4123825" y="3148937"/>
                 <a:ext cx="1069723" cy="169277"/>
               </a:xfrm>
               <a:prstGeom prst="rect">
@@ -5624,7 +5626,7 @@
             </p:nvSpPr>
             <p:spPr>
               <a:xfrm>
-                <a:off x="4786268" y="4510673"/>
+                <a:off x="4786269" y="4510673"/>
                 <a:ext cx="717395" cy="169277"/>
               </a:xfrm>
               <a:prstGeom prst="rect">
@@ -5674,7 +5676,7 @@
             </p:nvSpPr>
             <p:spPr>
               <a:xfrm>
-                <a:off x="4786268" y="4510673"/>
+                <a:off x="4786269" y="4510673"/>
                 <a:ext cx="717395" cy="169277"/>
               </a:xfrm>
               <a:prstGeom prst="rect">
@@ -5718,7 +5720,7 @@
             </p:nvSpPr>
             <p:spPr>
               <a:xfrm>
-                <a:off x="1352720" y="4413422"/>
+                <a:off x="1352721" y="4413422"/>
                 <a:ext cx="717395" cy="169277"/>
               </a:xfrm>
               <a:prstGeom prst="rect">
@@ -5775,7 +5777,7 @@
             </p:nvSpPr>
             <p:spPr>
               <a:xfrm>
-                <a:off x="1352720" y="4413422"/>
+                <a:off x="1352721" y="4413422"/>
                 <a:ext cx="717395" cy="169277"/>
               </a:xfrm>
               <a:prstGeom prst="rect">
@@ -5819,7 +5821,7 @@
             </p:nvSpPr>
             <p:spPr>
               <a:xfrm>
-                <a:off x="3892439" y="4425481"/>
+                <a:off x="3892440" y="4425481"/>
                 <a:ext cx="717395" cy="169277"/>
               </a:xfrm>
               <a:prstGeom prst="rect">
@@ -5876,7 +5878,7 @@
             </p:nvSpPr>
             <p:spPr>
               <a:xfrm>
-                <a:off x="3892439" y="4425481"/>
+                <a:off x="3892440" y="4425481"/>
                 <a:ext cx="717395" cy="169277"/>
               </a:xfrm>
               <a:prstGeom prst="rect">
@@ -6562,7 +6564,7 @@
         </p:nvSpPr>
         <p:spPr bwMode="auto">
           <a:xfrm>
-            <a:off x="1211424" y="2268315"/>
+            <a:off x="1211424" y="2268317"/>
             <a:ext cx="3039710" cy="2079801"/>
           </a:xfrm>
           <a:prstGeom prst="line">
@@ -6627,7 +6629,7 @@
         </p:nvSpPr>
         <p:spPr bwMode="auto">
           <a:xfrm>
-            <a:off x="651480" y="1388395"/>
+            <a:off x="651480" y="1388394"/>
             <a:ext cx="574947" cy="1929816"/>
           </a:xfrm>
           <a:prstGeom prst="line">
@@ -6692,7 +6694,7 @@
         </p:nvSpPr>
         <p:spPr bwMode="auto">
           <a:xfrm>
-            <a:off x="1238976" y="2702092"/>
+            <a:off x="1238979" y="2702094"/>
             <a:ext cx="1127337" cy="1651023"/>
           </a:xfrm>
           <a:prstGeom prst="line">
@@ -6757,7 +6759,7 @@
         </p:nvSpPr>
         <p:spPr bwMode="auto">
           <a:xfrm>
-            <a:off x="1225200" y="2702092"/>
+            <a:off x="1225200" y="2702094"/>
             <a:ext cx="0" cy="639939"/>
           </a:xfrm>
           <a:prstGeom prst="line">
@@ -6823,7 +6825,7 @@
         </p:nvSpPr>
         <p:spPr bwMode="auto">
           <a:xfrm>
-            <a:off x="644592" y="2185959"/>
+            <a:off x="644592" y="2185958"/>
             <a:ext cx="4251023" cy="0"/>
           </a:xfrm>
           <a:prstGeom prst="line">
@@ -6891,7 +6893,7 @@
         </p:nvSpPr>
         <p:spPr bwMode="auto">
           <a:xfrm>
-            <a:off x="651480" y="4348111"/>
+            <a:off x="651480" y="4348110"/>
             <a:ext cx="4251023" cy="0"/>
           </a:xfrm>
           <a:prstGeom prst="line">
@@ -6955,7 +6957,7 @@
         </p:nvSpPr>
         <p:spPr bwMode="auto">
           <a:xfrm>
-            <a:off x="651477" y="839876"/>
+            <a:off x="651477" y="839875"/>
             <a:ext cx="0" cy="3508236"/>
           </a:xfrm>
           <a:prstGeom prst="line">
@@ -7019,7 +7021,7 @@
             </p:nvSpPr>
             <p:spPr>
               <a:xfrm>
-                <a:off x="1854928" y="3591157"/>
+                <a:off x="1854931" y="3591159"/>
                 <a:ext cx="717395" cy="169277"/>
               </a:xfrm>
               <a:prstGeom prst="rect">
@@ -7088,7 +7090,7 @@
             </p:nvSpPr>
             <p:spPr>
               <a:xfrm>
-                <a:off x="1854928" y="3591157"/>
+                <a:off x="1854931" y="3591159"/>
                 <a:ext cx="717395" cy="169277"/>
               </a:xfrm>
               <a:prstGeom prst="rect">
@@ -7245,7 +7247,7 @@
             </p:nvSpPr>
             <p:spPr>
               <a:xfrm>
-                <a:off x="4166349" y="1922520"/>
+                <a:off x="4166349" y="1922522"/>
                 <a:ext cx="1099862" cy="169277"/>
               </a:xfrm>
               <a:prstGeom prst="rect">
@@ -7319,7 +7321,7 @@
             </p:nvSpPr>
             <p:spPr>
               <a:xfrm>
-                <a:off x="4166349" y="1922520"/>
+                <a:off x="4166349" y="1922522"/>
                 <a:ext cx="1099862" cy="169277"/>
               </a:xfrm>
               <a:prstGeom prst="rect">
@@ -7678,7 +7680,7 @@
             </p:nvSpPr>
             <p:spPr>
               <a:xfrm>
-                <a:off x="4786268" y="4510673"/>
+                <a:off x="4786269" y="4510673"/>
                 <a:ext cx="717395" cy="169277"/>
               </a:xfrm>
               <a:prstGeom prst="rect">
@@ -7728,7 +7730,7 @@
             </p:nvSpPr>
             <p:spPr>
               <a:xfrm>
-                <a:off x="4786268" y="4510673"/>
+                <a:off x="4786269" y="4510673"/>
                 <a:ext cx="717395" cy="169277"/>
               </a:xfrm>
               <a:prstGeom prst="rect">
@@ -7873,7 +7875,7 @@
             </p:nvSpPr>
             <p:spPr>
               <a:xfrm>
-                <a:off x="3892439" y="4425481"/>
+                <a:off x="3892440" y="4425481"/>
                 <a:ext cx="717395" cy="169277"/>
               </a:xfrm>
               <a:prstGeom prst="rect">
@@ -7930,7 +7932,7 @@
             </p:nvSpPr>
             <p:spPr>
               <a:xfrm>
-                <a:off x="3892439" y="4425481"/>
+                <a:off x="3892440" y="4425481"/>
                 <a:ext cx="717395" cy="169277"/>
               </a:xfrm>
               <a:prstGeom prst="rect">
@@ -7972,7 +7974,7 @@
         </p:nvGrpSpPr>
         <p:grpSpPr>
           <a:xfrm>
-            <a:off x="641927" y="1737474"/>
+            <a:off x="641927" y="1737473"/>
             <a:ext cx="247868" cy="2610638"/>
             <a:chOff x="323085" y="2862834"/>
             <a:chExt cx="1053051" cy="1729870"/>
@@ -8551,7 +8553,7 @@
         </p:nvSpPr>
         <p:spPr bwMode="auto">
           <a:xfrm>
-            <a:off x="731698" y="1103973"/>
+            <a:off x="651482" y="1388398"/>
             <a:ext cx="559947" cy="879917"/>
           </a:xfrm>
           <a:prstGeom prst="line">
@@ -8616,7 +8618,7 @@
         </p:nvSpPr>
         <p:spPr bwMode="auto">
           <a:xfrm>
-            <a:off x="1291641" y="1983890"/>
+            <a:off x="1211424" y="2268317"/>
             <a:ext cx="3039710" cy="2079801"/>
           </a:xfrm>
           <a:prstGeom prst="line">
@@ -8681,7 +8683,7 @@
         </p:nvSpPr>
         <p:spPr bwMode="auto">
           <a:xfrm>
-            <a:off x="731697" y="1103970"/>
+            <a:off x="651481" y="1388394"/>
             <a:ext cx="574947" cy="1929816"/>
           </a:xfrm>
           <a:prstGeom prst="line">
@@ -8746,7 +8748,7 @@
         </p:nvSpPr>
         <p:spPr bwMode="auto">
           <a:xfrm>
-            <a:off x="1319193" y="2417667"/>
+            <a:off x="1238979" y="2702094"/>
             <a:ext cx="1127337" cy="1651023"/>
           </a:xfrm>
           <a:prstGeom prst="line">
@@ -8811,7 +8813,7 @@
         </p:nvSpPr>
         <p:spPr bwMode="auto">
           <a:xfrm>
-            <a:off x="1305417" y="2417667"/>
+            <a:off x="1225200" y="2702094"/>
             <a:ext cx="0" cy="639939"/>
           </a:xfrm>
           <a:prstGeom prst="line">
@@ -8877,7 +8879,7 @@
         </p:nvSpPr>
         <p:spPr bwMode="auto">
           <a:xfrm>
-            <a:off x="731697" y="2643405"/>
+            <a:off x="651481" y="2927829"/>
             <a:ext cx="4251023" cy="0"/>
           </a:xfrm>
           <a:prstGeom prst="line">
@@ -8945,7 +8947,7 @@
         </p:nvSpPr>
         <p:spPr bwMode="auto">
           <a:xfrm>
-            <a:off x="731697" y="4063686"/>
+            <a:off x="651481" y="4348110"/>
             <a:ext cx="4251023" cy="0"/>
           </a:xfrm>
           <a:prstGeom prst="line">
@@ -9009,7 +9011,7 @@
         </p:nvSpPr>
         <p:spPr bwMode="auto">
           <a:xfrm>
-            <a:off x="731694" y="555451"/>
+            <a:off x="651477" y="839875"/>
             <a:ext cx="0" cy="3508236"/>
           </a:xfrm>
           <a:prstGeom prst="line">
@@ -9073,7 +9075,7 @@
             </p:nvSpPr>
             <p:spPr>
               <a:xfrm>
-                <a:off x="1935145" y="3306732"/>
+                <a:off x="1854931" y="3591159"/>
                 <a:ext cx="717395" cy="169277"/>
               </a:xfrm>
               <a:prstGeom prst="rect">
@@ -9142,7 +9144,7 @@
             </p:nvSpPr>
             <p:spPr>
               <a:xfrm>
-                <a:off x="1935145" y="3306732"/>
+                <a:off x="1854931" y="3591159"/>
                 <a:ext cx="717395" cy="169277"/>
               </a:xfrm>
               <a:prstGeom prst="rect">
@@ -9151,7 +9153,7 @@
               <a:blipFill>
                 <a:blip r:embed="rId2"/>
                 <a:stretch>
-                  <a:fillRect b="-20000"/>
+                  <a:fillRect b="-28571"/>
                 </a:stretch>
               </a:blipFill>
             </p:spPr>
@@ -9186,7 +9188,7 @@
             </p:nvSpPr>
             <p:spPr>
               <a:xfrm>
-                <a:off x="814475" y="1282992"/>
+                <a:off x="734259" y="1567417"/>
                 <a:ext cx="717395" cy="169277"/>
               </a:xfrm>
               <a:prstGeom prst="rect">
@@ -9255,7 +9257,7 @@
             </p:nvSpPr>
             <p:spPr>
               <a:xfrm>
-                <a:off x="814475" y="1282992"/>
+                <a:off x="734259" y="1567417"/>
                 <a:ext cx="717395" cy="169277"/>
               </a:xfrm>
               <a:prstGeom prst="rect">
@@ -9264,108 +9266,7 @@
               <a:blipFill>
                 <a:blip r:embed="rId3"/>
                 <a:stretch>
-                  <a:fillRect b="-28571"/>
-                </a:stretch>
-              </a:blipFill>
-            </p:spPr>
-            <p:txBody>
-              <a:bodyPr/>
-              <a:lstStyle/>
-              <a:p>
-                <a:r>
-                  <a:rPr lang="en-US">
-                    <a:noFill/>
-                  </a:rPr>
-                  <a:t> </a:t>
-                </a:r>
-              </a:p>
-            </p:txBody>
-          </p:sp>
-        </mc:Fallback>
-      </mc:AlternateContent>
-      <mc:AlternateContent xmlns:mc="http://schemas.openxmlformats.org/markup-compatibility/2006">
-        <mc:Choice xmlns:a14="http://schemas.microsoft.com/office/drawing/2010/main" Requires="a14">
-          <p:sp>
-            <p:nvSpPr>
-              <p:cNvPr id="67" name="TextBox 66">
-                <a:extLst>
-                  <a:ext uri="{FF2B5EF4-FFF2-40B4-BE49-F238E27FC236}">
-                    <a16:creationId xmlns:a16="http://schemas.microsoft.com/office/drawing/2014/main" id="{70318DFF-4E9E-C74D-A228-E11D80C09B6D}"/>
-                  </a:ext>
-                </a:extLst>
-              </p:cNvPr>
-              <p:cNvSpPr txBox="1"/>
-              <p:nvPr/>
-            </p:nvSpPr>
-            <p:spPr>
-              <a:xfrm>
-                <a:off x="1105963" y="4510673"/>
-                <a:ext cx="717395" cy="169277"/>
-              </a:xfrm>
-              <a:prstGeom prst="rect">
-                <a:avLst/>
-              </a:prstGeom>
-              <a:noFill/>
-            </p:spPr>
-            <p:txBody>
-              <a:bodyPr wrap="square" lIns="0" tIns="0" rIns="0" bIns="0" rtlCol="0">
-                <a:spAutoFit/>
-              </a:bodyPr>
-              <a:lstStyle/>
-              <a:p>
-                <a14:m>
-                  <m:oMathPara xmlns:m="http://schemas.openxmlformats.org/officeDocument/2006/math">
-                    <m:oMathParaPr>
-                      <m:jc m:val="centerGroup"/>
-                    </m:oMathParaPr>
-                    <m:oMath xmlns:m="http://schemas.openxmlformats.org/officeDocument/2006/math">
-                      <m:r>
-                        <a:rPr lang="en-GB" sz="1100" i="1">
-                          <a:latin typeface="Cambria Math" panose="02040503050406030204" pitchFamily="18" charset="0"/>
-                        </a:rPr>
-                        <m:t>𝑞</m:t>
-                      </m:r>
-                      <m:r>
-                        <a:rPr lang="en-GB" sz="1100" i="1">
-                          <a:latin typeface="Cambria Math" panose="02040503050406030204" pitchFamily="18" charset="0"/>
-                        </a:rPr>
-                        <m:t>=4</m:t>
-                      </m:r>
-                    </m:oMath>
-                  </m:oMathPara>
-                </a14:m>
-                <a:endParaRPr lang="en-US" sz="1100" dirty="0"/>
-              </a:p>
-            </p:txBody>
-          </p:sp>
-        </mc:Choice>
-        <mc:Fallback>
-          <p:sp>
-            <p:nvSpPr>
-              <p:cNvPr id="67" name="TextBox 66">
-                <a:extLst>
-                  <a:ext uri="{FF2B5EF4-FFF2-40B4-BE49-F238E27FC236}">
-                    <a16:creationId xmlns:a16="http://schemas.microsoft.com/office/drawing/2014/main" id="{70318DFF-4E9E-C74D-A228-E11D80C09B6D}"/>
-                  </a:ext>
-                </a:extLst>
-              </p:cNvPr>
-              <p:cNvSpPr txBox="1">
-                <a:spLocks noRot="1" noChangeAspect="1" noMove="1" noResize="1" noEditPoints="1" noAdjustHandles="1" noChangeArrowheads="1" noChangeShapeType="1" noTextEdit="1"/>
-              </p:cNvSpPr>
-              <p:nvPr/>
-            </p:nvSpPr>
-            <p:spPr>
-              <a:xfrm>
-                <a:off x="1105963" y="4510673"/>
-                <a:ext cx="717395" cy="169277"/>
-              </a:xfrm>
-              <a:prstGeom prst="rect">
-                <a:avLst/>
-              </a:prstGeom>
-              <a:blipFill>
-                <a:blip r:embed="rId4"/>
-                <a:stretch>
-                  <a:fillRect b="-13333"/>
+                  <a:fillRect b="-20000"/>
                 </a:stretch>
               </a:blipFill>
             </p:spPr>
@@ -9400,7 +9301,7 @@
             </p:nvSpPr>
             <p:spPr>
               <a:xfrm>
-                <a:off x="80217" y="1002189"/>
+                <a:off x="0" y="1286614"/>
                 <a:ext cx="717395" cy="169277"/>
               </a:xfrm>
               <a:prstGeom prst="rect">
@@ -9457,16 +9358,16 @@
             </p:nvSpPr>
             <p:spPr>
               <a:xfrm>
-                <a:off x="80217" y="1002189"/>
+                <a:off x="0" y="1286614"/>
                 <a:ext cx="717395" cy="169277"/>
               </a:xfrm>
               <a:prstGeom prst="rect">
                 <a:avLst/>
               </a:prstGeom>
               <a:blipFill>
-                <a:blip r:embed="rId5"/>
+                <a:blip r:embed="rId4"/>
                 <a:stretch>
-                  <a:fillRect b="-14286"/>
+                  <a:fillRect b="-13333"/>
                 </a:stretch>
               </a:blipFill>
             </p:spPr>
@@ -9501,7 +9402,7 @@
             </p:nvSpPr>
             <p:spPr>
               <a:xfrm>
-                <a:off x="299725" y="329870"/>
+                <a:off x="219508" y="614295"/>
                 <a:ext cx="717395" cy="169277"/>
               </a:xfrm>
               <a:prstGeom prst="rect">
@@ -9551,16 +9452,16 @@
             </p:nvSpPr>
             <p:spPr>
               <a:xfrm>
-                <a:off x="299725" y="329870"/>
+                <a:off x="219508" y="614295"/>
                 <a:ext cx="717395" cy="169277"/>
               </a:xfrm>
               <a:prstGeom prst="rect">
                 <a:avLst/>
               </a:prstGeom>
               <a:blipFill>
-                <a:blip r:embed="rId6"/>
+                <a:blip r:embed="rId5"/>
                 <a:stretch>
-                  <a:fillRect l="-14286" t="-21429" b="-42857"/>
+                  <a:fillRect l="-10345" t="-21429" b="-42857"/>
                 </a:stretch>
               </a:blipFill>
             </p:spPr>
@@ -9595,7 +9496,7 @@
             </p:nvSpPr>
             <p:spPr>
               <a:xfrm>
-                <a:off x="4866485" y="4226248"/>
+                <a:off x="4786269" y="4510673"/>
                 <a:ext cx="717395" cy="169277"/>
               </a:xfrm>
               <a:prstGeom prst="rect">
@@ -9645,117 +9546,16 @@
             </p:nvSpPr>
             <p:spPr>
               <a:xfrm>
-                <a:off x="4866485" y="4226248"/>
+                <a:off x="4786269" y="4510673"/>
                 <a:ext cx="717395" cy="169277"/>
               </a:xfrm>
               <a:prstGeom prst="rect">
                 <a:avLst/>
               </a:prstGeom>
               <a:blipFill>
-                <a:blip r:embed="rId7"/>
+                <a:blip r:embed="rId6"/>
                 <a:stretch>
-                  <a:fillRect l="-10345" t="-21429" b="-42857"/>
-                </a:stretch>
-              </a:blipFill>
-            </p:spPr>
-            <p:txBody>
-              <a:bodyPr/>
-              <a:lstStyle/>
-              <a:p>
-                <a:r>
-                  <a:rPr lang="en-US">
-                    <a:noFill/>
-                  </a:rPr>
-                  <a:t> </a:t>
-                </a:r>
-              </a:p>
-            </p:txBody>
-          </p:sp>
-        </mc:Fallback>
-      </mc:AlternateContent>
-      <mc:AlternateContent xmlns:mc="http://schemas.openxmlformats.org/markup-compatibility/2006">
-        <mc:Choice xmlns:a14="http://schemas.microsoft.com/office/drawing/2010/main" Requires="a14">
-          <p:sp>
-            <p:nvSpPr>
-              <p:cNvPr id="71" name="TextBox 70">
-                <a:extLst>
-                  <a:ext uri="{FF2B5EF4-FFF2-40B4-BE49-F238E27FC236}">
-                    <a16:creationId xmlns:a16="http://schemas.microsoft.com/office/drawing/2014/main" id="{93DF90E4-DBF0-A345-9117-13AC42A6E25A}"/>
-                  </a:ext>
-                </a:extLst>
-              </p:cNvPr>
-              <p:cNvSpPr txBox="1"/>
-              <p:nvPr/>
-            </p:nvSpPr>
-            <p:spPr>
-              <a:xfrm>
-                <a:off x="797614" y="4202543"/>
-                <a:ext cx="717395" cy="169277"/>
-              </a:xfrm>
-              <a:prstGeom prst="rect">
-                <a:avLst/>
-              </a:prstGeom>
-              <a:noFill/>
-            </p:spPr>
-            <p:txBody>
-              <a:bodyPr wrap="square" lIns="0" tIns="0" rIns="0" bIns="0" rtlCol="0">
-                <a:spAutoFit/>
-              </a:bodyPr>
-              <a:lstStyle/>
-              <a:p>
-                <a14:m>
-                  <m:oMathPara xmlns:m="http://schemas.openxmlformats.org/officeDocument/2006/math">
-                    <m:oMathParaPr>
-                      <m:jc m:val="centerGroup"/>
-                    </m:oMathParaPr>
-                    <m:oMath xmlns:m="http://schemas.openxmlformats.org/officeDocument/2006/math">
-                      <m:r>
-                        <a:rPr lang="en-GB" sz="1100" i="1">
-                          <a:latin typeface="Cambria Math" panose="02040503050406030204" pitchFamily="18" charset="0"/>
-                        </a:rPr>
-                        <m:t>𝑞</m:t>
-                      </m:r>
-                      <m:r>
-                        <a:rPr lang="en-GB" sz="1100" i="1">
-                          <a:latin typeface="Cambria Math" panose="02040503050406030204" pitchFamily="18" charset="0"/>
-                        </a:rPr>
-                        <m:t>=2.75</m:t>
-                      </m:r>
-                    </m:oMath>
-                  </m:oMathPara>
-                </a14:m>
-                <a:endParaRPr lang="en-US" sz="1100" dirty="0"/>
-              </a:p>
-            </p:txBody>
-          </p:sp>
-        </mc:Choice>
-        <mc:Fallback>
-          <p:sp>
-            <p:nvSpPr>
-              <p:cNvPr id="71" name="TextBox 70">
-                <a:extLst>
-                  <a:ext uri="{FF2B5EF4-FFF2-40B4-BE49-F238E27FC236}">
-                    <a16:creationId xmlns:a16="http://schemas.microsoft.com/office/drawing/2014/main" id="{93DF90E4-DBF0-A345-9117-13AC42A6E25A}"/>
-                  </a:ext>
-                </a:extLst>
-              </p:cNvPr>
-              <p:cNvSpPr txBox="1">
-                <a:spLocks noRot="1" noChangeAspect="1" noMove="1" noResize="1" noEditPoints="1" noAdjustHandles="1" noChangeArrowheads="1" noChangeShapeType="1" noTextEdit="1"/>
-              </p:cNvSpPr>
-              <p:nvPr/>
-            </p:nvSpPr>
-            <p:spPr>
-              <a:xfrm>
-                <a:off x="797614" y="4202543"/>
-                <a:ext cx="717395" cy="169277"/>
-              </a:xfrm>
-              <a:prstGeom prst="rect">
-                <a:avLst/>
-              </a:prstGeom>
-              <a:blipFill>
-                <a:blip r:embed="rId8"/>
-                <a:stretch>
-                  <a:fillRect b="-14286"/>
+                  <a:fillRect l="-10526" t="-20000" b="-33333"/>
                 </a:stretch>
               </a:blipFill>
             </p:spPr>
@@ -9790,7 +9590,7 @@
             </p:nvSpPr>
             <p:spPr>
               <a:xfrm>
-                <a:off x="3972656" y="4141056"/>
+                <a:off x="3892440" y="4425481"/>
                 <a:ext cx="717395" cy="169277"/>
               </a:xfrm>
               <a:prstGeom prst="rect">
@@ -9847,14 +9647,14 @@
             </p:nvSpPr>
             <p:spPr>
               <a:xfrm>
-                <a:off x="3972656" y="4141056"/>
+                <a:off x="3892440" y="4425481"/>
                 <a:ext cx="717395" cy="169277"/>
               </a:xfrm>
               <a:prstGeom prst="rect">
                 <a:avLst/>
               </a:prstGeom>
               <a:blipFill>
-                <a:blip r:embed="rId9"/>
+                <a:blip r:embed="rId7"/>
                 <a:stretch>
                   <a:fillRect b="-14286"/>
                 </a:stretch>
@@ -9879,552 +9679,6 @@
         <mc:Choice xmlns:a14="http://schemas.microsoft.com/office/drawing/2010/main" Requires="a14">
           <p:sp>
             <p:nvSpPr>
-              <p:cNvPr id="73" name="TextBox 72">
-                <a:extLst>
-                  <a:ext uri="{FF2B5EF4-FFF2-40B4-BE49-F238E27FC236}">
-                    <a16:creationId xmlns:a16="http://schemas.microsoft.com/office/drawing/2014/main" id="{E8564F82-4335-7147-9C9B-E0E181A52658}"/>
-                  </a:ext>
-                </a:extLst>
-              </p:cNvPr>
-              <p:cNvSpPr txBox="1"/>
-              <p:nvPr/>
-            </p:nvSpPr>
-            <p:spPr>
-              <a:xfrm>
-                <a:off x="0" y="2011282"/>
-                <a:ext cx="717395" cy="169277"/>
-              </a:xfrm>
-              <a:prstGeom prst="rect">
-                <a:avLst/>
-              </a:prstGeom>
-              <a:noFill/>
-            </p:spPr>
-            <p:txBody>
-              <a:bodyPr wrap="square" lIns="0" tIns="0" rIns="0" bIns="0" rtlCol="0">
-                <a:spAutoFit/>
-              </a:bodyPr>
-              <a:lstStyle/>
-              <a:p>
-                <a14:m>
-                  <m:oMathPara xmlns:m="http://schemas.openxmlformats.org/officeDocument/2006/math">
-                    <m:oMathParaPr>
-                      <m:jc m:val="centerGroup"/>
-                    </m:oMathParaPr>
-                    <m:oMath xmlns:m="http://schemas.openxmlformats.org/officeDocument/2006/math">
-                      <m:sSup>
-                        <m:sSupPr>
-                          <m:ctrlPr>
-                            <a:rPr lang="en-GB" sz="1100" i="1">
-                              <a:latin typeface="Cambria Math" panose="02040503050406030204" pitchFamily="18" charset="0"/>
-                            </a:rPr>
-                          </m:ctrlPr>
-                        </m:sSupPr>
-                        <m:e>
-                          <m:r>
-                            <a:rPr lang="en-GB" sz="1100" i="1">
-                              <a:latin typeface="Cambria Math" panose="02040503050406030204" pitchFamily="18" charset="0"/>
-                            </a:rPr>
-                            <m:t>𝑝</m:t>
-                          </m:r>
-                        </m:e>
-                        <m:sup>
-                          <m:r>
-                            <a:rPr lang="en-GB" sz="1100" i="1">
-                              <a:latin typeface="Cambria Math" panose="02040503050406030204" pitchFamily="18" charset="0"/>
-                            </a:rPr>
-                            <m:t>∗</m:t>
-                          </m:r>
-                        </m:sup>
-                      </m:sSup>
-                      <m:r>
-                        <a:rPr lang="en-GB" sz="1100" i="1">
-                          <a:latin typeface="Cambria Math" panose="02040503050406030204" pitchFamily="18" charset="0"/>
-                        </a:rPr>
-                        <m:t>=22</m:t>
-                      </m:r>
-                    </m:oMath>
-                  </m:oMathPara>
-                </a14:m>
-                <a:endParaRPr lang="en-US" sz="1100" dirty="0"/>
-              </a:p>
-            </p:txBody>
-          </p:sp>
-        </mc:Choice>
-        <mc:Fallback>
-          <p:sp>
-            <p:nvSpPr>
-              <p:cNvPr id="73" name="TextBox 72">
-                <a:extLst>
-                  <a:ext uri="{FF2B5EF4-FFF2-40B4-BE49-F238E27FC236}">
-                    <a16:creationId xmlns:a16="http://schemas.microsoft.com/office/drawing/2014/main" id="{E8564F82-4335-7147-9C9B-E0E181A52658}"/>
-                  </a:ext>
-                </a:extLst>
-              </p:cNvPr>
-              <p:cNvSpPr txBox="1">
-                <a:spLocks noRot="1" noChangeAspect="1" noMove="1" noResize="1" noEditPoints="1" noAdjustHandles="1" noChangeArrowheads="1" noChangeShapeType="1" noTextEdit="1"/>
-              </p:cNvSpPr>
-              <p:nvPr/>
-            </p:nvSpPr>
-            <p:spPr>
-              <a:xfrm>
-                <a:off x="0" y="2011282"/>
-                <a:ext cx="717395" cy="169277"/>
-              </a:xfrm>
-              <a:prstGeom prst="rect">
-                <a:avLst/>
-              </a:prstGeom>
-              <a:blipFill>
-                <a:blip r:embed="rId10"/>
-                <a:stretch>
-                  <a:fillRect b="-13333"/>
-                </a:stretch>
-              </a:blipFill>
-            </p:spPr>
-            <p:txBody>
-              <a:bodyPr/>
-              <a:lstStyle/>
-              <a:p>
-                <a:r>
-                  <a:rPr lang="en-US">
-                    <a:noFill/>
-                  </a:rPr>
-                  <a:t> </a:t>
-                </a:r>
-              </a:p>
-            </p:txBody>
-          </p:sp>
-        </mc:Fallback>
-      </mc:AlternateContent>
-      <mc:AlternateContent xmlns:mc="http://schemas.openxmlformats.org/markup-compatibility/2006">
-        <mc:Choice xmlns:a14="http://schemas.microsoft.com/office/drawing/2010/main" Requires="a14">
-          <p:sp>
-            <p:nvSpPr>
-              <p:cNvPr id="74" name="TextBox 73">
-                <a:extLst>
-                  <a:ext uri="{FF2B5EF4-FFF2-40B4-BE49-F238E27FC236}">
-                    <a16:creationId xmlns:a16="http://schemas.microsoft.com/office/drawing/2014/main" id="{726FE0A0-712C-6941-9A9D-294305A9BA77}"/>
-                  </a:ext>
-                </a:extLst>
-              </p:cNvPr>
-              <p:cNvSpPr txBox="1"/>
-              <p:nvPr/>
-            </p:nvSpPr>
-            <p:spPr>
-              <a:xfrm>
-                <a:off x="14300" y="1697772"/>
-                <a:ext cx="717395" cy="169277"/>
-              </a:xfrm>
-              <a:prstGeom prst="rect">
-                <a:avLst/>
-              </a:prstGeom>
-              <a:noFill/>
-            </p:spPr>
-            <p:txBody>
-              <a:bodyPr wrap="square" lIns="0" tIns="0" rIns="0" bIns="0" rtlCol="0">
-                <a:spAutoFit/>
-              </a:bodyPr>
-              <a:lstStyle/>
-              <a:p>
-                <a14:m>
-                  <m:oMathPara xmlns:m="http://schemas.openxmlformats.org/officeDocument/2006/math">
-                    <m:oMathParaPr>
-                      <m:jc m:val="centerGroup"/>
-                    </m:oMathParaPr>
-                    <m:oMath xmlns:m="http://schemas.openxmlformats.org/officeDocument/2006/math">
-                      <m:sSup>
-                        <m:sSupPr>
-                          <m:ctrlPr>
-                            <a:rPr lang="en-GB" sz="1100" i="1">
-                              <a:latin typeface="Cambria Math" panose="02040503050406030204" pitchFamily="18" charset="0"/>
-                            </a:rPr>
-                          </m:ctrlPr>
-                        </m:sSupPr>
-                        <m:e>
-                          <m:r>
-                            <a:rPr lang="en-GB" sz="1100" i="1">
-                              <a:latin typeface="Cambria Math" panose="02040503050406030204" pitchFamily="18" charset="0"/>
-                            </a:rPr>
-                            <m:t>𝑝</m:t>
-                          </m:r>
-                        </m:e>
-                        <m:sup>
-                          <m:r>
-                            <a:rPr lang="en-GB" sz="1100" i="1">
-                              <a:latin typeface="Cambria Math" panose="02040503050406030204" pitchFamily="18" charset="0"/>
-                            </a:rPr>
-                            <m:t>∗</m:t>
-                          </m:r>
-                        </m:sup>
-                      </m:sSup>
-                      <m:r>
-                        <a:rPr lang="en-GB" sz="1100" i="1">
-                          <a:latin typeface="Cambria Math" panose="02040503050406030204" pitchFamily="18" charset="0"/>
-                        </a:rPr>
-                        <m:t>=25</m:t>
-                      </m:r>
-                    </m:oMath>
-                  </m:oMathPara>
-                </a14:m>
-                <a:endParaRPr lang="en-US" sz="1100" dirty="0"/>
-              </a:p>
-            </p:txBody>
-          </p:sp>
-        </mc:Choice>
-        <mc:Fallback>
-          <p:sp>
-            <p:nvSpPr>
-              <p:cNvPr id="74" name="TextBox 73">
-                <a:extLst>
-                  <a:ext uri="{FF2B5EF4-FFF2-40B4-BE49-F238E27FC236}">
-                    <a16:creationId xmlns:a16="http://schemas.microsoft.com/office/drawing/2014/main" id="{726FE0A0-712C-6941-9A9D-294305A9BA77}"/>
-                  </a:ext>
-                </a:extLst>
-              </p:cNvPr>
-              <p:cNvSpPr txBox="1">
-                <a:spLocks noRot="1" noChangeAspect="1" noMove="1" noResize="1" noEditPoints="1" noAdjustHandles="1" noChangeArrowheads="1" noChangeShapeType="1" noTextEdit="1"/>
-              </p:cNvSpPr>
-              <p:nvPr/>
-            </p:nvSpPr>
-            <p:spPr>
-              <a:xfrm>
-                <a:off x="14300" y="1697772"/>
-                <a:ext cx="717395" cy="169277"/>
-              </a:xfrm>
-              <a:prstGeom prst="rect">
-                <a:avLst/>
-              </a:prstGeom>
-              <a:blipFill>
-                <a:blip r:embed="rId11"/>
-                <a:stretch>
-                  <a:fillRect b="-14286"/>
-                </a:stretch>
-              </a:blipFill>
-            </p:spPr>
-            <p:txBody>
-              <a:bodyPr/>
-              <a:lstStyle/>
-              <a:p>
-                <a:r>
-                  <a:rPr lang="en-US">
-                    <a:noFill/>
-                  </a:rPr>
-                  <a:t> </a:t>
-                </a:r>
-              </a:p>
-            </p:txBody>
-          </p:sp>
-        </mc:Fallback>
-      </mc:AlternateContent>
-      <p:grpSp>
-        <p:nvGrpSpPr>
-          <p:cNvPr id="75" name="Group 74">
-            <a:extLst>
-              <a:ext uri="{FF2B5EF4-FFF2-40B4-BE49-F238E27FC236}">
-                <a16:creationId xmlns:a16="http://schemas.microsoft.com/office/drawing/2014/main" id="{47C9AF93-AF89-5A4E-9D04-A898A2B8E8B2}"/>
-              </a:ext>
-            </a:extLst>
-          </p:cNvPr>
-          <p:cNvGrpSpPr/>
-          <p:nvPr/>
-        </p:nvGrpSpPr>
-        <p:grpSpPr>
-          <a:xfrm>
-            <a:off x="723178" y="1776290"/>
-            <a:ext cx="463662" cy="2361384"/>
-            <a:chOff x="1137818" y="2808382"/>
-            <a:chExt cx="1076196" cy="1751379"/>
-          </a:xfrm>
-        </p:grpSpPr>
-        <p:sp>
-          <p:nvSpPr>
-            <p:cNvPr id="76" name="Line 28">
-              <a:extLst>
-                <a:ext uri="{FF2B5EF4-FFF2-40B4-BE49-F238E27FC236}">
-                  <a16:creationId xmlns:a16="http://schemas.microsoft.com/office/drawing/2014/main" id="{5AE5E688-710E-3047-B1F6-26EAD5B8AE25}"/>
-                </a:ext>
-              </a:extLst>
-            </p:cNvPr>
-            <p:cNvSpPr>
-              <a:spLocks noChangeShapeType="1"/>
-            </p:cNvSpPr>
-            <p:nvPr/>
-          </p:nvSpPr>
-          <p:spPr bwMode="auto">
-            <a:xfrm flipV="1">
-              <a:off x="2214014" y="2829891"/>
-              <a:ext cx="0" cy="1729870"/>
-            </a:xfrm>
-            <a:prstGeom prst="line">
-              <a:avLst/>
-            </a:prstGeom>
-            <a:noFill/>
-            <a:ln w="9525">
-              <a:solidFill>
-                <a:schemeClr val="tx1"/>
-              </a:solidFill>
-              <a:prstDash val="lgDash"/>
-              <a:round/>
-              <a:headEnd/>
-              <a:tailEnd type="oval"/>
-            </a:ln>
-            <a:effectLst/>
-            <a:extLst>
-              <a:ext uri="{909E8E84-426E-40dd-AFC4-6F175D3DCCD1}">
-                <a14:hiddenFill xmlns="" xmlns:a14="http://schemas.microsoft.com/office/drawing/2010/main">
-                  <a:noFill/>
-                </a14:hiddenFill>
-              </a:ext>
-              <a:ext uri="{AF507438-7753-43e0-B8FC-AC1667EBCBE1}">
-                <a14:hiddenEffects xmlns="" xmlns:a14="http://schemas.microsoft.com/office/drawing/2010/main">
-                  <a:effectLst>
-                    <a:outerShdw blurRad="63500" dist="38099" dir="2700000" algn="ctr" rotWithShape="0">
-                      <a:schemeClr val="bg2">
-                        <a:alpha val="74998"/>
-                      </a:schemeClr>
-                    </a:outerShdw>
-                  </a:effectLst>
-                </a14:hiddenEffects>
-              </a:ext>
-            </a:extLst>
-          </p:spPr>
-          <p:txBody>
-            <a:bodyPr/>
-            <a:lstStyle/>
-            <a:p>
-              <a:pPr>
-                <a:defRPr/>
-              </a:pPr>
-              <a:endParaRPr lang="en-US" sz="1890" dirty="0">
-                <a:latin typeface="CMU Serif Roman" panose="02000603000000000000" pitchFamily="2" charset="0"/>
-                <a:ea typeface="ＭＳ Ｐゴシック" charset="0"/>
-              </a:endParaRPr>
-            </a:p>
-          </p:txBody>
-        </p:sp>
-        <p:sp>
-          <p:nvSpPr>
-            <p:cNvPr id="77" name="Line 28">
-              <a:extLst>
-                <a:ext uri="{FF2B5EF4-FFF2-40B4-BE49-F238E27FC236}">
-                  <a16:creationId xmlns:a16="http://schemas.microsoft.com/office/drawing/2014/main" id="{43A34627-6752-284F-9B16-F3E6546C97AF}"/>
-                </a:ext>
-              </a:extLst>
-            </p:cNvPr>
-            <p:cNvSpPr>
-              <a:spLocks noChangeShapeType="1"/>
-            </p:cNvSpPr>
-            <p:nvPr/>
-          </p:nvSpPr>
-          <p:spPr bwMode="auto">
-            <a:xfrm>
-              <a:off x="1137818" y="2808382"/>
-              <a:ext cx="1053049" cy="0"/>
-            </a:xfrm>
-            <a:prstGeom prst="line">
-              <a:avLst/>
-            </a:prstGeom>
-            <a:noFill/>
-            <a:ln w="9525">
-              <a:solidFill>
-                <a:schemeClr val="tx1"/>
-              </a:solidFill>
-              <a:prstDash val="lgDash"/>
-              <a:round/>
-              <a:headEnd/>
-              <a:tailEnd/>
-            </a:ln>
-            <a:effectLst/>
-            <a:extLst>
-              <a:ext uri="{909E8E84-426E-40dd-AFC4-6F175D3DCCD1}">
-                <a14:hiddenFill xmlns="" xmlns:a14="http://schemas.microsoft.com/office/drawing/2010/main">
-                  <a:noFill/>
-                </a14:hiddenFill>
-              </a:ext>
-              <a:ext uri="{AF507438-7753-43e0-B8FC-AC1667EBCBE1}">
-                <a14:hiddenEffects xmlns="" xmlns:a14="http://schemas.microsoft.com/office/drawing/2010/main">
-                  <a:effectLst>
-                    <a:outerShdw blurRad="63500" dist="38099" dir="2700000" algn="ctr" rotWithShape="0">
-                      <a:schemeClr val="bg2">
-                        <a:alpha val="74998"/>
-                      </a:schemeClr>
-                    </a:outerShdw>
-                  </a:effectLst>
-                </a14:hiddenEffects>
-              </a:ext>
-            </a:extLst>
-          </p:spPr>
-          <p:txBody>
-            <a:bodyPr/>
-            <a:lstStyle/>
-            <a:p>
-              <a:pPr>
-                <a:defRPr/>
-              </a:pPr>
-              <a:endParaRPr lang="en-US" sz="1890" dirty="0">
-                <a:latin typeface="CMU Serif Roman" panose="02000603000000000000" pitchFamily="2" charset="0"/>
-                <a:ea typeface="ＭＳ Ｐゴシック" charset="0"/>
-              </a:endParaRPr>
-            </a:p>
-          </p:txBody>
-        </p:sp>
-      </p:grpSp>
-      <p:grpSp>
-        <p:nvGrpSpPr>
-          <p:cNvPr id="78" name="Group 77">
-            <a:extLst>
-              <a:ext uri="{FF2B5EF4-FFF2-40B4-BE49-F238E27FC236}">
-                <a16:creationId xmlns:a16="http://schemas.microsoft.com/office/drawing/2014/main" id="{BBB87B90-9646-D54C-A696-746FC814C4E5}"/>
-              </a:ext>
-            </a:extLst>
-          </p:cNvPr>
-          <p:cNvGrpSpPr/>
-          <p:nvPr/>
-        </p:nvGrpSpPr>
-        <p:grpSpPr>
-          <a:xfrm>
-            <a:off x="734650" y="2095921"/>
-            <a:ext cx="744434" cy="2352407"/>
-            <a:chOff x="1137818" y="2808382"/>
-            <a:chExt cx="1076196" cy="1751379"/>
-          </a:xfrm>
-        </p:grpSpPr>
-        <p:sp>
-          <p:nvSpPr>
-            <p:cNvPr id="79" name="Line 28">
-              <a:extLst>
-                <a:ext uri="{FF2B5EF4-FFF2-40B4-BE49-F238E27FC236}">
-                  <a16:creationId xmlns:a16="http://schemas.microsoft.com/office/drawing/2014/main" id="{5AFBA889-BF1D-D041-AFD0-9C6370F0E993}"/>
-                </a:ext>
-              </a:extLst>
-            </p:cNvPr>
-            <p:cNvSpPr>
-              <a:spLocks noChangeShapeType="1"/>
-            </p:cNvSpPr>
-            <p:nvPr/>
-          </p:nvSpPr>
-          <p:spPr bwMode="auto">
-            <a:xfrm flipV="1">
-              <a:off x="2214014" y="2829891"/>
-              <a:ext cx="0" cy="1729870"/>
-            </a:xfrm>
-            <a:prstGeom prst="line">
-              <a:avLst/>
-            </a:prstGeom>
-            <a:noFill/>
-            <a:ln w="9525">
-              <a:solidFill>
-                <a:schemeClr val="tx1"/>
-              </a:solidFill>
-              <a:prstDash val="lgDash"/>
-              <a:round/>
-              <a:headEnd/>
-              <a:tailEnd type="oval"/>
-            </a:ln>
-            <a:effectLst/>
-            <a:extLst>
-              <a:ext uri="{909E8E84-426E-40dd-AFC4-6F175D3DCCD1}">
-                <a14:hiddenFill xmlns="" xmlns:a14="http://schemas.microsoft.com/office/drawing/2010/main">
-                  <a:noFill/>
-                </a14:hiddenFill>
-              </a:ext>
-              <a:ext uri="{AF507438-7753-43e0-B8FC-AC1667EBCBE1}">
-                <a14:hiddenEffects xmlns="" xmlns:a14="http://schemas.microsoft.com/office/drawing/2010/main">
-                  <a:effectLst>
-                    <a:outerShdw blurRad="63500" dist="38099" dir="2700000" algn="ctr" rotWithShape="0">
-                      <a:schemeClr val="bg2">
-                        <a:alpha val="74998"/>
-                      </a:schemeClr>
-                    </a:outerShdw>
-                  </a:effectLst>
-                </a14:hiddenEffects>
-              </a:ext>
-            </a:extLst>
-          </p:spPr>
-          <p:txBody>
-            <a:bodyPr/>
-            <a:lstStyle/>
-            <a:p>
-              <a:pPr>
-                <a:defRPr/>
-              </a:pPr>
-              <a:endParaRPr lang="en-US" sz="1890" dirty="0">
-                <a:latin typeface="CMU Serif Roman" panose="02000603000000000000" pitchFamily="2" charset="0"/>
-                <a:ea typeface="ＭＳ Ｐゴシック" charset="0"/>
-              </a:endParaRPr>
-            </a:p>
-          </p:txBody>
-        </p:sp>
-        <p:sp>
-          <p:nvSpPr>
-            <p:cNvPr id="80" name="Line 28">
-              <a:extLst>
-                <a:ext uri="{FF2B5EF4-FFF2-40B4-BE49-F238E27FC236}">
-                  <a16:creationId xmlns:a16="http://schemas.microsoft.com/office/drawing/2014/main" id="{762AE0F7-829B-F347-A4E7-59502B40BFCD}"/>
-                </a:ext>
-              </a:extLst>
-            </p:cNvPr>
-            <p:cNvSpPr>
-              <a:spLocks noChangeShapeType="1"/>
-            </p:cNvSpPr>
-            <p:nvPr/>
-          </p:nvSpPr>
-          <p:spPr bwMode="auto">
-            <a:xfrm>
-              <a:off x="1137818" y="2808382"/>
-              <a:ext cx="1053049" cy="0"/>
-            </a:xfrm>
-            <a:prstGeom prst="line">
-              <a:avLst/>
-            </a:prstGeom>
-            <a:noFill/>
-            <a:ln w="9525">
-              <a:solidFill>
-                <a:schemeClr val="tx1"/>
-              </a:solidFill>
-              <a:prstDash val="lgDash"/>
-              <a:round/>
-              <a:headEnd/>
-              <a:tailEnd/>
-            </a:ln>
-            <a:effectLst/>
-            <a:extLst>
-              <a:ext uri="{909E8E84-426E-40dd-AFC4-6F175D3DCCD1}">
-                <a14:hiddenFill xmlns="" xmlns:a14="http://schemas.microsoft.com/office/drawing/2010/main">
-                  <a:noFill/>
-                </a14:hiddenFill>
-              </a:ext>
-              <a:ext uri="{AF507438-7753-43e0-B8FC-AC1667EBCBE1}">
-                <a14:hiddenEffects xmlns="" xmlns:a14="http://schemas.microsoft.com/office/drawing/2010/main">
-                  <a:effectLst>
-                    <a:outerShdw blurRad="63500" dist="38099" dir="2700000" algn="ctr" rotWithShape="0">
-                      <a:schemeClr val="bg2">
-                        <a:alpha val="74998"/>
-                      </a:schemeClr>
-                    </a:outerShdw>
-                  </a:effectLst>
-                </a14:hiddenEffects>
-              </a:ext>
-            </a:extLst>
-          </p:spPr>
-          <p:txBody>
-            <a:bodyPr/>
-            <a:lstStyle/>
-            <a:p>
-              <a:pPr>
-                <a:defRPr/>
-              </a:pPr>
-              <a:endParaRPr lang="en-US" sz="1890" dirty="0">
-                <a:latin typeface="CMU Serif Roman" panose="02000603000000000000" pitchFamily="2" charset="0"/>
-                <a:ea typeface="ＭＳ Ｐゴシック" charset="0"/>
-              </a:endParaRPr>
-            </a:p>
-          </p:txBody>
-        </p:sp>
-      </p:grpSp>
-      <mc:AlternateContent xmlns:mc="http://schemas.openxmlformats.org/markup-compatibility/2006">
-        <mc:Choice xmlns:a14="http://schemas.microsoft.com/office/drawing/2010/main" Requires="a14">
-          <p:sp>
-            <p:nvSpPr>
               <p:cNvPr id="81" name="TextBox 80">
                 <a:extLst>
                   <a:ext uri="{FF2B5EF4-FFF2-40B4-BE49-F238E27FC236}">
@@ -10437,7 +9691,7 @@
             </p:nvSpPr>
             <p:spPr>
               <a:xfrm>
-                <a:off x="4469040" y="2361259"/>
+                <a:off x="4388826" y="2645686"/>
                 <a:ext cx="717395" cy="169277"/>
               </a:xfrm>
               <a:prstGeom prst="rect">
@@ -10519,16 +9773,16 @@
             </p:nvSpPr>
             <p:spPr>
               <a:xfrm>
-                <a:off x="4469040" y="2361259"/>
+                <a:off x="4388826" y="2645686"/>
                 <a:ext cx="717395" cy="169277"/>
               </a:xfrm>
               <a:prstGeom prst="rect">
                 <a:avLst/>
               </a:prstGeom>
               <a:blipFill>
-                <a:blip r:embed="rId12"/>
+                <a:blip r:embed="rId8"/>
                 <a:stretch>
-                  <a:fillRect l="-5263" t="-21429" b="-42857"/>
+                  <a:fillRect l="-7018" t="-20000" b="-40000"/>
                 </a:stretch>
               </a:blipFill>
             </p:spPr>
@@ -10973,6 +10227,4130 @@
       </p:grpSpPr>
       <p:sp>
         <p:nvSpPr>
+          <p:cNvPr id="54" name="Line 10">
+            <a:extLst>
+              <a:ext uri="{FF2B5EF4-FFF2-40B4-BE49-F238E27FC236}">
+                <a16:creationId xmlns:a16="http://schemas.microsoft.com/office/drawing/2014/main" id="{DBD3D9DB-7180-754A-AC98-428EC08887EF}"/>
+              </a:ext>
+            </a:extLst>
+          </p:cNvPr>
+          <p:cNvSpPr>
+            <a:spLocks noChangeShapeType="1"/>
+          </p:cNvSpPr>
+          <p:nvPr/>
+        </p:nvSpPr>
+        <p:spPr bwMode="auto">
+          <a:xfrm>
+            <a:off x="731699" y="1245220"/>
+            <a:ext cx="559947" cy="879917"/>
+          </a:xfrm>
+          <a:prstGeom prst="line">
+            <a:avLst/>
+          </a:prstGeom>
+          <a:noFill/>
+          <a:ln w="28575" cap="rnd">
+            <a:solidFill>
+              <a:schemeClr val="hlink"/>
+            </a:solidFill>
+            <a:round/>
+            <a:headEnd/>
+            <a:tailEnd/>
+          </a:ln>
+          <a:effectLst/>
+          <a:extLst>
+            <a:ext uri="{909E8E84-426E-40dd-AFC4-6F175D3DCCD1}">
+              <a14:hiddenFill xmlns="" xmlns:a14="http://schemas.microsoft.com/office/drawing/2010/main">
+                <a:noFill/>
+              </a14:hiddenFill>
+            </a:ext>
+            <a:ext uri="{AF507438-7753-43e0-B8FC-AC1667EBCBE1}">
+              <a14:hiddenEffects xmlns="" xmlns:a14="http://schemas.microsoft.com/office/drawing/2010/main">
+                <a:effectLst>
+                  <a:outerShdw blurRad="63500" dist="38099" dir="2700000" algn="ctr" rotWithShape="0">
+                    <a:schemeClr val="bg2">
+                      <a:alpha val="74998"/>
+                    </a:schemeClr>
+                  </a:outerShdw>
+                </a:effectLst>
+              </a14:hiddenEffects>
+            </a:ext>
+          </a:extLst>
+        </p:spPr>
+        <p:txBody>
+          <a:bodyPr/>
+          <a:lstStyle/>
+          <a:p>
+            <a:pPr>
+              <a:defRPr/>
+            </a:pPr>
+            <a:endParaRPr lang="en-US" sz="1890" dirty="0">
+              <a:latin typeface="CMU Serif Roman" panose="02000603000000000000" pitchFamily="2" charset="0"/>
+              <a:ea typeface="ＭＳ Ｐゴシック" charset="0"/>
+            </a:endParaRPr>
+          </a:p>
+        </p:txBody>
+      </p:sp>
+      <p:sp>
+        <p:nvSpPr>
+          <p:cNvPr id="55" name="Line 11">
+            <a:extLst>
+              <a:ext uri="{FF2B5EF4-FFF2-40B4-BE49-F238E27FC236}">
+                <a16:creationId xmlns:a16="http://schemas.microsoft.com/office/drawing/2014/main" id="{EF67827A-DAAB-244F-B31F-BD4E12FFF86C}"/>
+              </a:ext>
+            </a:extLst>
+          </p:cNvPr>
+          <p:cNvSpPr>
+            <a:spLocks noChangeShapeType="1"/>
+          </p:cNvSpPr>
+          <p:nvPr/>
+        </p:nvSpPr>
+        <p:spPr bwMode="auto">
+          <a:xfrm>
+            <a:off x="1291641" y="2125139"/>
+            <a:ext cx="3039710" cy="2079801"/>
+          </a:xfrm>
+          <a:prstGeom prst="line">
+            <a:avLst/>
+          </a:prstGeom>
+          <a:noFill/>
+          <a:ln w="28575" cap="rnd">
+            <a:solidFill>
+              <a:schemeClr val="hlink"/>
+            </a:solidFill>
+            <a:round/>
+            <a:headEnd/>
+            <a:tailEnd/>
+          </a:ln>
+          <a:effectLst/>
+          <a:extLst>
+            <a:ext uri="{909E8E84-426E-40dd-AFC4-6F175D3DCCD1}">
+              <a14:hiddenFill xmlns="" xmlns:a14="http://schemas.microsoft.com/office/drawing/2010/main">
+                <a:noFill/>
+              </a14:hiddenFill>
+            </a:ext>
+            <a:ext uri="{AF507438-7753-43e0-B8FC-AC1667EBCBE1}">
+              <a14:hiddenEffects xmlns="" xmlns:a14="http://schemas.microsoft.com/office/drawing/2010/main">
+                <a:effectLst>
+                  <a:outerShdw blurRad="63500" dist="38099" dir="2700000" algn="ctr" rotWithShape="0">
+                    <a:schemeClr val="bg2">
+                      <a:alpha val="74998"/>
+                    </a:schemeClr>
+                  </a:outerShdw>
+                </a:effectLst>
+              </a14:hiddenEffects>
+            </a:ext>
+          </a:extLst>
+        </p:spPr>
+        <p:txBody>
+          <a:bodyPr/>
+          <a:lstStyle/>
+          <a:p>
+            <a:pPr>
+              <a:defRPr/>
+            </a:pPr>
+            <a:endParaRPr lang="en-US" sz="1890" dirty="0">
+              <a:latin typeface="CMU Serif Roman" panose="02000603000000000000" pitchFamily="2" charset="0"/>
+              <a:ea typeface="ＭＳ Ｐゴシック" charset="0"/>
+            </a:endParaRPr>
+          </a:p>
+        </p:txBody>
+      </p:sp>
+      <p:sp>
+        <p:nvSpPr>
+          <p:cNvPr id="56" name="Line 18">
+            <a:extLst>
+              <a:ext uri="{FF2B5EF4-FFF2-40B4-BE49-F238E27FC236}">
+                <a16:creationId xmlns:a16="http://schemas.microsoft.com/office/drawing/2014/main" id="{7C374631-405F-1645-9BA7-E0461FAB420F}"/>
+              </a:ext>
+            </a:extLst>
+          </p:cNvPr>
+          <p:cNvSpPr>
+            <a:spLocks noChangeShapeType="1"/>
+          </p:cNvSpPr>
+          <p:nvPr/>
+        </p:nvSpPr>
+        <p:spPr bwMode="auto">
+          <a:xfrm>
+            <a:off x="731698" y="1245216"/>
+            <a:ext cx="574947" cy="1929816"/>
+          </a:xfrm>
+          <a:prstGeom prst="line">
+            <a:avLst/>
+          </a:prstGeom>
+          <a:noFill/>
+          <a:ln w="28575" cap="rnd">
+            <a:solidFill>
+              <a:srgbClr val="00B0F0"/>
+            </a:solidFill>
+            <a:round/>
+            <a:headEnd/>
+            <a:tailEnd/>
+          </a:ln>
+          <a:effectLst/>
+          <a:extLst>
+            <a:ext uri="{909E8E84-426E-40dd-AFC4-6F175D3DCCD1}">
+              <a14:hiddenFill xmlns="" xmlns:a14="http://schemas.microsoft.com/office/drawing/2010/main">
+                <a:noFill/>
+              </a14:hiddenFill>
+            </a:ext>
+            <a:ext uri="{AF507438-7753-43e0-B8FC-AC1667EBCBE1}">
+              <a14:hiddenEffects xmlns="" xmlns:a14="http://schemas.microsoft.com/office/drawing/2010/main">
+                <a:effectLst>
+                  <a:outerShdw blurRad="63500" dist="38099" dir="2700000" algn="ctr" rotWithShape="0">
+                    <a:schemeClr val="bg2">
+                      <a:alpha val="74998"/>
+                    </a:schemeClr>
+                  </a:outerShdw>
+                </a:effectLst>
+              </a14:hiddenEffects>
+            </a:ext>
+          </a:extLst>
+        </p:spPr>
+        <p:txBody>
+          <a:bodyPr/>
+          <a:lstStyle/>
+          <a:p>
+            <a:pPr>
+              <a:defRPr/>
+            </a:pPr>
+            <a:endParaRPr lang="en-US" sz="1890" dirty="0">
+              <a:latin typeface="CMU Serif Roman" panose="02000603000000000000" pitchFamily="2" charset="0"/>
+              <a:ea typeface="ＭＳ Ｐゴシック" charset="0"/>
+            </a:endParaRPr>
+          </a:p>
+        </p:txBody>
+      </p:sp>
+      <p:sp>
+        <p:nvSpPr>
+          <p:cNvPr id="57" name="Line 19">
+            <a:extLst>
+              <a:ext uri="{FF2B5EF4-FFF2-40B4-BE49-F238E27FC236}">
+                <a16:creationId xmlns:a16="http://schemas.microsoft.com/office/drawing/2014/main" id="{1F646844-808E-0845-B243-30732FDDE67F}"/>
+              </a:ext>
+            </a:extLst>
+          </p:cNvPr>
+          <p:cNvSpPr>
+            <a:spLocks noChangeShapeType="1"/>
+          </p:cNvSpPr>
+          <p:nvPr/>
+        </p:nvSpPr>
+        <p:spPr bwMode="auto">
+          <a:xfrm>
+            <a:off x="1319196" y="2558916"/>
+            <a:ext cx="1127337" cy="1651023"/>
+          </a:xfrm>
+          <a:prstGeom prst="line">
+            <a:avLst/>
+          </a:prstGeom>
+          <a:noFill/>
+          <a:ln w="28575" cap="rnd">
+            <a:solidFill>
+              <a:srgbClr val="00B0F0"/>
+            </a:solidFill>
+            <a:round/>
+            <a:headEnd/>
+            <a:tailEnd/>
+          </a:ln>
+          <a:effectLst/>
+          <a:extLst>
+            <a:ext uri="{909E8E84-426E-40dd-AFC4-6F175D3DCCD1}">
+              <a14:hiddenFill xmlns="" xmlns:a14="http://schemas.microsoft.com/office/drawing/2010/main">
+                <a:noFill/>
+              </a14:hiddenFill>
+            </a:ext>
+            <a:ext uri="{AF507438-7753-43e0-B8FC-AC1667EBCBE1}">
+              <a14:hiddenEffects xmlns="" xmlns:a14="http://schemas.microsoft.com/office/drawing/2010/main">
+                <a:effectLst>
+                  <a:outerShdw blurRad="63500" dist="38099" dir="2700000" algn="ctr" rotWithShape="0">
+                    <a:schemeClr val="bg2">
+                      <a:alpha val="74998"/>
+                    </a:schemeClr>
+                  </a:outerShdw>
+                </a:effectLst>
+              </a14:hiddenEffects>
+            </a:ext>
+          </a:extLst>
+        </p:spPr>
+        <p:txBody>
+          <a:bodyPr/>
+          <a:lstStyle/>
+          <a:p>
+            <a:pPr>
+              <a:defRPr/>
+            </a:pPr>
+            <a:endParaRPr lang="en-US" sz="1890" dirty="0">
+              <a:latin typeface="CMU Serif Roman" panose="02000603000000000000" pitchFamily="2" charset="0"/>
+              <a:ea typeface="ＭＳ Ｐゴシック" charset="0"/>
+            </a:endParaRPr>
+          </a:p>
+        </p:txBody>
+      </p:sp>
+      <p:sp>
+        <p:nvSpPr>
+          <p:cNvPr id="58" name="Line 20">
+            <a:extLst>
+              <a:ext uri="{FF2B5EF4-FFF2-40B4-BE49-F238E27FC236}">
+                <a16:creationId xmlns:a16="http://schemas.microsoft.com/office/drawing/2014/main" id="{0E312C04-CFCA-1C49-8551-512541966E91}"/>
+              </a:ext>
+            </a:extLst>
+          </p:cNvPr>
+          <p:cNvSpPr>
+            <a:spLocks noChangeShapeType="1"/>
+          </p:cNvSpPr>
+          <p:nvPr/>
+        </p:nvSpPr>
+        <p:spPr bwMode="auto">
+          <a:xfrm>
+            <a:off x="1305417" y="2558916"/>
+            <a:ext cx="0" cy="639939"/>
+          </a:xfrm>
+          <a:prstGeom prst="line">
+            <a:avLst/>
+          </a:prstGeom>
+          <a:noFill/>
+          <a:ln w="9525">
+            <a:solidFill>
+              <a:schemeClr val="tx1"/>
+            </a:solidFill>
+            <a:prstDash val="dash"/>
+            <a:round/>
+            <a:headEnd/>
+            <a:tailEnd/>
+          </a:ln>
+          <a:effectLst/>
+          <a:extLst>
+            <a:ext uri="{909E8E84-426E-40dd-AFC4-6F175D3DCCD1}">
+              <a14:hiddenFill xmlns="" xmlns:a14="http://schemas.microsoft.com/office/drawing/2010/main">
+                <a:noFill/>
+              </a14:hiddenFill>
+            </a:ext>
+            <a:ext uri="{AF507438-7753-43e0-B8FC-AC1667EBCBE1}">
+              <a14:hiddenEffects xmlns="" xmlns:a14="http://schemas.microsoft.com/office/drawing/2010/main">
+                <a:effectLst>
+                  <a:outerShdw blurRad="63500" dist="38099" dir="2700000" algn="ctr" rotWithShape="0">
+                    <a:schemeClr val="bg2">
+                      <a:alpha val="74998"/>
+                    </a:schemeClr>
+                  </a:outerShdw>
+                </a:effectLst>
+              </a14:hiddenEffects>
+            </a:ext>
+          </a:extLst>
+        </p:spPr>
+        <p:txBody>
+          <a:bodyPr/>
+          <a:lstStyle/>
+          <a:p>
+            <a:pPr>
+              <a:defRPr/>
+            </a:pPr>
+            <a:endParaRPr lang="en-US" sz="1890" dirty="0">
+              <a:latin typeface="CMU Serif Roman" panose="02000603000000000000" pitchFamily="2" charset="0"/>
+              <a:ea typeface="ＭＳ Ｐゴシック" charset="0"/>
+            </a:endParaRPr>
+          </a:p>
+        </p:txBody>
+      </p:sp>
+      <p:sp>
+        <p:nvSpPr>
+          <p:cNvPr id="59" name="Line 25">
+            <a:extLst>
+              <a:ext uri="{FF2B5EF4-FFF2-40B4-BE49-F238E27FC236}">
+                <a16:creationId xmlns:a16="http://schemas.microsoft.com/office/drawing/2014/main" id="{1C9511CC-18DA-9949-BFBD-8068EFCF88AF}"/>
+              </a:ext>
+            </a:extLst>
+          </p:cNvPr>
+          <p:cNvSpPr>
+            <a:spLocks noChangeShapeType="1"/>
+          </p:cNvSpPr>
+          <p:nvPr/>
+        </p:nvSpPr>
+        <p:spPr bwMode="auto">
+          <a:xfrm>
+            <a:off x="731698" y="2784651"/>
+            <a:ext cx="4251023" cy="0"/>
+          </a:xfrm>
+          <a:prstGeom prst="line">
+            <a:avLst/>
+          </a:prstGeom>
+          <a:noFill/>
+          <a:ln w="25400">
+            <a:solidFill>
+              <a:schemeClr val="accent2">
+                <a:lumMod val="60000"/>
+                <a:lumOff val="40000"/>
+              </a:schemeClr>
+            </a:solidFill>
+            <a:round/>
+            <a:headEnd/>
+            <a:tailEnd/>
+          </a:ln>
+          <a:effectLst/>
+          <a:extLst>
+            <a:ext uri="{909E8E84-426E-40dd-AFC4-6F175D3DCCD1}">
+              <a14:hiddenFill xmlns="" xmlns:a14="http://schemas.microsoft.com/office/drawing/2010/main">
+                <a:noFill/>
+              </a14:hiddenFill>
+            </a:ext>
+            <a:ext uri="{AF507438-7753-43e0-B8FC-AC1667EBCBE1}">
+              <a14:hiddenEffects xmlns="" xmlns:a14="http://schemas.microsoft.com/office/drawing/2010/main">
+                <a:effectLst>
+                  <a:outerShdw blurRad="63500" dist="38099" dir="2700000" algn="ctr" rotWithShape="0">
+                    <a:schemeClr val="bg2">
+                      <a:alpha val="74998"/>
+                    </a:schemeClr>
+                  </a:outerShdw>
+                </a:effectLst>
+              </a14:hiddenEffects>
+            </a:ext>
+          </a:extLst>
+        </p:spPr>
+        <p:txBody>
+          <a:bodyPr/>
+          <a:lstStyle/>
+          <a:p>
+            <a:pPr>
+              <a:defRPr/>
+            </a:pPr>
+            <a:endParaRPr lang="en-US" sz="1890" dirty="0">
+              <a:latin typeface="CMU Serif Roman" panose="02000603000000000000" pitchFamily="2" charset="0"/>
+              <a:ea typeface="ＭＳ Ｐゴシック" charset="0"/>
+            </a:endParaRPr>
+          </a:p>
+        </p:txBody>
+      </p:sp>
+      <p:sp>
+        <p:nvSpPr>
+          <p:cNvPr id="61" name="Line 7">
+            <a:extLst>
+              <a:ext uri="{FF2B5EF4-FFF2-40B4-BE49-F238E27FC236}">
+                <a16:creationId xmlns:a16="http://schemas.microsoft.com/office/drawing/2014/main" id="{D8835F6D-6A49-554E-99D0-A588CB933B18}"/>
+              </a:ext>
+            </a:extLst>
+          </p:cNvPr>
+          <p:cNvSpPr>
+            <a:spLocks noChangeShapeType="1"/>
+          </p:cNvSpPr>
+          <p:nvPr/>
+        </p:nvSpPr>
+        <p:spPr bwMode="auto">
+          <a:xfrm>
+            <a:off x="731698" y="4204932"/>
+            <a:ext cx="4251023" cy="0"/>
+          </a:xfrm>
+          <a:prstGeom prst="line">
+            <a:avLst/>
+          </a:prstGeom>
+          <a:noFill/>
+          <a:ln w="19050">
+            <a:solidFill>
+              <a:schemeClr val="tx1"/>
+            </a:solidFill>
+            <a:bevel/>
+            <a:headEnd/>
+            <a:tailEnd type="arrow"/>
+          </a:ln>
+          <a:effectLst/>
+          <a:extLst>
+            <a:ext uri="{909E8E84-426E-40dd-AFC4-6F175D3DCCD1}">
+              <a14:hiddenFill xmlns="" xmlns:a14="http://schemas.microsoft.com/office/drawing/2010/main">
+                <a:noFill/>
+              </a14:hiddenFill>
+            </a:ext>
+            <a:ext uri="{AF507438-7753-43e0-B8FC-AC1667EBCBE1}">
+              <a14:hiddenEffects xmlns="" xmlns:a14="http://schemas.microsoft.com/office/drawing/2010/main">
+                <a:effectLst>
+                  <a:outerShdw blurRad="63500" dist="38099" dir="2700000" algn="ctr" rotWithShape="0">
+                    <a:schemeClr val="bg2">
+                      <a:alpha val="74998"/>
+                    </a:schemeClr>
+                  </a:outerShdw>
+                </a:effectLst>
+              </a14:hiddenEffects>
+            </a:ext>
+          </a:extLst>
+        </p:spPr>
+        <p:txBody>
+          <a:bodyPr/>
+          <a:lstStyle/>
+          <a:p>
+            <a:pPr>
+              <a:defRPr/>
+            </a:pPr>
+            <a:endParaRPr lang="en-US" sz="1890" dirty="0">
+              <a:latin typeface="CMU Serif Roman" panose="02000603000000000000" pitchFamily="2" charset="0"/>
+            </a:endParaRPr>
+          </a:p>
+        </p:txBody>
+      </p:sp>
+      <p:sp>
+        <p:nvSpPr>
+          <p:cNvPr id="63" name="Line 6">
+            <a:extLst>
+              <a:ext uri="{FF2B5EF4-FFF2-40B4-BE49-F238E27FC236}">
+                <a16:creationId xmlns:a16="http://schemas.microsoft.com/office/drawing/2014/main" id="{A456F1EB-13A4-714D-A046-B448638E1A03}"/>
+              </a:ext>
+            </a:extLst>
+          </p:cNvPr>
+          <p:cNvSpPr>
+            <a:spLocks noChangeShapeType="1"/>
+          </p:cNvSpPr>
+          <p:nvPr/>
+        </p:nvSpPr>
+        <p:spPr bwMode="auto">
+          <a:xfrm>
+            <a:off x="731694" y="696697"/>
+            <a:ext cx="0" cy="3508236"/>
+          </a:xfrm>
+          <a:prstGeom prst="line">
+            <a:avLst/>
+          </a:prstGeom>
+          <a:noFill/>
+          <a:ln w="19050">
+            <a:solidFill>
+              <a:schemeClr val="tx1"/>
+            </a:solidFill>
+            <a:round/>
+            <a:headEnd type="arrow" w="sm" len="sm"/>
+            <a:tailEnd type="none"/>
+          </a:ln>
+          <a:effectLst/>
+          <a:extLst>
+            <a:ext uri="{909E8E84-426E-40dd-AFC4-6F175D3DCCD1}">
+              <a14:hiddenFill xmlns="" xmlns:a14="http://schemas.microsoft.com/office/drawing/2010/main">
+                <a:noFill/>
+              </a14:hiddenFill>
+            </a:ext>
+            <a:ext uri="{AF507438-7753-43e0-B8FC-AC1667EBCBE1}">
+              <a14:hiddenEffects xmlns="" xmlns:a14="http://schemas.microsoft.com/office/drawing/2010/main">
+                <a:effectLst>
+                  <a:outerShdw blurRad="63500" dist="38099" dir="2700000" algn="ctr" rotWithShape="0">
+                    <a:schemeClr val="bg2">
+                      <a:alpha val="74998"/>
+                    </a:schemeClr>
+                  </a:outerShdw>
+                </a:effectLst>
+              </a14:hiddenEffects>
+            </a:ext>
+          </a:extLst>
+        </p:spPr>
+        <p:txBody>
+          <a:bodyPr/>
+          <a:lstStyle/>
+          <a:p>
+            <a:pPr>
+              <a:defRPr/>
+            </a:pPr>
+            <a:endParaRPr lang="en-US" sz="1890" dirty="0">
+              <a:latin typeface="CMU Serif Roman" panose="02000603000000000000" pitchFamily="2" charset="0"/>
+            </a:endParaRPr>
+          </a:p>
+        </p:txBody>
+      </p:sp>
+      <mc:AlternateContent xmlns:mc="http://schemas.openxmlformats.org/markup-compatibility/2006">
+        <mc:Choice xmlns:a14="http://schemas.microsoft.com/office/drawing/2010/main" Requires="a14">
+          <p:sp>
+            <p:nvSpPr>
+              <p:cNvPr id="65" name="TextBox 64">
+                <a:extLst>
+                  <a:ext uri="{FF2B5EF4-FFF2-40B4-BE49-F238E27FC236}">
+                    <a16:creationId xmlns:a16="http://schemas.microsoft.com/office/drawing/2014/main" id="{0B5A041B-83A1-5843-BBE5-A9D358784107}"/>
+                  </a:ext>
+                </a:extLst>
+              </p:cNvPr>
+              <p:cNvSpPr txBox="1"/>
+              <p:nvPr/>
+            </p:nvSpPr>
+            <p:spPr>
+              <a:xfrm>
+                <a:off x="1935148" y="3447981"/>
+                <a:ext cx="717395" cy="169277"/>
+              </a:xfrm>
+              <a:prstGeom prst="rect">
+                <a:avLst/>
+              </a:prstGeom>
+              <a:noFill/>
+            </p:spPr>
+            <p:txBody>
+              <a:bodyPr wrap="square" lIns="0" tIns="0" rIns="0" bIns="0" rtlCol="0">
+                <a:spAutoFit/>
+              </a:bodyPr>
+              <a:lstStyle/>
+              <a:p>
+                <a14:m>
+                  <m:oMathPara xmlns:m="http://schemas.openxmlformats.org/officeDocument/2006/math">
+                    <m:oMathParaPr>
+                      <m:jc m:val="centerGroup"/>
+                    </m:oMathParaPr>
+                    <m:oMath xmlns:m="http://schemas.openxmlformats.org/officeDocument/2006/math">
+                      <m:r>
+                        <a:rPr lang="en-GB" sz="1100" i="1">
+                          <a:latin typeface="Cambria Math" panose="02040503050406030204" pitchFamily="18" charset="0"/>
+                        </a:rPr>
+                        <m:t>𝑀𝑅</m:t>
+                      </m:r>
+                      <m:r>
+                        <a:rPr lang="en-GB" sz="1100" i="1">
+                          <a:latin typeface="Cambria Math" panose="02040503050406030204" pitchFamily="18" charset="0"/>
+                        </a:rPr>
+                        <m:t>(</m:t>
+                      </m:r>
+                      <m:r>
+                        <a:rPr lang="en-GB" sz="1100" i="1">
+                          <a:latin typeface="Cambria Math" panose="02040503050406030204" pitchFamily="18" charset="0"/>
+                        </a:rPr>
+                        <m:t>𝑞</m:t>
+                      </m:r>
+                      <m:r>
+                        <a:rPr lang="en-GB" sz="1100" i="1">
+                          <a:latin typeface="Cambria Math" panose="02040503050406030204" pitchFamily="18" charset="0"/>
+                        </a:rPr>
+                        <m:t>)</m:t>
+                      </m:r>
+                    </m:oMath>
+                  </m:oMathPara>
+                </a14:m>
+                <a:endParaRPr lang="en-US" sz="1100" dirty="0"/>
+              </a:p>
+            </p:txBody>
+          </p:sp>
+        </mc:Choice>
+        <mc:Fallback>
+          <p:sp>
+            <p:nvSpPr>
+              <p:cNvPr id="65" name="TextBox 64">
+                <a:extLst>
+                  <a:ext uri="{FF2B5EF4-FFF2-40B4-BE49-F238E27FC236}">
+                    <a16:creationId xmlns:a16="http://schemas.microsoft.com/office/drawing/2014/main" id="{0B5A041B-83A1-5843-BBE5-A9D358784107}"/>
+                  </a:ext>
+                </a:extLst>
+              </p:cNvPr>
+              <p:cNvSpPr txBox="1">
+                <a:spLocks noRot="1" noChangeAspect="1" noMove="1" noResize="1" noEditPoints="1" noAdjustHandles="1" noChangeArrowheads="1" noChangeShapeType="1" noTextEdit="1"/>
+              </p:cNvSpPr>
+              <p:nvPr/>
+            </p:nvSpPr>
+            <p:spPr>
+              <a:xfrm>
+                <a:off x="1935148" y="3447981"/>
+                <a:ext cx="717395" cy="169277"/>
+              </a:xfrm>
+              <a:prstGeom prst="rect">
+                <a:avLst/>
+              </a:prstGeom>
+              <a:blipFill>
+                <a:blip r:embed="rId2"/>
+                <a:stretch>
+                  <a:fillRect b="-20000"/>
+                </a:stretch>
+              </a:blipFill>
+            </p:spPr>
+            <p:txBody>
+              <a:bodyPr/>
+              <a:lstStyle/>
+              <a:p>
+                <a:r>
+                  <a:rPr lang="en-US">
+                    <a:noFill/>
+                  </a:rPr>
+                  <a:t> </a:t>
+                </a:r>
+              </a:p>
+            </p:txBody>
+          </p:sp>
+        </mc:Fallback>
+      </mc:AlternateContent>
+      <mc:AlternateContent xmlns:mc="http://schemas.openxmlformats.org/markup-compatibility/2006">
+        <mc:Choice xmlns:a14="http://schemas.microsoft.com/office/drawing/2010/main" Requires="a14">
+          <p:sp>
+            <p:nvSpPr>
+              <p:cNvPr id="66" name="TextBox 65">
+                <a:extLst>
+                  <a:ext uri="{FF2B5EF4-FFF2-40B4-BE49-F238E27FC236}">
+                    <a16:creationId xmlns:a16="http://schemas.microsoft.com/office/drawing/2014/main" id="{8BD1C8E1-58F9-D44C-8A46-751E15463D72}"/>
+                  </a:ext>
+                </a:extLst>
+              </p:cNvPr>
+              <p:cNvSpPr txBox="1"/>
+              <p:nvPr/>
+            </p:nvSpPr>
+            <p:spPr>
+              <a:xfrm>
+                <a:off x="814476" y="1424239"/>
+                <a:ext cx="717395" cy="169277"/>
+              </a:xfrm>
+              <a:prstGeom prst="rect">
+                <a:avLst/>
+              </a:prstGeom>
+              <a:noFill/>
+            </p:spPr>
+            <p:txBody>
+              <a:bodyPr wrap="square" lIns="0" tIns="0" rIns="0" bIns="0" rtlCol="0">
+                <a:spAutoFit/>
+              </a:bodyPr>
+              <a:lstStyle/>
+              <a:p>
+                <a14:m>
+                  <m:oMathPara xmlns:m="http://schemas.openxmlformats.org/officeDocument/2006/math">
+                    <m:oMathParaPr>
+                      <m:jc m:val="centerGroup"/>
+                    </m:oMathParaPr>
+                    <m:oMath xmlns:m="http://schemas.openxmlformats.org/officeDocument/2006/math">
+                      <m:r>
+                        <a:rPr lang="en-GB" sz="1100" i="1">
+                          <a:latin typeface="Cambria Math" panose="02040503050406030204" pitchFamily="18" charset="0"/>
+                        </a:rPr>
+                        <m:t>𝑃</m:t>
+                      </m:r>
+                      <m:r>
+                        <a:rPr lang="en-GB" sz="1100" i="1">
+                          <a:latin typeface="Cambria Math" panose="02040503050406030204" pitchFamily="18" charset="0"/>
+                        </a:rPr>
+                        <m:t>(</m:t>
+                      </m:r>
+                      <m:r>
+                        <a:rPr lang="en-GB" sz="1100" i="1">
+                          <a:latin typeface="Cambria Math" panose="02040503050406030204" pitchFamily="18" charset="0"/>
+                        </a:rPr>
+                        <m:t>𝑞</m:t>
+                      </m:r>
+                      <m:r>
+                        <a:rPr lang="en-GB" sz="1100" i="1">
+                          <a:latin typeface="Cambria Math" panose="02040503050406030204" pitchFamily="18" charset="0"/>
+                        </a:rPr>
+                        <m:t>)</m:t>
+                      </m:r>
+                    </m:oMath>
+                  </m:oMathPara>
+                </a14:m>
+                <a:endParaRPr lang="en-US" sz="1100" dirty="0"/>
+              </a:p>
+            </p:txBody>
+          </p:sp>
+        </mc:Choice>
+        <mc:Fallback>
+          <p:sp>
+            <p:nvSpPr>
+              <p:cNvPr id="66" name="TextBox 65">
+                <a:extLst>
+                  <a:ext uri="{FF2B5EF4-FFF2-40B4-BE49-F238E27FC236}">
+                    <a16:creationId xmlns:a16="http://schemas.microsoft.com/office/drawing/2014/main" id="{8BD1C8E1-58F9-D44C-8A46-751E15463D72}"/>
+                  </a:ext>
+                </a:extLst>
+              </p:cNvPr>
+              <p:cNvSpPr txBox="1">
+                <a:spLocks noRot="1" noChangeAspect="1" noMove="1" noResize="1" noEditPoints="1" noAdjustHandles="1" noChangeArrowheads="1" noChangeShapeType="1" noTextEdit="1"/>
+              </p:cNvSpPr>
+              <p:nvPr/>
+            </p:nvSpPr>
+            <p:spPr>
+              <a:xfrm>
+                <a:off x="814476" y="1424239"/>
+                <a:ext cx="717395" cy="169277"/>
+              </a:xfrm>
+              <a:prstGeom prst="rect">
+                <a:avLst/>
+              </a:prstGeom>
+              <a:blipFill>
+                <a:blip r:embed="rId3"/>
+                <a:stretch>
+                  <a:fillRect b="-28571"/>
+                </a:stretch>
+              </a:blipFill>
+            </p:spPr>
+            <p:txBody>
+              <a:bodyPr/>
+              <a:lstStyle/>
+              <a:p>
+                <a:r>
+                  <a:rPr lang="en-US">
+                    <a:noFill/>
+                  </a:rPr>
+                  <a:t> </a:t>
+                </a:r>
+              </a:p>
+            </p:txBody>
+          </p:sp>
+        </mc:Fallback>
+      </mc:AlternateContent>
+      <mc:AlternateContent xmlns:mc="http://schemas.openxmlformats.org/markup-compatibility/2006">
+        <mc:Choice xmlns:a14="http://schemas.microsoft.com/office/drawing/2010/main" Requires="a14">
+          <p:sp>
+            <p:nvSpPr>
+              <p:cNvPr id="68" name="TextBox 67">
+                <a:extLst>
+                  <a:ext uri="{FF2B5EF4-FFF2-40B4-BE49-F238E27FC236}">
+                    <a16:creationId xmlns:a16="http://schemas.microsoft.com/office/drawing/2014/main" id="{CDA80332-2EC0-414E-813D-C8715235BB89}"/>
+                  </a:ext>
+                </a:extLst>
+              </p:cNvPr>
+              <p:cNvSpPr txBox="1"/>
+              <p:nvPr/>
+            </p:nvSpPr>
+            <p:spPr>
+              <a:xfrm>
+                <a:off x="80217" y="1143436"/>
+                <a:ext cx="717395" cy="169277"/>
+              </a:xfrm>
+              <a:prstGeom prst="rect">
+                <a:avLst/>
+              </a:prstGeom>
+              <a:noFill/>
+            </p:spPr>
+            <p:txBody>
+              <a:bodyPr wrap="square" lIns="0" tIns="0" rIns="0" bIns="0" rtlCol="0">
+                <a:spAutoFit/>
+              </a:bodyPr>
+              <a:lstStyle/>
+              <a:p>
+                <a14:m>
+                  <m:oMathPara xmlns:m="http://schemas.openxmlformats.org/officeDocument/2006/math">
+                    <m:oMathParaPr>
+                      <m:jc m:val="centerGroup"/>
+                    </m:oMathParaPr>
+                    <m:oMath xmlns:m="http://schemas.openxmlformats.org/officeDocument/2006/math">
+                      <m:r>
+                        <a:rPr lang="en-GB" sz="1100" i="1">
+                          <a:latin typeface="Cambria Math" panose="02040503050406030204" pitchFamily="18" charset="0"/>
+                        </a:rPr>
+                        <m:t>𝑝</m:t>
+                      </m:r>
+                      <m:r>
+                        <a:rPr lang="en-GB" sz="1100" i="1">
+                          <a:latin typeface="Cambria Math" panose="02040503050406030204" pitchFamily="18" charset="0"/>
+                        </a:rPr>
+                        <m:t>=36</m:t>
+                      </m:r>
+                    </m:oMath>
+                  </m:oMathPara>
+                </a14:m>
+                <a:endParaRPr lang="en-US" sz="1100" dirty="0"/>
+              </a:p>
+            </p:txBody>
+          </p:sp>
+        </mc:Choice>
+        <mc:Fallback>
+          <p:sp>
+            <p:nvSpPr>
+              <p:cNvPr id="68" name="TextBox 67">
+                <a:extLst>
+                  <a:ext uri="{FF2B5EF4-FFF2-40B4-BE49-F238E27FC236}">
+                    <a16:creationId xmlns:a16="http://schemas.microsoft.com/office/drawing/2014/main" id="{CDA80332-2EC0-414E-813D-C8715235BB89}"/>
+                  </a:ext>
+                </a:extLst>
+              </p:cNvPr>
+              <p:cNvSpPr txBox="1">
+                <a:spLocks noRot="1" noChangeAspect="1" noMove="1" noResize="1" noEditPoints="1" noAdjustHandles="1" noChangeArrowheads="1" noChangeShapeType="1" noTextEdit="1"/>
+              </p:cNvSpPr>
+              <p:nvPr/>
+            </p:nvSpPr>
+            <p:spPr>
+              <a:xfrm>
+                <a:off x="80217" y="1143436"/>
+                <a:ext cx="717395" cy="169277"/>
+              </a:xfrm>
+              <a:prstGeom prst="rect">
+                <a:avLst/>
+              </a:prstGeom>
+              <a:blipFill>
+                <a:blip r:embed="rId4"/>
+                <a:stretch>
+                  <a:fillRect b="-14286"/>
+                </a:stretch>
+              </a:blipFill>
+            </p:spPr>
+            <p:txBody>
+              <a:bodyPr/>
+              <a:lstStyle/>
+              <a:p>
+                <a:r>
+                  <a:rPr lang="en-US">
+                    <a:noFill/>
+                  </a:rPr>
+                  <a:t> </a:t>
+                </a:r>
+              </a:p>
+            </p:txBody>
+          </p:sp>
+        </mc:Fallback>
+      </mc:AlternateContent>
+      <mc:AlternateContent xmlns:mc="http://schemas.openxmlformats.org/markup-compatibility/2006">
+        <mc:Choice xmlns:a14="http://schemas.microsoft.com/office/drawing/2010/main" Requires="a14">
+          <p:sp>
+            <p:nvSpPr>
+              <p:cNvPr id="69" name="TextBox 68">
+                <a:extLst>
+                  <a:ext uri="{FF2B5EF4-FFF2-40B4-BE49-F238E27FC236}">
+                    <a16:creationId xmlns:a16="http://schemas.microsoft.com/office/drawing/2014/main" id="{7C07DAC5-6602-B447-87B6-4994746BCA27}"/>
+                  </a:ext>
+                </a:extLst>
+              </p:cNvPr>
+              <p:cNvSpPr txBox="1"/>
+              <p:nvPr/>
+            </p:nvSpPr>
+            <p:spPr>
+              <a:xfrm>
+                <a:off x="299725" y="471117"/>
+                <a:ext cx="717395" cy="169277"/>
+              </a:xfrm>
+              <a:prstGeom prst="rect">
+                <a:avLst/>
+              </a:prstGeom>
+              <a:noFill/>
+            </p:spPr>
+            <p:txBody>
+              <a:bodyPr wrap="square" lIns="0" tIns="0" rIns="0" bIns="0" rtlCol="0">
+                <a:spAutoFit/>
+              </a:bodyPr>
+              <a:lstStyle/>
+              <a:p>
+                <a:r>
+                  <a:rPr lang="en-GB" sz="1100" dirty="0"/>
+                  <a:t>Price </a:t>
+                </a:r>
+                <a14:m>
+                  <m:oMath xmlns:m="http://schemas.openxmlformats.org/officeDocument/2006/math">
+                    <m:r>
+                      <a:rPr lang="en-GB" sz="1100" i="1">
+                        <a:latin typeface="Cambria Math" panose="02040503050406030204" pitchFamily="18" charset="0"/>
+                      </a:rPr>
+                      <m:t>𝑝</m:t>
+                    </m:r>
+                  </m:oMath>
+                </a14:m>
+                <a:endParaRPr lang="en-US" sz="1100" dirty="0"/>
+              </a:p>
+            </p:txBody>
+          </p:sp>
+        </mc:Choice>
+        <mc:Fallback>
+          <p:sp>
+            <p:nvSpPr>
+              <p:cNvPr id="69" name="TextBox 68">
+                <a:extLst>
+                  <a:ext uri="{FF2B5EF4-FFF2-40B4-BE49-F238E27FC236}">
+                    <a16:creationId xmlns:a16="http://schemas.microsoft.com/office/drawing/2014/main" id="{7C07DAC5-6602-B447-87B6-4994746BCA27}"/>
+                  </a:ext>
+                </a:extLst>
+              </p:cNvPr>
+              <p:cNvSpPr txBox="1">
+                <a:spLocks noRot="1" noChangeAspect="1" noMove="1" noResize="1" noEditPoints="1" noAdjustHandles="1" noChangeArrowheads="1" noChangeShapeType="1" noTextEdit="1"/>
+              </p:cNvSpPr>
+              <p:nvPr/>
+            </p:nvSpPr>
+            <p:spPr>
+              <a:xfrm>
+                <a:off x="299725" y="471117"/>
+                <a:ext cx="717395" cy="169277"/>
+              </a:xfrm>
+              <a:prstGeom prst="rect">
+                <a:avLst/>
+              </a:prstGeom>
+              <a:blipFill>
+                <a:blip r:embed="rId5"/>
+                <a:stretch>
+                  <a:fillRect l="-14286" t="-21429" b="-42857"/>
+                </a:stretch>
+              </a:blipFill>
+            </p:spPr>
+            <p:txBody>
+              <a:bodyPr/>
+              <a:lstStyle/>
+              <a:p>
+                <a:r>
+                  <a:rPr lang="en-US">
+                    <a:noFill/>
+                  </a:rPr>
+                  <a:t> </a:t>
+                </a:r>
+              </a:p>
+            </p:txBody>
+          </p:sp>
+        </mc:Fallback>
+      </mc:AlternateContent>
+      <mc:AlternateContent xmlns:mc="http://schemas.openxmlformats.org/markup-compatibility/2006">
+        <mc:Choice xmlns:a14="http://schemas.microsoft.com/office/drawing/2010/main" Requires="a14">
+          <p:sp>
+            <p:nvSpPr>
+              <p:cNvPr id="72" name="TextBox 71">
+                <a:extLst>
+                  <a:ext uri="{FF2B5EF4-FFF2-40B4-BE49-F238E27FC236}">
+                    <a16:creationId xmlns:a16="http://schemas.microsoft.com/office/drawing/2014/main" id="{0524699D-694E-6442-B635-AD1F5ADD0902}"/>
+                  </a:ext>
+                </a:extLst>
+              </p:cNvPr>
+              <p:cNvSpPr txBox="1"/>
+              <p:nvPr/>
+            </p:nvSpPr>
+            <p:spPr>
+              <a:xfrm>
+                <a:off x="3972657" y="4282303"/>
+                <a:ext cx="717395" cy="169277"/>
+              </a:xfrm>
+              <a:prstGeom prst="rect">
+                <a:avLst/>
+              </a:prstGeom>
+              <a:noFill/>
+            </p:spPr>
+            <p:txBody>
+              <a:bodyPr wrap="square" lIns="0" tIns="0" rIns="0" bIns="0" rtlCol="0">
+                <a:spAutoFit/>
+              </a:bodyPr>
+              <a:lstStyle/>
+              <a:p>
+                <a14:m>
+                  <m:oMathPara xmlns:m="http://schemas.openxmlformats.org/officeDocument/2006/math">
+                    <m:oMathParaPr>
+                      <m:jc m:val="centerGroup"/>
+                    </m:oMathParaPr>
+                    <m:oMath xmlns:m="http://schemas.openxmlformats.org/officeDocument/2006/math">
+                      <m:r>
+                        <a:rPr lang="en-GB" sz="1100" i="1">
+                          <a:latin typeface="Cambria Math" panose="02040503050406030204" pitchFamily="18" charset="0"/>
+                        </a:rPr>
+                        <m:t>𝑞</m:t>
+                      </m:r>
+                      <m:r>
+                        <a:rPr lang="en-GB" sz="1100" i="1">
+                          <a:latin typeface="Cambria Math" panose="02040503050406030204" pitchFamily="18" charset="0"/>
+                        </a:rPr>
+                        <m:t>=15</m:t>
+                      </m:r>
+                    </m:oMath>
+                  </m:oMathPara>
+                </a14:m>
+                <a:endParaRPr lang="en-US" sz="1100" dirty="0"/>
+              </a:p>
+            </p:txBody>
+          </p:sp>
+        </mc:Choice>
+        <mc:Fallback>
+          <p:sp>
+            <p:nvSpPr>
+              <p:cNvPr id="72" name="TextBox 71">
+                <a:extLst>
+                  <a:ext uri="{FF2B5EF4-FFF2-40B4-BE49-F238E27FC236}">
+                    <a16:creationId xmlns:a16="http://schemas.microsoft.com/office/drawing/2014/main" id="{0524699D-694E-6442-B635-AD1F5ADD0902}"/>
+                  </a:ext>
+                </a:extLst>
+              </p:cNvPr>
+              <p:cNvSpPr txBox="1">
+                <a:spLocks noRot="1" noChangeAspect="1" noMove="1" noResize="1" noEditPoints="1" noAdjustHandles="1" noChangeArrowheads="1" noChangeShapeType="1" noTextEdit="1"/>
+              </p:cNvSpPr>
+              <p:nvPr/>
+            </p:nvSpPr>
+            <p:spPr>
+              <a:xfrm>
+                <a:off x="3972657" y="4282303"/>
+                <a:ext cx="717395" cy="169277"/>
+              </a:xfrm>
+              <a:prstGeom prst="rect">
+                <a:avLst/>
+              </a:prstGeom>
+              <a:blipFill>
+                <a:blip r:embed="rId6"/>
+                <a:stretch>
+                  <a:fillRect b="-6667"/>
+                </a:stretch>
+              </a:blipFill>
+            </p:spPr>
+            <p:txBody>
+              <a:bodyPr/>
+              <a:lstStyle/>
+              <a:p>
+                <a:r>
+                  <a:rPr lang="en-US">
+                    <a:noFill/>
+                  </a:rPr>
+                  <a:t> </a:t>
+                </a:r>
+              </a:p>
+            </p:txBody>
+          </p:sp>
+        </mc:Fallback>
+      </mc:AlternateContent>
+      <mc:AlternateContent xmlns:mc="http://schemas.openxmlformats.org/markup-compatibility/2006">
+        <mc:Choice xmlns:a14="http://schemas.microsoft.com/office/drawing/2010/main" Requires="a14">
+          <p:sp>
+            <p:nvSpPr>
+              <p:cNvPr id="73" name="TextBox 72">
+                <a:extLst>
+                  <a:ext uri="{FF2B5EF4-FFF2-40B4-BE49-F238E27FC236}">
+                    <a16:creationId xmlns:a16="http://schemas.microsoft.com/office/drawing/2014/main" id="{E8564F82-4335-7147-9C9B-E0E181A52658}"/>
+                  </a:ext>
+                </a:extLst>
+              </p:cNvPr>
+              <p:cNvSpPr txBox="1"/>
+              <p:nvPr/>
+            </p:nvSpPr>
+            <p:spPr>
+              <a:xfrm>
+                <a:off x="0" y="2152529"/>
+                <a:ext cx="717395" cy="169277"/>
+              </a:xfrm>
+              <a:prstGeom prst="rect">
+                <a:avLst/>
+              </a:prstGeom>
+              <a:noFill/>
+            </p:spPr>
+            <p:txBody>
+              <a:bodyPr wrap="square" lIns="0" tIns="0" rIns="0" bIns="0" rtlCol="0">
+                <a:spAutoFit/>
+              </a:bodyPr>
+              <a:lstStyle/>
+              <a:p>
+                <a14:m>
+                  <m:oMathPara xmlns:m="http://schemas.openxmlformats.org/officeDocument/2006/math">
+                    <m:oMathParaPr>
+                      <m:jc m:val="centerGroup"/>
+                    </m:oMathParaPr>
+                    <m:oMath xmlns:m="http://schemas.openxmlformats.org/officeDocument/2006/math">
+                      <m:sSup>
+                        <m:sSupPr>
+                          <m:ctrlPr>
+                            <a:rPr lang="en-GB" sz="1100" i="1">
+                              <a:latin typeface="Cambria Math" panose="02040503050406030204" pitchFamily="18" charset="0"/>
+                            </a:rPr>
+                          </m:ctrlPr>
+                        </m:sSupPr>
+                        <m:e>
+                          <m:r>
+                            <a:rPr lang="en-GB" sz="1100" i="1">
+                              <a:latin typeface="Cambria Math" panose="02040503050406030204" pitchFamily="18" charset="0"/>
+                            </a:rPr>
+                            <m:t>𝑝</m:t>
+                          </m:r>
+                        </m:e>
+                        <m:sup>
+                          <m:r>
+                            <a:rPr lang="en-GB" sz="1100" i="1">
+                              <a:latin typeface="Cambria Math" panose="02040503050406030204" pitchFamily="18" charset="0"/>
+                            </a:rPr>
+                            <m:t>∗</m:t>
+                          </m:r>
+                        </m:sup>
+                      </m:sSup>
+                      <m:r>
+                        <a:rPr lang="en-GB" sz="1100" i="1">
+                          <a:latin typeface="Cambria Math" panose="02040503050406030204" pitchFamily="18" charset="0"/>
+                        </a:rPr>
+                        <m:t>=22</m:t>
+                      </m:r>
+                    </m:oMath>
+                  </m:oMathPara>
+                </a14:m>
+                <a:endParaRPr lang="en-US" sz="1100" dirty="0"/>
+              </a:p>
+            </p:txBody>
+          </p:sp>
+        </mc:Choice>
+        <mc:Fallback>
+          <p:sp>
+            <p:nvSpPr>
+              <p:cNvPr id="73" name="TextBox 72">
+                <a:extLst>
+                  <a:ext uri="{FF2B5EF4-FFF2-40B4-BE49-F238E27FC236}">
+                    <a16:creationId xmlns:a16="http://schemas.microsoft.com/office/drawing/2014/main" id="{E8564F82-4335-7147-9C9B-E0E181A52658}"/>
+                  </a:ext>
+                </a:extLst>
+              </p:cNvPr>
+              <p:cNvSpPr txBox="1">
+                <a:spLocks noRot="1" noChangeAspect="1" noMove="1" noResize="1" noEditPoints="1" noAdjustHandles="1" noChangeArrowheads="1" noChangeShapeType="1" noTextEdit="1"/>
+              </p:cNvSpPr>
+              <p:nvPr/>
+            </p:nvSpPr>
+            <p:spPr>
+              <a:xfrm>
+                <a:off x="0" y="2152529"/>
+                <a:ext cx="717395" cy="169277"/>
+              </a:xfrm>
+              <a:prstGeom prst="rect">
+                <a:avLst/>
+              </a:prstGeom>
+              <a:blipFill>
+                <a:blip r:embed="rId7"/>
+                <a:stretch>
+                  <a:fillRect b="-13333"/>
+                </a:stretch>
+              </a:blipFill>
+            </p:spPr>
+            <p:txBody>
+              <a:bodyPr/>
+              <a:lstStyle/>
+              <a:p>
+                <a:r>
+                  <a:rPr lang="en-US">
+                    <a:noFill/>
+                  </a:rPr>
+                  <a:t> </a:t>
+                </a:r>
+              </a:p>
+            </p:txBody>
+          </p:sp>
+        </mc:Fallback>
+      </mc:AlternateContent>
+      <mc:AlternateContent xmlns:mc="http://schemas.openxmlformats.org/markup-compatibility/2006">
+        <mc:Choice xmlns:a14="http://schemas.microsoft.com/office/drawing/2010/main" Requires="a14">
+          <p:sp>
+            <p:nvSpPr>
+              <p:cNvPr id="81" name="TextBox 80">
+                <a:extLst>
+                  <a:ext uri="{FF2B5EF4-FFF2-40B4-BE49-F238E27FC236}">
+                    <a16:creationId xmlns:a16="http://schemas.microsoft.com/office/drawing/2014/main" id="{01834E45-9A61-C84E-B54C-0F78929AD238}"/>
+                  </a:ext>
+                </a:extLst>
+              </p:cNvPr>
+              <p:cNvSpPr txBox="1"/>
+              <p:nvPr/>
+            </p:nvSpPr>
+            <p:spPr>
+              <a:xfrm>
+                <a:off x="4469043" y="2502508"/>
+                <a:ext cx="717395" cy="169277"/>
+              </a:xfrm>
+              <a:prstGeom prst="rect">
+                <a:avLst/>
+              </a:prstGeom>
+              <a:noFill/>
+            </p:spPr>
+            <p:txBody>
+              <a:bodyPr wrap="square" lIns="0" tIns="0" rIns="0" bIns="0" rtlCol="0">
+                <a:spAutoFit/>
+              </a:bodyPr>
+              <a:lstStyle/>
+              <a:p>
+                <a14:m>
+                  <m:oMath xmlns:m="http://schemas.openxmlformats.org/officeDocument/2006/math">
+                    <m:r>
+                      <a:rPr lang="en-GB" sz="1100" i="1">
+                        <a:latin typeface="Cambria Math" panose="02040503050406030204" pitchFamily="18" charset="0"/>
+                      </a:rPr>
+                      <m:t>𝑀𝐶</m:t>
+                    </m:r>
+                    <m:r>
+                      <a:rPr lang="en-GB" sz="1100" i="1">
+                        <a:latin typeface="Cambria Math" panose="02040503050406030204" pitchFamily="18" charset="0"/>
+                      </a:rPr>
+                      <m:t>(</m:t>
+                    </m:r>
+                    <m:r>
+                      <a:rPr lang="en-GB" sz="1100" i="1">
+                        <a:latin typeface="Cambria Math" panose="02040503050406030204" pitchFamily="18" charset="0"/>
+                      </a:rPr>
+                      <m:t>𝑞</m:t>
+                    </m:r>
+                    <m:r>
+                      <a:rPr lang="en-GB" sz="1100" i="1">
+                        <a:latin typeface="Cambria Math" panose="02040503050406030204" pitchFamily="18" charset="0"/>
+                      </a:rPr>
+                      <m:t>)</m:t>
+                    </m:r>
+                  </m:oMath>
+                </a14:m>
+                <a:r>
+                  <a:rPr lang="en-US" sz="1100" dirty="0"/>
+                  <a:t>=</a:t>
+                </a:r>
+                <a:r>
+                  <a:rPr lang="en-GB" sz="1100" dirty="0"/>
+                  <a:t> </a:t>
+                </a:r>
+                <a14:m>
+                  <m:oMath xmlns:m="http://schemas.openxmlformats.org/officeDocument/2006/math">
+                    <m:r>
+                      <a:rPr lang="en-GB" sz="1100" i="1">
+                        <a:latin typeface="Cambria Math" panose="02040503050406030204" pitchFamily="18" charset="0"/>
+                      </a:rPr>
+                      <m:t>14</m:t>
+                    </m:r>
+                  </m:oMath>
+                </a14:m>
+                <a:endParaRPr lang="en-US" sz="1100" dirty="0"/>
+              </a:p>
+            </p:txBody>
+          </p:sp>
+        </mc:Choice>
+        <mc:Fallback>
+          <p:sp>
+            <p:nvSpPr>
+              <p:cNvPr id="81" name="TextBox 80">
+                <a:extLst>
+                  <a:ext uri="{FF2B5EF4-FFF2-40B4-BE49-F238E27FC236}">
+                    <a16:creationId xmlns:a16="http://schemas.microsoft.com/office/drawing/2014/main" id="{01834E45-9A61-C84E-B54C-0F78929AD238}"/>
+                  </a:ext>
+                </a:extLst>
+              </p:cNvPr>
+              <p:cNvSpPr txBox="1">
+                <a:spLocks noRot="1" noChangeAspect="1" noMove="1" noResize="1" noEditPoints="1" noAdjustHandles="1" noChangeArrowheads="1" noChangeShapeType="1" noTextEdit="1"/>
+              </p:cNvSpPr>
+              <p:nvPr/>
+            </p:nvSpPr>
+            <p:spPr>
+              <a:xfrm>
+                <a:off x="4469043" y="2502508"/>
+                <a:ext cx="717395" cy="169277"/>
+              </a:xfrm>
+              <a:prstGeom prst="rect">
+                <a:avLst/>
+              </a:prstGeom>
+              <a:blipFill>
+                <a:blip r:embed="rId8"/>
+                <a:stretch>
+                  <a:fillRect l="-5263" t="-21429" b="-42857"/>
+                </a:stretch>
+              </a:blipFill>
+            </p:spPr>
+            <p:txBody>
+              <a:bodyPr/>
+              <a:lstStyle/>
+              <a:p>
+                <a:r>
+                  <a:rPr lang="en-US">
+                    <a:noFill/>
+                  </a:rPr>
+                  <a:t> </a:t>
+                </a:r>
+              </a:p>
+            </p:txBody>
+          </p:sp>
+        </mc:Fallback>
+      </mc:AlternateContent>
+      <mc:AlternateContent xmlns:mc="http://schemas.openxmlformats.org/markup-compatibility/2006">
+        <mc:Choice xmlns:a14="http://schemas.microsoft.com/office/drawing/2010/main" Requires="a14">
+          <p:sp>
+            <p:nvSpPr>
+              <p:cNvPr id="27" name="TextBox 26">
+                <a:extLst>
+                  <a:ext uri="{FF2B5EF4-FFF2-40B4-BE49-F238E27FC236}">
+                    <a16:creationId xmlns:a16="http://schemas.microsoft.com/office/drawing/2014/main" id="{02FF3247-786E-4B44-9484-FBE73C839131}"/>
+                  </a:ext>
+                </a:extLst>
+              </p:cNvPr>
+              <p:cNvSpPr txBox="1"/>
+              <p:nvPr/>
+            </p:nvSpPr>
+            <p:spPr>
+              <a:xfrm>
+                <a:off x="4827740" y="4491327"/>
+                <a:ext cx="717395" cy="169277"/>
+              </a:xfrm>
+              <a:prstGeom prst="rect">
+                <a:avLst/>
+              </a:prstGeom>
+              <a:noFill/>
+            </p:spPr>
+            <p:txBody>
+              <a:bodyPr wrap="square" lIns="0" tIns="0" rIns="0" bIns="0" rtlCol="0">
+                <a:spAutoFit/>
+              </a:bodyPr>
+              <a:lstStyle/>
+              <a:p>
+                <a:r>
+                  <a:rPr lang="en-GB" sz="1100" dirty="0"/>
+                  <a:t>Quantity </a:t>
+                </a:r>
+                <a14:m>
+                  <m:oMath xmlns:m="http://schemas.openxmlformats.org/officeDocument/2006/math">
+                    <m:r>
+                      <a:rPr lang="en-GB" sz="1100" i="1">
+                        <a:latin typeface="Cambria Math" panose="02040503050406030204" pitchFamily="18" charset="0"/>
+                      </a:rPr>
+                      <m:t>𝑞</m:t>
+                    </m:r>
+                  </m:oMath>
+                </a14:m>
+                <a:endParaRPr lang="en-US" sz="1100" dirty="0"/>
+              </a:p>
+            </p:txBody>
+          </p:sp>
+        </mc:Choice>
+        <mc:Fallback>
+          <p:sp>
+            <p:nvSpPr>
+              <p:cNvPr id="27" name="TextBox 26">
+                <a:extLst>
+                  <a:ext uri="{FF2B5EF4-FFF2-40B4-BE49-F238E27FC236}">
+                    <a16:creationId xmlns:a16="http://schemas.microsoft.com/office/drawing/2014/main" id="{02FF3247-786E-4B44-9484-FBE73C839131}"/>
+                  </a:ext>
+                </a:extLst>
+              </p:cNvPr>
+              <p:cNvSpPr txBox="1">
+                <a:spLocks noRot="1" noChangeAspect="1" noMove="1" noResize="1" noEditPoints="1" noAdjustHandles="1" noChangeArrowheads="1" noChangeShapeType="1" noTextEdit="1"/>
+              </p:cNvSpPr>
+              <p:nvPr/>
+            </p:nvSpPr>
+            <p:spPr>
+              <a:xfrm>
+                <a:off x="4827740" y="4491327"/>
+                <a:ext cx="717395" cy="169277"/>
+              </a:xfrm>
+              <a:prstGeom prst="rect">
+                <a:avLst/>
+              </a:prstGeom>
+              <a:blipFill>
+                <a:blip r:embed="rId9"/>
+                <a:stretch>
+                  <a:fillRect l="-10345" t="-28571" b="-42857"/>
+                </a:stretch>
+              </a:blipFill>
+            </p:spPr>
+            <p:txBody>
+              <a:bodyPr/>
+              <a:lstStyle/>
+              <a:p>
+                <a:r>
+                  <a:rPr lang="en-US">
+                    <a:noFill/>
+                  </a:rPr>
+                  <a:t> </a:t>
+                </a:r>
+              </a:p>
+            </p:txBody>
+          </p:sp>
+        </mc:Fallback>
+      </mc:AlternateContent>
+      <mc:AlternateContent xmlns:mc="http://schemas.openxmlformats.org/markup-compatibility/2006">
+        <mc:Choice xmlns:a14="http://schemas.microsoft.com/office/drawing/2010/main" Requires="a14">
+          <p:sp>
+            <p:nvSpPr>
+              <p:cNvPr id="28" name="TextBox 27">
+                <a:extLst>
+                  <a:ext uri="{FF2B5EF4-FFF2-40B4-BE49-F238E27FC236}">
+                    <a16:creationId xmlns:a16="http://schemas.microsoft.com/office/drawing/2014/main" id="{EE25842D-40E4-4147-A5C6-9BCC35201EE1}"/>
+                  </a:ext>
+                </a:extLst>
+              </p:cNvPr>
+              <p:cNvSpPr txBox="1"/>
+              <p:nvPr/>
+            </p:nvSpPr>
+            <p:spPr>
+              <a:xfrm>
+                <a:off x="1120386" y="4510673"/>
+                <a:ext cx="717395" cy="169277"/>
+              </a:xfrm>
+              <a:prstGeom prst="rect">
+                <a:avLst/>
+              </a:prstGeom>
+              <a:noFill/>
+            </p:spPr>
+            <p:txBody>
+              <a:bodyPr wrap="square" lIns="0" tIns="0" rIns="0" bIns="0" rtlCol="0">
+                <a:spAutoFit/>
+              </a:bodyPr>
+              <a:lstStyle/>
+              <a:p>
+                <a14:m>
+                  <m:oMathPara xmlns:m="http://schemas.openxmlformats.org/officeDocument/2006/math">
+                    <m:oMathParaPr>
+                      <m:jc m:val="centerGroup"/>
+                    </m:oMathParaPr>
+                    <m:oMath xmlns:m="http://schemas.openxmlformats.org/officeDocument/2006/math">
+                      <m:r>
+                        <a:rPr lang="en-GB" sz="1100" i="1">
+                          <a:latin typeface="Cambria Math" panose="02040503050406030204" pitchFamily="18" charset="0"/>
+                        </a:rPr>
+                        <m:t>𝑞</m:t>
+                      </m:r>
+                      <m:r>
+                        <a:rPr lang="en-GB" sz="1100" i="1">
+                          <a:latin typeface="Cambria Math" panose="02040503050406030204" pitchFamily="18" charset="0"/>
+                        </a:rPr>
+                        <m:t>=4</m:t>
+                      </m:r>
+                    </m:oMath>
+                  </m:oMathPara>
+                </a14:m>
+                <a:endParaRPr lang="en-US" sz="1100" dirty="0"/>
+              </a:p>
+            </p:txBody>
+          </p:sp>
+        </mc:Choice>
+        <mc:Fallback>
+          <p:sp>
+            <p:nvSpPr>
+              <p:cNvPr id="28" name="TextBox 27">
+                <a:extLst>
+                  <a:ext uri="{FF2B5EF4-FFF2-40B4-BE49-F238E27FC236}">
+                    <a16:creationId xmlns:a16="http://schemas.microsoft.com/office/drawing/2014/main" id="{EE25842D-40E4-4147-A5C6-9BCC35201EE1}"/>
+                  </a:ext>
+                </a:extLst>
+              </p:cNvPr>
+              <p:cNvSpPr txBox="1">
+                <a:spLocks noRot="1" noChangeAspect="1" noMove="1" noResize="1" noEditPoints="1" noAdjustHandles="1" noChangeArrowheads="1" noChangeShapeType="1" noTextEdit="1"/>
+              </p:cNvSpPr>
+              <p:nvPr/>
+            </p:nvSpPr>
+            <p:spPr>
+              <a:xfrm>
+                <a:off x="1120386" y="4510673"/>
+                <a:ext cx="717395" cy="169277"/>
+              </a:xfrm>
+              <a:prstGeom prst="rect">
+                <a:avLst/>
+              </a:prstGeom>
+              <a:blipFill>
+                <a:blip r:embed="rId10"/>
+                <a:stretch>
+                  <a:fillRect b="-13333"/>
+                </a:stretch>
+              </a:blipFill>
+            </p:spPr>
+            <p:txBody>
+              <a:bodyPr/>
+              <a:lstStyle/>
+              <a:p>
+                <a:r>
+                  <a:rPr lang="en-US">
+                    <a:noFill/>
+                  </a:rPr>
+                  <a:t> </a:t>
+                </a:r>
+              </a:p>
+            </p:txBody>
+          </p:sp>
+        </mc:Fallback>
+      </mc:AlternateContent>
+      <p:grpSp>
+        <p:nvGrpSpPr>
+          <p:cNvPr id="29" name="Group 28">
+            <a:extLst>
+              <a:ext uri="{FF2B5EF4-FFF2-40B4-BE49-F238E27FC236}">
+                <a16:creationId xmlns:a16="http://schemas.microsoft.com/office/drawing/2014/main" id="{804920EE-4C70-0F42-B87B-12415ACAE26C}"/>
+              </a:ext>
+            </a:extLst>
+          </p:cNvPr>
+          <p:cNvGrpSpPr/>
+          <p:nvPr/>
+        </p:nvGrpSpPr>
+        <p:grpSpPr>
+          <a:xfrm>
+            <a:off x="734650" y="2237169"/>
+            <a:ext cx="744434" cy="2254158"/>
+            <a:chOff x="1137818" y="2808382"/>
+            <a:chExt cx="1076196" cy="1751379"/>
+          </a:xfrm>
+        </p:grpSpPr>
+        <p:sp>
+          <p:nvSpPr>
+            <p:cNvPr id="30" name="Line 28">
+              <a:extLst>
+                <a:ext uri="{FF2B5EF4-FFF2-40B4-BE49-F238E27FC236}">
+                  <a16:creationId xmlns:a16="http://schemas.microsoft.com/office/drawing/2014/main" id="{33D8440D-A90A-5849-92F5-5B3BD0FEF1BE}"/>
+                </a:ext>
+              </a:extLst>
+            </p:cNvPr>
+            <p:cNvSpPr>
+              <a:spLocks noChangeShapeType="1"/>
+            </p:cNvSpPr>
+            <p:nvPr/>
+          </p:nvSpPr>
+          <p:spPr bwMode="auto">
+            <a:xfrm flipV="1">
+              <a:off x="2214014" y="2829891"/>
+              <a:ext cx="0" cy="1729870"/>
+            </a:xfrm>
+            <a:prstGeom prst="line">
+              <a:avLst/>
+            </a:prstGeom>
+            <a:noFill/>
+            <a:ln w="9525">
+              <a:solidFill>
+                <a:schemeClr val="tx1"/>
+              </a:solidFill>
+              <a:prstDash val="lgDash"/>
+              <a:round/>
+              <a:headEnd/>
+              <a:tailEnd type="oval"/>
+            </a:ln>
+            <a:effectLst/>
+            <a:extLst>
+              <a:ext uri="{909E8E84-426E-40dd-AFC4-6F175D3DCCD1}">
+                <a14:hiddenFill xmlns="" xmlns:a14="http://schemas.microsoft.com/office/drawing/2010/main">
+                  <a:noFill/>
+                </a14:hiddenFill>
+              </a:ext>
+              <a:ext uri="{AF507438-7753-43e0-B8FC-AC1667EBCBE1}">
+                <a14:hiddenEffects xmlns="" xmlns:a14="http://schemas.microsoft.com/office/drawing/2010/main">
+                  <a:effectLst>
+                    <a:outerShdw blurRad="63500" dist="38099" dir="2700000" algn="ctr" rotWithShape="0">
+                      <a:schemeClr val="bg2">
+                        <a:alpha val="74998"/>
+                      </a:schemeClr>
+                    </a:outerShdw>
+                  </a:effectLst>
+                </a14:hiddenEffects>
+              </a:ext>
+            </a:extLst>
+          </p:spPr>
+          <p:txBody>
+            <a:bodyPr/>
+            <a:lstStyle/>
+            <a:p>
+              <a:pPr>
+                <a:defRPr/>
+              </a:pPr>
+              <a:endParaRPr lang="en-US" sz="1890" dirty="0">
+                <a:latin typeface="CMU Serif Roman" panose="02000603000000000000" pitchFamily="2" charset="0"/>
+                <a:ea typeface="ＭＳ Ｐゴシック" charset="0"/>
+              </a:endParaRPr>
+            </a:p>
+          </p:txBody>
+        </p:sp>
+        <p:sp>
+          <p:nvSpPr>
+            <p:cNvPr id="31" name="Line 28">
+              <a:extLst>
+                <a:ext uri="{FF2B5EF4-FFF2-40B4-BE49-F238E27FC236}">
+                  <a16:creationId xmlns:a16="http://schemas.microsoft.com/office/drawing/2014/main" id="{48906C7B-F28E-5549-A520-50091827396B}"/>
+                </a:ext>
+              </a:extLst>
+            </p:cNvPr>
+            <p:cNvSpPr>
+              <a:spLocks noChangeShapeType="1"/>
+            </p:cNvSpPr>
+            <p:nvPr/>
+          </p:nvSpPr>
+          <p:spPr bwMode="auto">
+            <a:xfrm>
+              <a:off x="1137818" y="2808382"/>
+              <a:ext cx="1053049" cy="0"/>
+            </a:xfrm>
+            <a:prstGeom prst="line">
+              <a:avLst/>
+            </a:prstGeom>
+            <a:noFill/>
+            <a:ln w="9525">
+              <a:solidFill>
+                <a:schemeClr val="tx1"/>
+              </a:solidFill>
+              <a:prstDash val="lgDash"/>
+              <a:round/>
+              <a:headEnd/>
+              <a:tailEnd/>
+            </a:ln>
+            <a:effectLst/>
+            <a:extLst>
+              <a:ext uri="{909E8E84-426E-40dd-AFC4-6F175D3DCCD1}">
+                <a14:hiddenFill xmlns="" xmlns:a14="http://schemas.microsoft.com/office/drawing/2010/main">
+                  <a:noFill/>
+                </a14:hiddenFill>
+              </a:ext>
+              <a:ext uri="{AF507438-7753-43e0-B8FC-AC1667EBCBE1}">
+                <a14:hiddenEffects xmlns="" xmlns:a14="http://schemas.microsoft.com/office/drawing/2010/main">
+                  <a:effectLst>
+                    <a:outerShdw blurRad="63500" dist="38099" dir="2700000" algn="ctr" rotWithShape="0">
+                      <a:schemeClr val="bg2">
+                        <a:alpha val="74998"/>
+                      </a:schemeClr>
+                    </a:outerShdw>
+                  </a:effectLst>
+                </a14:hiddenEffects>
+              </a:ext>
+            </a:extLst>
+          </p:spPr>
+          <p:txBody>
+            <a:bodyPr/>
+            <a:lstStyle/>
+            <a:p>
+              <a:pPr>
+                <a:defRPr/>
+              </a:pPr>
+              <a:endParaRPr lang="en-US" sz="1890" dirty="0">
+                <a:latin typeface="CMU Serif Roman" panose="02000603000000000000" pitchFamily="2" charset="0"/>
+                <a:ea typeface="ＭＳ Ｐゴシック" charset="0"/>
+              </a:endParaRPr>
+            </a:p>
+          </p:txBody>
+        </p:sp>
+      </p:grpSp>
+    </p:spTree>
+    <p:extLst>
+      <p:ext uri="{BB962C8B-B14F-4D97-AF65-F5344CB8AC3E}">
+        <p14:creationId xmlns:p14="http://schemas.microsoft.com/office/powerpoint/2010/main" val="2688352356"/>
+      </p:ext>
+    </p:extLst>
+  </p:cSld>
+  <p:clrMapOvr>
+    <a:masterClrMapping/>
+  </p:clrMapOvr>
+  <p:timing>
+    <p:tnLst>
+      <p:par>
+        <p:cTn id="1" dur="indefinite" restart="never" nodeType="tmRoot">
+          <p:childTnLst>
+            <p:seq concurrent="1" nextAc="seek">
+              <p:cTn id="2" dur="indefinite" nodeType="mainSeq">
+                <p:childTnLst>
+                  <p:par>
+                    <p:cTn id="3" fill="hold">
+                      <p:stCondLst>
+                        <p:cond delay="indefinite"/>
+                        <p:cond evt="onBegin" delay="0">
+                          <p:tn val="2"/>
+                        </p:cond>
+                      </p:stCondLst>
+                      <p:childTnLst>
+                        <p:par>
+                          <p:cTn id="4" fill="hold">
+                            <p:stCondLst>
+                              <p:cond delay="0"/>
+                            </p:stCondLst>
+                            <p:childTnLst>
+                              <p:par>
+                                <p:cTn id="5" presetID="22" presetClass="entr" presetSubtype="1" fill="hold" nodeType="afterEffect">
+                                  <p:stCondLst>
+                                    <p:cond delay="0"/>
+                                  </p:stCondLst>
+                                  <p:childTnLst>
+                                    <p:set>
+                                      <p:cBhvr>
+                                        <p:cTn id="6" dur="1" fill="hold">
+                                          <p:stCondLst>
+                                            <p:cond delay="0"/>
+                                          </p:stCondLst>
+                                        </p:cTn>
+                                        <p:tgtEl>
+                                          <p:spTgt spid="63"/>
+                                        </p:tgtEl>
+                                        <p:attrNameLst>
+                                          <p:attrName>style.visibility</p:attrName>
+                                        </p:attrNameLst>
+                                      </p:cBhvr>
+                                      <p:to>
+                                        <p:strVal val="visible"/>
+                                      </p:to>
+                                    </p:set>
+                                    <p:animEffect transition="in" filter="wipe(up)">
+                                      <p:cBhvr>
+                                        <p:cTn id="7" dur="500"/>
+                                        <p:tgtEl>
+                                          <p:spTgt spid="63"/>
+                                        </p:tgtEl>
+                                      </p:cBhvr>
+                                    </p:animEffect>
+                                  </p:childTnLst>
+                                </p:cTn>
+                              </p:par>
+                            </p:childTnLst>
+                          </p:cTn>
+                        </p:par>
+                        <p:par>
+                          <p:cTn id="8" fill="hold">
+                            <p:stCondLst>
+                              <p:cond delay="500"/>
+                            </p:stCondLst>
+                            <p:childTnLst>
+                              <p:par>
+                                <p:cTn id="9" presetID="22" presetClass="entr" presetSubtype="8" fill="hold" nodeType="afterEffect">
+                                  <p:stCondLst>
+                                    <p:cond delay="0"/>
+                                  </p:stCondLst>
+                                  <p:childTnLst>
+                                    <p:set>
+                                      <p:cBhvr>
+                                        <p:cTn id="10" dur="1" fill="hold">
+                                          <p:stCondLst>
+                                            <p:cond delay="0"/>
+                                          </p:stCondLst>
+                                        </p:cTn>
+                                        <p:tgtEl>
+                                          <p:spTgt spid="61"/>
+                                        </p:tgtEl>
+                                        <p:attrNameLst>
+                                          <p:attrName>style.visibility</p:attrName>
+                                        </p:attrNameLst>
+                                      </p:cBhvr>
+                                      <p:to>
+                                        <p:strVal val="visible"/>
+                                      </p:to>
+                                    </p:set>
+                                    <p:animEffect transition="in" filter="wipe(left)">
+                                      <p:cBhvr>
+                                        <p:cTn id="11" dur="500"/>
+                                        <p:tgtEl>
+                                          <p:spTgt spid="61"/>
+                                        </p:tgtEl>
+                                      </p:cBhvr>
+                                    </p:animEffect>
+                                  </p:childTnLst>
+                                </p:cTn>
+                              </p:par>
+                            </p:childTnLst>
+                          </p:cTn>
+                        </p:par>
+                        <p:par>
+                          <p:cTn id="12" fill="hold">
+                            <p:stCondLst>
+                              <p:cond delay="1000"/>
+                            </p:stCondLst>
+                            <p:childTnLst>
+                              <p:par>
+                                <p:cTn id="13" presetID="22" presetClass="entr" presetSubtype="8" fill="hold" nodeType="afterEffect">
+                                  <p:stCondLst>
+                                    <p:cond delay="0"/>
+                                  </p:stCondLst>
+                                  <p:childTnLst>
+                                    <p:set>
+                                      <p:cBhvr>
+                                        <p:cTn id="14" dur="1" fill="hold">
+                                          <p:stCondLst>
+                                            <p:cond delay="0"/>
+                                          </p:stCondLst>
+                                        </p:cTn>
+                                        <p:tgtEl>
+                                          <p:spTgt spid="54"/>
+                                        </p:tgtEl>
+                                        <p:attrNameLst>
+                                          <p:attrName>style.visibility</p:attrName>
+                                        </p:attrNameLst>
+                                      </p:cBhvr>
+                                      <p:to>
+                                        <p:strVal val="visible"/>
+                                      </p:to>
+                                    </p:set>
+                                    <p:animEffect transition="in" filter="wipe(left)">
+                                      <p:cBhvr>
+                                        <p:cTn id="15" dur="500"/>
+                                        <p:tgtEl>
+                                          <p:spTgt spid="54"/>
+                                        </p:tgtEl>
+                                      </p:cBhvr>
+                                    </p:animEffect>
+                                  </p:childTnLst>
+                                </p:cTn>
+                              </p:par>
+                            </p:childTnLst>
+                          </p:cTn>
+                        </p:par>
+                        <p:par>
+                          <p:cTn id="16" fill="hold">
+                            <p:stCondLst>
+                              <p:cond delay="1500"/>
+                            </p:stCondLst>
+                            <p:childTnLst>
+                              <p:par>
+                                <p:cTn id="17" presetID="22" presetClass="entr" presetSubtype="8" fill="hold" nodeType="afterEffect">
+                                  <p:stCondLst>
+                                    <p:cond delay="0"/>
+                                  </p:stCondLst>
+                                  <p:childTnLst>
+                                    <p:set>
+                                      <p:cBhvr>
+                                        <p:cTn id="18" dur="1" fill="hold">
+                                          <p:stCondLst>
+                                            <p:cond delay="0"/>
+                                          </p:stCondLst>
+                                        </p:cTn>
+                                        <p:tgtEl>
+                                          <p:spTgt spid="55"/>
+                                        </p:tgtEl>
+                                        <p:attrNameLst>
+                                          <p:attrName>style.visibility</p:attrName>
+                                        </p:attrNameLst>
+                                      </p:cBhvr>
+                                      <p:to>
+                                        <p:strVal val="visible"/>
+                                      </p:to>
+                                    </p:set>
+                                    <p:animEffect transition="in" filter="wipe(left)">
+                                      <p:cBhvr>
+                                        <p:cTn id="19" dur="500"/>
+                                        <p:tgtEl>
+                                          <p:spTgt spid="55"/>
+                                        </p:tgtEl>
+                                      </p:cBhvr>
+                                    </p:animEffect>
+                                  </p:childTnLst>
+                                </p:cTn>
+                              </p:par>
+                            </p:childTnLst>
+                          </p:cTn>
+                        </p:par>
+                        <p:par>
+                          <p:cTn id="20" fill="hold">
+                            <p:stCondLst>
+                              <p:cond delay="2000"/>
+                            </p:stCondLst>
+                            <p:childTnLst>
+                              <p:par>
+                                <p:cTn id="21" presetID="22" presetClass="entr" presetSubtype="8" fill="hold" nodeType="afterEffect">
+                                  <p:stCondLst>
+                                    <p:cond delay="0"/>
+                                  </p:stCondLst>
+                                  <p:childTnLst>
+                                    <p:set>
+                                      <p:cBhvr>
+                                        <p:cTn id="22" dur="1" fill="hold">
+                                          <p:stCondLst>
+                                            <p:cond delay="0"/>
+                                          </p:stCondLst>
+                                        </p:cTn>
+                                        <p:tgtEl>
+                                          <p:spTgt spid="56"/>
+                                        </p:tgtEl>
+                                        <p:attrNameLst>
+                                          <p:attrName>style.visibility</p:attrName>
+                                        </p:attrNameLst>
+                                      </p:cBhvr>
+                                      <p:to>
+                                        <p:strVal val="visible"/>
+                                      </p:to>
+                                    </p:set>
+                                    <p:animEffect transition="in" filter="wipe(left)">
+                                      <p:cBhvr>
+                                        <p:cTn id="23" dur="500"/>
+                                        <p:tgtEl>
+                                          <p:spTgt spid="56"/>
+                                        </p:tgtEl>
+                                      </p:cBhvr>
+                                    </p:animEffect>
+                                  </p:childTnLst>
+                                </p:cTn>
+                              </p:par>
+                            </p:childTnLst>
+                          </p:cTn>
+                        </p:par>
+                        <p:par>
+                          <p:cTn id="24" fill="hold">
+                            <p:stCondLst>
+                              <p:cond delay="2500"/>
+                            </p:stCondLst>
+                            <p:childTnLst>
+                              <p:par>
+                                <p:cTn id="25" presetID="22" presetClass="entr" presetSubtype="8" fill="hold" nodeType="afterEffect">
+                                  <p:stCondLst>
+                                    <p:cond delay="0"/>
+                                  </p:stCondLst>
+                                  <p:childTnLst>
+                                    <p:set>
+                                      <p:cBhvr>
+                                        <p:cTn id="26" dur="1" fill="hold">
+                                          <p:stCondLst>
+                                            <p:cond delay="0"/>
+                                          </p:stCondLst>
+                                        </p:cTn>
+                                        <p:tgtEl>
+                                          <p:spTgt spid="57"/>
+                                        </p:tgtEl>
+                                        <p:attrNameLst>
+                                          <p:attrName>style.visibility</p:attrName>
+                                        </p:attrNameLst>
+                                      </p:cBhvr>
+                                      <p:to>
+                                        <p:strVal val="visible"/>
+                                      </p:to>
+                                    </p:set>
+                                    <p:animEffect transition="in" filter="wipe(left)">
+                                      <p:cBhvr>
+                                        <p:cTn id="27" dur="500"/>
+                                        <p:tgtEl>
+                                          <p:spTgt spid="57"/>
+                                        </p:tgtEl>
+                                      </p:cBhvr>
+                                    </p:animEffect>
+                                  </p:childTnLst>
+                                </p:cTn>
+                              </p:par>
+                            </p:childTnLst>
+                          </p:cTn>
+                        </p:par>
+                        <p:par>
+                          <p:cTn id="28" fill="hold">
+                            <p:stCondLst>
+                              <p:cond delay="3000"/>
+                            </p:stCondLst>
+                            <p:childTnLst>
+                              <p:par>
+                                <p:cTn id="29" presetID="22" presetClass="entr" presetSubtype="8" fill="hold" nodeType="afterEffect">
+                                  <p:stCondLst>
+                                    <p:cond delay="0"/>
+                                  </p:stCondLst>
+                                  <p:childTnLst>
+                                    <p:set>
+                                      <p:cBhvr>
+                                        <p:cTn id="30" dur="1" fill="hold">
+                                          <p:stCondLst>
+                                            <p:cond delay="0"/>
+                                          </p:stCondLst>
+                                        </p:cTn>
+                                        <p:tgtEl>
+                                          <p:spTgt spid="58"/>
+                                        </p:tgtEl>
+                                        <p:attrNameLst>
+                                          <p:attrName>style.visibility</p:attrName>
+                                        </p:attrNameLst>
+                                      </p:cBhvr>
+                                      <p:to>
+                                        <p:strVal val="visible"/>
+                                      </p:to>
+                                    </p:set>
+                                    <p:animEffect transition="in" filter="wipe(left)">
+                                      <p:cBhvr>
+                                        <p:cTn id="31" dur="500"/>
+                                        <p:tgtEl>
+                                          <p:spTgt spid="58"/>
+                                        </p:tgtEl>
+                                      </p:cBhvr>
+                                    </p:animEffect>
+                                  </p:childTnLst>
+                                </p:cTn>
+                              </p:par>
+                            </p:childTnLst>
+                          </p:cTn>
+                        </p:par>
+                        <p:par>
+                          <p:cTn id="32" fill="hold">
+                            <p:stCondLst>
+                              <p:cond delay="3500"/>
+                            </p:stCondLst>
+                            <p:childTnLst>
+                              <p:par>
+                                <p:cTn id="33" presetID="22" presetClass="entr" presetSubtype="8" fill="hold" nodeType="afterEffect">
+                                  <p:stCondLst>
+                                    <p:cond delay="0"/>
+                                  </p:stCondLst>
+                                  <p:childTnLst>
+                                    <p:set>
+                                      <p:cBhvr>
+                                        <p:cTn id="34" dur="1" fill="hold">
+                                          <p:stCondLst>
+                                            <p:cond delay="0"/>
+                                          </p:stCondLst>
+                                        </p:cTn>
+                                        <p:tgtEl>
+                                          <p:spTgt spid="59"/>
+                                        </p:tgtEl>
+                                        <p:attrNameLst>
+                                          <p:attrName>style.visibility</p:attrName>
+                                        </p:attrNameLst>
+                                      </p:cBhvr>
+                                      <p:to>
+                                        <p:strVal val="visible"/>
+                                      </p:to>
+                                    </p:set>
+                                    <p:animEffect transition="in" filter="wipe(left)">
+                                      <p:cBhvr>
+                                        <p:cTn id="35" dur="500"/>
+                                        <p:tgtEl>
+                                          <p:spTgt spid="59"/>
+                                        </p:tgtEl>
+                                      </p:cBhvr>
+                                    </p:animEffect>
+                                  </p:childTnLst>
+                                </p:cTn>
+                              </p:par>
+                            </p:childTnLst>
+                          </p:cTn>
+                        </p:par>
+                      </p:childTnLst>
+                    </p:cTn>
+                  </p:par>
+                </p:childTnLst>
+              </p:cTn>
+              <p:prevCondLst>
+                <p:cond evt="onPrev" delay="0">
+                  <p:tgtEl>
+                    <p:sldTgt/>
+                  </p:tgtEl>
+                </p:cond>
+              </p:prevCondLst>
+              <p:nextCondLst>
+                <p:cond evt="onNext" delay="0">
+                  <p:tgtEl>
+                    <p:sldTgt/>
+                  </p:tgtEl>
+                </p:cond>
+              </p:nextCondLst>
+            </p:seq>
+          </p:childTnLst>
+        </p:cTn>
+      </p:par>
+    </p:tnLst>
+  </p:timing>
+</p:sld>
+</file>
+
+<file path=ppt/slides/slide6.xml><?xml version="1.0" encoding="utf-8"?>
+<p:sld xmlns:a="http://schemas.openxmlformats.org/drawingml/2006/main" xmlns:r="http://schemas.openxmlformats.org/officeDocument/2006/relationships" xmlns:p="http://schemas.openxmlformats.org/presentationml/2006/main">
+  <p:cSld>
+    <p:spTree>
+      <p:nvGrpSpPr>
+        <p:cNvPr id="1" name=""/>
+        <p:cNvGrpSpPr/>
+        <p:nvPr/>
+      </p:nvGrpSpPr>
+      <p:grpSpPr>
+        <a:xfrm>
+          <a:off x="0" y="0"/>
+          <a:ext cx="0" cy="0"/>
+          <a:chOff x="0" y="0"/>
+          <a:chExt cx="0" cy="0"/>
+        </a:xfrm>
+      </p:grpSpPr>
+      <p:sp>
+        <p:nvSpPr>
+          <p:cNvPr id="54" name="Line 10">
+            <a:extLst>
+              <a:ext uri="{FF2B5EF4-FFF2-40B4-BE49-F238E27FC236}">
+                <a16:creationId xmlns:a16="http://schemas.microsoft.com/office/drawing/2014/main" id="{DBD3D9DB-7180-754A-AC98-428EC08887EF}"/>
+              </a:ext>
+            </a:extLst>
+          </p:cNvPr>
+          <p:cNvSpPr>
+            <a:spLocks noChangeShapeType="1"/>
+          </p:cNvSpPr>
+          <p:nvPr/>
+        </p:nvSpPr>
+        <p:spPr bwMode="auto">
+          <a:xfrm>
+            <a:off x="717401" y="1294975"/>
+            <a:ext cx="559947" cy="879917"/>
+          </a:xfrm>
+          <a:prstGeom prst="line">
+            <a:avLst/>
+          </a:prstGeom>
+          <a:noFill/>
+          <a:ln w="28575" cap="rnd">
+            <a:solidFill>
+              <a:schemeClr val="hlink"/>
+            </a:solidFill>
+            <a:round/>
+            <a:headEnd/>
+            <a:tailEnd/>
+          </a:ln>
+          <a:effectLst/>
+          <a:extLst>
+            <a:ext uri="{909E8E84-426E-40dd-AFC4-6F175D3DCCD1}">
+              <a14:hiddenFill xmlns="" xmlns:a14="http://schemas.microsoft.com/office/drawing/2010/main">
+                <a:noFill/>
+              </a14:hiddenFill>
+            </a:ext>
+            <a:ext uri="{AF507438-7753-43e0-B8FC-AC1667EBCBE1}">
+              <a14:hiddenEffects xmlns="" xmlns:a14="http://schemas.microsoft.com/office/drawing/2010/main">
+                <a:effectLst>
+                  <a:outerShdw blurRad="63500" dist="38099" dir="2700000" algn="ctr" rotWithShape="0">
+                    <a:schemeClr val="bg2">
+                      <a:alpha val="74998"/>
+                    </a:schemeClr>
+                  </a:outerShdw>
+                </a:effectLst>
+              </a14:hiddenEffects>
+            </a:ext>
+          </a:extLst>
+        </p:spPr>
+        <p:txBody>
+          <a:bodyPr/>
+          <a:lstStyle/>
+          <a:p>
+            <a:pPr>
+              <a:defRPr/>
+            </a:pPr>
+            <a:endParaRPr lang="en-US" sz="1890" dirty="0">
+              <a:latin typeface="CMU Serif Roman" panose="02000603000000000000" pitchFamily="2" charset="0"/>
+              <a:ea typeface="ＭＳ Ｐゴシック" charset="0"/>
+            </a:endParaRPr>
+          </a:p>
+        </p:txBody>
+      </p:sp>
+      <p:sp>
+        <p:nvSpPr>
+          <p:cNvPr id="55" name="Line 11">
+            <a:extLst>
+              <a:ext uri="{FF2B5EF4-FFF2-40B4-BE49-F238E27FC236}">
+                <a16:creationId xmlns:a16="http://schemas.microsoft.com/office/drawing/2014/main" id="{EF67827A-DAAB-244F-B31F-BD4E12FFF86C}"/>
+              </a:ext>
+            </a:extLst>
+          </p:cNvPr>
+          <p:cNvSpPr>
+            <a:spLocks noChangeShapeType="1"/>
+          </p:cNvSpPr>
+          <p:nvPr/>
+        </p:nvSpPr>
+        <p:spPr bwMode="auto">
+          <a:xfrm>
+            <a:off x="1277341" y="2174892"/>
+            <a:ext cx="3039710" cy="2079801"/>
+          </a:xfrm>
+          <a:prstGeom prst="line">
+            <a:avLst/>
+          </a:prstGeom>
+          <a:noFill/>
+          <a:ln w="28575" cap="rnd">
+            <a:solidFill>
+              <a:schemeClr val="hlink"/>
+            </a:solidFill>
+            <a:round/>
+            <a:headEnd/>
+            <a:tailEnd/>
+          </a:ln>
+          <a:effectLst/>
+          <a:extLst>
+            <a:ext uri="{909E8E84-426E-40dd-AFC4-6F175D3DCCD1}">
+              <a14:hiddenFill xmlns="" xmlns:a14="http://schemas.microsoft.com/office/drawing/2010/main">
+                <a:noFill/>
+              </a14:hiddenFill>
+            </a:ext>
+            <a:ext uri="{AF507438-7753-43e0-B8FC-AC1667EBCBE1}">
+              <a14:hiddenEffects xmlns="" xmlns:a14="http://schemas.microsoft.com/office/drawing/2010/main">
+                <a:effectLst>
+                  <a:outerShdw blurRad="63500" dist="38099" dir="2700000" algn="ctr" rotWithShape="0">
+                    <a:schemeClr val="bg2">
+                      <a:alpha val="74998"/>
+                    </a:schemeClr>
+                  </a:outerShdw>
+                </a:effectLst>
+              </a14:hiddenEffects>
+            </a:ext>
+          </a:extLst>
+        </p:spPr>
+        <p:txBody>
+          <a:bodyPr/>
+          <a:lstStyle/>
+          <a:p>
+            <a:pPr>
+              <a:defRPr/>
+            </a:pPr>
+            <a:endParaRPr lang="en-US" sz="1890" dirty="0">
+              <a:latin typeface="CMU Serif Roman" panose="02000603000000000000" pitchFamily="2" charset="0"/>
+              <a:ea typeface="ＭＳ Ｐゴシック" charset="0"/>
+            </a:endParaRPr>
+          </a:p>
+        </p:txBody>
+      </p:sp>
+      <p:sp>
+        <p:nvSpPr>
+          <p:cNvPr id="56" name="Line 18">
+            <a:extLst>
+              <a:ext uri="{FF2B5EF4-FFF2-40B4-BE49-F238E27FC236}">
+                <a16:creationId xmlns:a16="http://schemas.microsoft.com/office/drawing/2014/main" id="{7C374631-405F-1645-9BA7-E0461FAB420F}"/>
+              </a:ext>
+            </a:extLst>
+          </p:cNvPr>
+          <p:cNvSpPr>
+            <a:spLocks noChangeShapeType="1"/>
+          </p:cNvSpPr>
+          <p:nvPr/>
+        </p:nvSpPr>
+        <p:spPr bwMode="auto">
+          <a:xfrm>
+            <a:off x="717400" y="1294969"/>
+            <a:ext cx="574947" cy="1929816"/>
+          </a:xfrm>
+          <a:prstGeom prst="line">
+            <a:avLst/>
+          </a:prstGeom>
+          <a:noFill/>
+          <a:ln w="28575" cap="rnd">
+            <a:solidFill>
+              <a:srgbClr val="00B0F0"/>
+            </a:solidFill>
+            <a:round/>
+            <a:headEnd/>
+            <a:tailEnd/>
+          </a:ln>
+          <a:effectLst/>
+          <a:extLst>
+            <a:ext uri="{909E8E84-426E-40dd-AFC4-6F175D3DCCD1}">
+              <a14:hiddenFill xmlns="" xmlns:a14="http://schemas.microsoft.com/office/drawing/2010/main">
+                <a:noFill/>
+              </a14:hiddenFill>
+            </a:ext>
+            <a:ext uri="{AF507438-7753-43e0-B8FC-AC1667EBCBE1}">
+              <a14:hiddenEffects xmlns="" xmlns:a14="http://schemas.microsoft.com/office/drawing/2010/main">
+                <a:effectLst>
+                  <a:outerShdw blurRad="63500" dist="38099" dir="2700000" algn="ctr" rotWithShape="0">
+                    <a:schemeClr val="bg2">
+                      <a:alpha val="74998"/>
+                    </a:schemeClr>
+                  </a:outerShdw>
+                </a:effectLst>
+              </a14:hiddenEffects>
+            </a:ext>
+          </a:extLst>
+        </p:spPr>
+        <p:txBody>
+          <a:bodyPr/>
+          <a:lstStyle/>
+          <a:p>
+            <a:pPr>
+              <a:defRPr/>
+            </a:pPr>
+            <a:endParaRPr lang="en-US" sz="1890" dirty="0">
+              <a:latin typeface="CMU Serif Roman" panose="02000603000000000000" pitchFamily="2" charset="0"/>
+              <a:ea typeface="ＭＳ Ｐゴシック" charset="0"/>
+            </a:endParaRPr>
+          </a:p>
+        </p:txBody>
+      </p:sp>
+      <p:sp>
+        <p:nvSpPr>
+          <p:cNvPr id="57" name="Line 19">
+            <a:extLst>
+              <a:ext uri="{FF2B5EF4-FFF2-40B4-BE49-F238E27FC236}">
+                <a16:creationId xmlns:a16="http://schemas.microsoft.com/office/drawing/2014/main" id="{1F646844-808E-0845-B243-30732FDDE67F}"/>
+              </a:ext>
+            </a:extLst>
+          </p:cNvPr>
+          <p:cNvSpPr>
+            <a:spLocks noChangeShapeType="1"/>
+          </p:cNvSpPr>
+          <p:nvPr/>
+        </p:nvSpPr>
+        <p:spPr bwMode="auto">
+          <a:xfrm>
+            <a:off x="1304896" y="2608669"/>
+            <a:ext cx="1127337" cy="1651023"/>
+          </a:xfrm>
+          <a:prstGeom prst="line">
+            <a:avLst/>
+          </a:prstGeom>
+          <a:noFill/>
+          <a:ln w="28575" cap="rnd">
+            <a:solidFill>
+              <a:srgbClr val="00B0F0"/>
+            </a:solidFill>
+            <a:round/>
+            <a:headEnd/>
+            <a:tailEnd/>
+          </a:ln>
+          <a:effectLst/>
+          <a:extLst>
+            <a:ext uri="{909E8E84-426E-40dd-AFC4-6F175D3DCCD1}">
+              <a14:hiddenFill xmlns="" xmlns:a14="http://schemas.microsoft.com/office/drawing/2010/main">
+                <a:noFill/>
+              </a14:hiddenFill>
+            </a:ext>
+            <a:ext uri="{AF507438-7753-43e0-B8FC-AC1667EBCBE1}">
+              <a14:hiddenEffects xmlns="" xmlns:a14="http://schemas.microsoft.com/office/drawing/2010/main">
+                <a:effectLst>
+                  <a:outerShdw blurRad="63500" dist="38099" dir="2700000" algn="ctr" rotWithShape="0">
+                    <a:schemeClr val="bg2">
+                      <a:alpha val="74998"/>
+                    </a:schemeClr>
+                  </a:outerShdw>
+                </a:effectLst>
+              </a14:hiddenEffects>
+            </a:ext>
+          </a:extLst>
+        </p:spPr>
+        <p:txBody>
+          <a:bodyPr/>
+          <a:lstStyle/>
+          <a:p>
+            <a:pPr>
+              <a:defRPr/>
+            </a:pPr>
+            <a:endParaRPr lang="en-US" sz="1890" dirty="0">
+              <a:latin typeface="CMU Serif Roman" panose="02000603000000000000" pitchFamily="2" charset="0"/>
+              <a:ea typeface="ＭＳ Ｐゴシック" charset="0"/>
+            </a:endParaRPr>
+          </a:p>
+        </p:txBody>
+      </p:sp>
+      <p:sp>
+        <p:nvSpPr>
+          <p:cNvPr id="58" name="Line 20">
+            <a:extLst>
+              <a:ext uri="{FF2B5EF4-FFF2-40B4-BE49-F238E27FC236}">
+                <a16:creationId xmlns:a16="http://schemas.microsoft.com/office/drawing/2014/main" id="{0E312C04-CFCA-1C49-8551-512541966E91}"/>
+              </a:ext>
+            </a:extLst>
+          </p:cNvPr>
+          <p:cNvSpPr>
+            <a:spLocks noChangeShapeType="1"/>
+          </p:cNvSpPr>
+          <p:nvPr/>
+        </p:nvSpPr>
+        <p:spPr bwMode="auto">
+          <a:xfrm>
+            <a:off x="1291117" y="2608669"/>
+            <a:ext cx="0" cy="639939"/>
+          </a:xfrm>
+          <a:prstGeom prst="line">
+            <a:avLst/>
+          </a:prstGeom>
+          <a:noFill/>
+          <a:ln w="9525">
+            <a:solidFill>
+              <a:schemeClr val="tx1"/>
+            </a:solidFill>
+            <a:prstDash val="dash"/>
+            <a:round/>
+            <a:headEnd/>
+            <a:tailEnd/>
+          </a:ln>
+          <a:effectLst/>
+          <a:extLst>
+            <a:ext uri="{909E8E84-426E-40dd-AFC4-6F175D3DCCD1}">
+              <a14:hiddenFill xmlns="" xmlns:a14="http://schemas.microsoft.com/office/drawing/2010/main">
+                <a:noFill/>
+              </a14:hiddenFill>
+            </a:ext>
+            <a:ext uri="{AF507438-7753-43e0-B8FC-AC1667EBCBE1}">
+              <a14:hiddenEffects xmlns="" xmlns:a14="http://schemas.microsoft.com/office/drawing/2010/main">
+                <a:effectLst>
+                  <a:outerShdw blurRad="63500" dist="38099" dir="2700000" algn="ctr" rotWithShape="0">
+                    <a:schemeClr val="bg2">
+                      <a:alpha val="74998"/>
+                    </a:schemeClr>
+                  </a:outerShdw>
+                </a:effectLst>
+              </a14:hiddenEffects>
+            </a:ext>
+          </a:extLst>
+        </p:spPr>
+        <p:txBody>
+          <a:bodyPr/>
+          <a:lstStyle/>
+          <a:p>
+            <a:pPr>
+              <a:defRPr/>
+            </a:pPr>
+            <a:endParaRPr lang="en-US" sz="1890" dirty="0">
+              <a:latin typeface="CMU Serif Roman" panose="02000603000000000000" pitchFamily="2" charset="0"/>
+              <a:ea typeface="ＭＳ Ｐゴシック" charset="0"/>
+            </a:endParaRPr>
+          </a:p>
+        </p:txBody>
+      </p:sp>
+      <p:sp>
+        <p:nvSpPr>
+          <p:cNvPr id="59" name="Line 25">
+            <a:extLst>
+              <a:ext uri="{FF2B5EF4-FFF2-40B4-BE49-F238E27FC236}">
+                <a16:creationId xmlns:a16="http://schemas.microsoft.com/office/drawing/2014/main" id="{1C9511CC-18DA-9949-BFBD-8068EFCF88AF}"/>
+              </a:ext>
+            </a:extLst>
+          </p:cNvPr>
+          <p:cNvSpPr>
+            <a:spLocks noChangeShapeType="1"/>
+          </p:cNvSpPr>
+          <p:nvPr/>
+        </p:nvSpPr>
+        <p:spPr bwMode="auto">
+          <a:xfrm>
+            <a:off x="717400" y="2834404"/>
+            <a:ext cx="4251023" cy="0"/>
+          </a:xfrm>
+          <a:prstGeom prst="line">
+            <a:avLst/>
+          </a:prstGeom>
+          <a:noFill/>
+          <a:ln w="25400">
+            <a:solidFill>
+              <a:schemeClr val="accent2">
+                <a:lumMod val="60000"/>
+                <a:lumOff val="40000"/>
+              </a:schemeClr>
+            </a:solidFill>
+            <a:round/>
+            <a:headEnd/>
+            <a:tailEnd/>
+          </a:ln>
+          <a:effectLst/>
+          <a:extLst>
+            <a:ext uri="{909E8E84-426E-40dd-AFC4-6F175D3DCCD1}">
+              <a14:hiddenFill xmlns="" xmlns:a14="http://schemas.microsoft.com/office/drawing/2010/main">
+                <a:noFill/>
+              </a14:hiddenFill>
+            </a:ext>
+            <a:ext uri="{AF507438-7753-43e0-B8FC-AC1667EBCBE1}">
+              <a14:hiddenEffects xmlns="" xmlns:a14="http://schemas.microsoft.com/office/drawing/2010/main">
+                <a:effectLst>
+                  <a:outerShdw blurRad="63500" dist="38099" dir="2700000" algn="ctr" rotWithShape="0">
+                    <a:schemeClr val="bg2">
+                      <a:alpha val="74998"/>
+                    </a:schemeClr>
+                  </a:outerShdw>
+                </a:effectLst>
+              </a14:hiddenEffects>
+            </a:ext>
+          </a:extLst>
+        </p:spPr>
+        <p:txBody>
+          <a:bodyPr/>
+          <a:lstStyle/>
+          <a:p>
+            <a:pPr>
+              <a:defRPr/>
+            </a:pPr>
+            <a:endParaRPr lang="en-US" sz="1890" dirty="0">
+              <a:latin typeface="CMU Serif Roman" panose="02000603000000000000" pitchFamily="2" charset="0"/>
+              <a:ea typeface="ＭＳ Ｐゴシック" charset="0"/>
+            </a:endParaRPr>
+          </a:p>
+        </p:txBody>
+      </p:sp>
+      <p:sp>
+        <p:nvSpPr>
+          <p:cNvPr id="61" name="Line 7">
+            <a:extLst>
+              <a:ext uri="{FF2B5EF4-FFF2-40B4-BE49-F238E27FC236}">
+                <a16:creationId xmlns:a16="http://schemas.microsoft.com/office/drawing/2014/main" id="{D8835F6D-6A49-554E-99D0-A588CB933B18}"/>
+              </a:ext>
+            </a:extLst>
+          </p:cNvPr>
+          <p:cNvSpPr>
+            <a:spLocks noChangeShapeType="1"/>
+          </p:cNvSpPr>
+          <p:nvPr/>
+        </p:nvSpPr>
+        <p:spPr bwMode="auto">
+          <a:xfrm>
+            <a:off x="717398" y="4254685"/>
+            <a:ext cx="4251023" cy="0"/>
+          </a:xfrm>
+          <a:prstGeom prst="line">
+            <a:avLst/>
+          </a:prstGeom>
+          <a:noFill/>
+          <a:ln w="19050">
+            <a:solidFill>
+              <a:schemeClr val="tx1"/>
+            </a:solidFill>
+            <a:bevel/>
+            <a:headEnd/>
+            <a:tailEnd type="arrow"/>
+          </a:ln>
+          <a:effectLst/>
+          <a:extLst>
+            <a:ext uri="{909E8E84-426E-40dd-AFC4-6F175D3DCCD1}">
+              <a14:hiddenFill xmlns="" xmlns:a14="http://schemas.microsoft.com/office/drawing/2010/main">
+                <a:noFill/>
+              </a14:hiddenFill>
+            </a:ext>
+            <a:ext uri="{AF507438-7753-43e0-B8FC-AC1667EBCBE1}">
+              <a14:hiddenEffects xmlns="" xmlns:a14="http://schemas.microsoft.com/office/drawing/2010/main">
+                <a:effectLst>
+                  <a:outerShdw blurRad="63500" dist="38099" dir="2700000" algn="ctr" rotWithShape="0">
+                    <a:schemeClr val="bg2">
+                      <a:alpha val="74998"/>
+                    </a:schemeClr>
+                  </a:outerShdw>
+                </a:effectLst>
+              </a14:hiddenEffects>
+            </a:ext>
+          </a:extLst>
+        </p:spPr>
+        <p:txBody>
+          <a:bodyPr/>
+          <a:lstStyle/>
+          <a:p>
+            <a:pPr>
+              <a:defRPr/>
+            </a:pPr>
+            <a:endParaRPr lang="en-US" sz="1890" dirty="0">
+              <a:latin typeface="CMU Serif Roman" panose="02000603000000000000" pitchFamily="2" charset="0"/>
+            </a:endParaRPr>
+          </a:p>
+        </p:txBody>
+      </p:sp>
+      <p:sp>
+        <p:nvSpPr>
+          <p:cNvPr id="63" name="Line 6">
+            <a:extLst>
+              <a:ext uri="{FF2B5EF4-FFF2-40B4-BE49-F238E27FC236}">
+                <a16:creationId xmlns:a16="http://schemas.microsoft.com/office/drawing/2014/main" id="{A456F1EB-13A4-714D-A046-B448638E1A03}"/>
+              </a:ext>
+            </a:extLst>
+          </p:cNvPr>
+          <p:cNvSpPr>
+            <a:spLocks noChangeShapeType="1"/>
+          </p:cNvSpPr>
+          <p:nvPr/>
+        </p:nvSpPr>
+        <p:spPr bwMode="auto">
+          <a:xfrm>
+            <a:off x="717394" y="746450"/>
+            <a:ext cx="0" cy="3508236"/>
+          </a:xfrm>
+          <a:prstGeom prst="line">
+            <a:avLst/>
+          </a:prstGeom>
+          <a:noFill/>
+          <a:ln w="19050">
+            <a:solidFill>
+              <a:schemeClr val="tx1"/>
+            </a:solidFill>
+            <a:round/>
+            <a:headEnd type="arrow" w="sm" len="sm"/>
+            <a:tailEnd type="none"/>
+          </a:ln>
+          <a:effectLst/>
+          <a:extLst>
+            <a:ext uri="{909E8E84-426E-40dd-AFC4-6F175D3DCCD1}">
+              <a14:hiddenFill xmlns="" xmlns:a14="http://schemas.microsoft.com/office/drawing/2010/main">
+                <a:noFill/>
+              </a14:hiddenFill>
+            </a:ext>
+            <a:ext uri="{AF507438-7753-43e0-B8FC-AC1667EBCBE1}">
+              <a14:hiddenEffects xmlns="" xmlns:a14="http://schemas.microsoft.com/office/drawing/2010/main">
+                <a:effectLst>
+                  <a:outerShdw blurRad="63500" dist="38099" dir="2700000" algn="ctr" rotWithShape="0">
+                    <a:schemeClr val="bg2">
+                      <a:alpha val="74998"/>
+                    </a:schemeClr>
+                  </a:outerShdw>
+                </a:effectLst>
+              </a14:hiddenEffects>
+            </a:ext>
+          </a:extLst>
+        </p:spPr>
+        <p:txBody>
+          <a:bodyPr/>
+          <a:lstStyle/>
+          <a:p>
+            <a:pPr>
+              <a:defRPr/>
+            </a:pPr>
+            <a:endParaRPr lang="en-US" sz="1890" dirty="0">
+              <a:latin typeface="CMU Serif Roman" panose="02000603000000000000" pitchFamily="2" charset="0"/>
+            </a:endParaRPr>
+          </a:p>
+        </p:txBody>
+      </p:sp>
+      <mc:AlternateContent xmlns:mc="http://schemas.openxmlformats.org/markup-compatibility/2006">
+        <mc:Choice xmlns:a14="http://schemas.microsoft.com/office/drawing/2010/main" Requires="a14">
+          <p:sp>
+            <p:nvSpPr>
+              <p:cNvPr id="65" name="TextBox 64">
+                <a:extLst>
+                  <a:ext uri="{FF2B5EF4-FFF2-40B4-BE49-F238E27FC236}">
+                    <a16:creationId xmlns:a16="http://schemas.microsoft.com/office/drawing/2014/main" id="{0B5A041B-83A1-5843-BBE5-A9D358784107}"/>
+                  </a:ext>
+                </a:extLst>
+              </p:cNvPr>
+              <p:cNvSpPr txBox="1"/>
+              <p:nvPr/>
+            </p:nvSpPr>
+            <p:spPr>
+              <a:xfrm>
+                <a:off x="1920848" y="3497734"/>
+                <a:ext cx="717395" cy="169277"/>
+              </a:xfrm>
+              <a:prstGeom prst="rect">
+                <a:avLst/>
+              </a:prstGeom>
+              <a:noFill/>
+            </p:spPr>
+            <p:txBody>
+              <a:bodyPr wrap="square" lIns="0" tIns="0" rIns="0" bIns="0" rtlCol="0">
+                <a:spAutoFit/>
+              </a:bodyPr>
+              <a:lstStyle/>
+              <a:p>
+                <a14:m>
+                  <m:oMathPara xmlns:m="http://schemas.openxmlformats.org/officeDocument/2006/math">
+                    <m:oMathParaPr>
+                      <m:jc m:val="centerGroup"/>
+                    </m:oMathParaPr>
+                    <m:oMath xmlns:m="http://schemas.openxmlformats.org/officeDocument/2006/math">
+                      <m:r>
+                        <a:rPr lang="en-GB" sz="1100" i="1">
+                          <a:latin typeface="Cambria Math" panose="02040503050406030204" pitchFamily="18" charset="0"/>
+                        </a:rPr>
+                        <m:t>𝑀𝑅</m:t>
+                      </m:r>
+                      <m:r>
+                        <a:rPr lang="en-GB" sz="1100" i="1">
+                          <a:latin typeface="Cambria Math" panose="02040503050406030204" pitchFamily="18" charset="0"/>
+                        </a:rPr>
+                        <m:t>(</m:t>
+                      </m:r>
+                      <m:r>
+                        <a:rPr lang="en-GB" sz="1100" i="1">
+                          <a:latin typeface="Cambria Math" panose="02040503050406030204" pitchFamily="18" charset="0"/>
+                        </a:rPr>
+                        <m:t>𝑞</m:t>
+                      </m:r>
+                      <m:r>
+                        <a:rPr lang="en-GB" sz="1100" i="1">
+                          <a:latin typeface="Cambria Math" panose="02040503050406030204" pitchFamily="18" charset="0"/>
+                        </a:rPr>
+                        <m:t>)</m:t>
+                      </m:r>
+                    </m:oMath>
+                  </m:oMathPara>
+                </a14:m>
+                <a:endParaRPr lang="en-US" sz="1100" dirty="0"/>
+              </a:p>
+            </p:txBody>
+          </p:sp>
+        </mc:Choice>
+        <mc:Fallback>
+          <p:sp>
+            <p:nvSpPr>
+              <p:cNvPr id="65" name="TextBox 64">
+                <a:extLst>
+                  <a:ext uri="{FF2B5EF4-FFF2-40B4-BE49-F238E27FC236}">
+                    <a16:creationId xmlns:a16="http://schemas.microsoft.com/office/drawing/2014/main" id="{0B5A041B-83A1-5843-BBE5-A9D358784107}"/>
+                  </a:ext>
+                </a:extLst>
+              </p:cNvPr>
+              <p:cNvSpPr txBox="1">
+                <a:spLocks noRot="1" noChangeAspect="1" noMove="1" noResize="1" noEditPoints="1" noAdjustHandles="1" noChangeArrowheads="1" noChangeShapeType="1" noTextEdit="1"/>
+              </p:cNvSpPr>
+              <p:nvPr/>
+            </p:nvSpPr>
+            <p:spPr>
+              <a:xfrm>
+                <a:off x="1920848" y="3497734"/>
+                <a:ext cx="717395" cy="169277"/>
+              </a:xfrm>
+              <a:prstGeom prst="rect">
+                <a:avLst/>
+              </a:prstGeom>
+              <a:blipFill>
+                <a:blip r:embed="rId2"/>
+                <a:stretch>
+                  <a:fillRect b="-20000"/>
+                </a:stretch>
+              </a:blipFill>
+            </p:spPr>
+            <p:txBody>
+              <a:bodyPr/>
+              <a:lstStyle/>
+              <a:p>
+                <a:r>
+                  <a:rPr lang="en-US">
+                    <a:noFill/>
+                  </a:rPr>
+                  <a:t> </a:t>
+                </a:r>
+              </a:p>
+            </p:txBody>
+          </p:sp>
+        </mc:Fallback>
+      </mc:AlternateContent>
+      <mc:AlternateContent xmlns:mc="http://schemas.openxmlformats.org/markup-compatibility/2006">
+        <mc:Choice xmlns:a14="http://schemas.microsoft.com/office/drawing/2010/main" Requires="a14">
+          <p:sp>
+            <p:nvSpPr>
+              <p:cNvPr id="66" name="TextBox 65">
+                <a:extLst>
+                  <a:ext uri="{FF2B5EF4-FFF2-40B4-BE49-F238E27FC236}">
+                    <a16:creationId xmlns:a16="http://schemas.microsoft.com/office/drawing/2014/main" id="{8BD1C8E1-58F9-D44C-8A46-751E15463D72}"/>
+                  </a:ext>
+                </a:extLst>
+              </p:cNvPr>
+              <p:cNvSpPr txBox="1"/>
+              <p:nvPr/>
+            </p:nvSpPr>
+            <p:spPr>
+              <a:xfrm>
+                <a:off x="800178" y="1473994"/>
+                <a:ext cx="717395" cy="169277"/>
+              </a:xfrm>
+              <a:prstGeom prst="rect">
+                <a:avLst/>
+              </a:prstGeom>
+              <a:noFill/>
+            </p:spPr>
+            <p:txBody>
+              <a:bodyPr wrap="square" lIns="0" tIns="0" rIns="0" bIns="0" rtlCol="0">
+                <a:spAutoFit/>
+              </a:bodyPr>
+              <a:lstStyle/>
+              <a:p>
+                <a14:m>
+                  <m:oMathPara xmlns:m="http://schemas.openxmlformats.org/officeDocument/2006/math">
+                    <m:oMathParaPr>
+                      <m:jc m:val="centerGroup"/>
+                    </m:oMathParaPr>
+                    <m:oMath xmlns:m="http://schemas.openxmlformats.org/officeDocument/2006/math">
+                      <m:r>
+                        <a:rPr lang="en-GB" sz="1100" i="1">
+                          <a:latin typeface="Cambria Math" panose="02040503050406030204" pitchFamily="18" charset="0"/>
+                        </a:rPr>
+                        <m:t>𝑃</m:t>
+                      </m:r>
+                      <m:r>
+                        <a:rPr lang="en-GB" sz="1100" i="1">
+                          <a:latin typeface="Cambria Math" panose="02040503050406030204" pitchFamily="18" charset="0"/>
+                        </a:rPr>
+                        <m:t>(</m:t>
+                      </m:r>
+                      <m:r>
+                        <a:rPr lang="en-GB" sz="1100" i="1">
+                          <a:latin typeface="Cambria Math" panose="02040503050406030204" pitchFamily="18" charset="0"/>
+                        </a:rPr>
+                        <m:t>𝑞</m:t>
+                      </m:r>
+                      <m:r>
+                        <a:rPr lang="en-GB" sz="1100" i="1">
+                          <a:latin typeface="Cambria Math" panose="02040503050406030204" pitchFamily="18" charset="0"/>
+                        </a:rPr>
+                        <m:t>)</m:t>
+                      </m:r>
+                    </m:oMath>
+                  </m:oMathPara>
+                </a14:m>
+                <a:endParaRPr lang="en-US" sz="1100" dirty="0"/>
+              </a:p>
+            </p:txBody>
+          </p:sp>
+        </mc:Choice>
+        <mc:Fallback>
+          <p:sp>
+            <p:nvSpPr>
+              <p:cNvPr id="66" name="TextBox 65">
+                <a:extLst>
+                  <a:ext uri="{FF2B5EF4-FFF2-40B4-BE49-F238E27FC236}">
+                    <a16:creationId xmlns:a16="http://schemas.microsoft.com/office/drawing/2014/main" id="{8BD1C8E1-58F9-D44C-8A46-751E15463D72}"/>
+                  </a:ext>
+                </a:extLst>
+              </p:cNvPr>
+              <p:cNvSpPr txBox="1">
+                <a:spLocks noRot="1" noChangeAspect="1" noMove="1" noResize="1" noEditPoints="1" noAdjustHandles="1" noChangeArrowheads="1" noChangeShapeType="1" noTextEdit="1"/>
+              </p:cNvSpPr>
+              <p:nvPr/>
+            </p:nvSpPr>
+            <p:spPr>
+              <a:xfrm>
+                <a:off x="800178" y="1473994"/>
+                <a:ext cx="717395" cy="169277"/>
+              </a:xfrm>
+              <a:prstGeom prst="rect">
+                <a:avLst/>
+              </a:prstGeom>
+              <a:blipFill>
+                <a:blip r:embed="rId3"/>
+                <a:stretch>
+                  <a:fillRect b="-28571"/>
+                </a:stretch>
+              </a:blipFill>
+            </p:spPr>
+            <p:txBody>
+              <a:bodyPr/>
+              <a:lstStyle/>
+              <a:p>
+                <a:r>
+                  <a:rPr lang="en-US">
+                    <a:noFill/>
+                  </a:rPr>
+                  <a:t> </a:t>
+                </a:r>
+              </a:p>
+            </p:txBody>
+          </p:sp>
+        </mc:Fallback>
+      </mc:AlternateContent>
+      <mc:AlternateContent xmlns:mc="http://schemas.openxmlformats.org/markup-compatibility/2006">
+        <mc:Choice xmlns:a14="http://schemas.microsoft.com/office/drawing/2010/main" Requires="a14">
+          <p:sp>
+            <p:nvSpPr>
+              <p:cNvPr id="68" name="TextBox 67">
+                <a:extLst>
+                  <a:ext uri="{FF2B5EF4-FFF2-40B4-BE49-F238E27FC236}">
+                    <a16:creationId xmlns:a16="http://schemas.microsoft.com/office/drawing/2014/main" id="{CDA80332-2EC0-414E-813D-C8715235BB89}"/>
+                  </a:ext>
+                </a:extLst>
+              </p:cNvPr>
+              <p:cNvSpPr txBox="1"/>
+              <p:nvPr/>
+            </p:nvSpPr>
+            <p:spPr>
+              <a:xfrm>
+                <a:off x="65917" y="1193189"/>
+                <a:ext cx="717395" cy="169277"/>
+              </a:xfrm>
+              <a:prstGeom prst="rect">
+                <a:avLst/>
+              </a:prstGeom>
+              <a:noFill/>
+            </p:spPr>
+            <p:txBody>
+              <a:bodyPr wrap="square" lIns="0" tIns="0" rIns="0" bIns="0" rtlCol="0">
+                <a:spAutoFit/>
+              </a:bodyPr>
+              <a:lstStyle/>
+              <a:p>
+                <a14:m>
+                  <m:oMathPara xmlns:m="http://schemas.openxmlformats.org/officeDocument/2006/math">
+                    <m:oMathParaPr>
+                      <m:jc m:val="centerGroup"/>
+                    </m:oMathParaPr>
+                    <m:oMath xmlns:m="http://schemas.openxmlformats.org/officeDocument/2006/math">
+                      <m:r>
+                        <a:rPr lang="en-GB" sz="1100" i="1">
+                          <a:latin typeface="Cambria Math" panose="02040503050406030204" pitchFamily="18" charset="0"/>
+                        </a:rPr>
+                        <m:t>𝑝</m:t>
+                      </m:r>
+                      <m:r>
+                        <a:rPr lang="en-GB" sz="1100" i="1">
+                          <a:latin typeface="Cambria Math" panose="02040503050406030204" pitchFamily="18" charset="0"/>
+                        </a:rPr>
+                        <m:t>=36</m:t>
+                      </m:r>
+                    </m:oMath>
+                  </m:oMathPara>
+                </a14:m>
+                <a:endParaRPr lang="en-US" sz="1100" dirty="0"/>
+              </a:p>
+            </p:txBody>
+          </p:sp>
+        </mc:Choice>
+        <mc:Fallback>
+          <p:sp>
+            <p:nvSpPr>
+              <p:cNvPr id="68" name="TextBox 67">
+                <a:extLst>
+                  <a:ext uri="{FF2B5EF4-FFF2-40B4-BE49-F238E27FC236}">
+                    <a16:creationId xmlns:a16="http://schemas.microsoft.com/office/drawing/2014/main" id="{CDA80332-2EC0-414E-813D-C8715235BB89}"/>
+                  </a:ext>
+                </a:extLst>
+              </p:cNvPr>
+              <p:cNvSpPr txBox="1">
+                <a:spLocks noRot="1" noChangeAspect="1" noMove="1" noResize="1" noEditPoints="1" noAdjustHandles="1" noChangeArrowheads="1" noChangeShapeType="1" noTextEdit="1"/>
+              </p:cNvSpPr>
+              <p:nvPr/>
+            </p:nvSpPr>
+            <p:spPr>
+              <a:xfrm>
+                <a:off x="65917" y="1193189"/>
+                <a:ext cx="717395" cy="169277"/>
+              </a:xfrm>
+              <a:prstGeom prst="rect">
+                <a:avLst/>
+              </a:prstGeom>
+              <a:blipFill>
+                <a:blip r:embed="rId4"/>
+                <a:stretch>
+                  <a:fillRect b="-14286"/>
+                </a:stretch>
+              </a:blipFill>
+            </p:spPr>
+            <p:txBody>
+              <a:bodyPr/>
+              <a:lstStyle/>
+              <a:p>
+                <a:r>
+                  <a:rPr lang="en-US">
+                    <a:noFill/>
+                  </a:rPr>
+                  <a:t> </a:t>
+                </a:r>
+              </a:p>
+            </p:txBody>
+          </p:sp>
+        </mc:Fallback>
+      </mc:AlternateContent>
+      <mc:AlternateContent xmlns:mc="http://schemas.openxmlformats.org/markup-compatibility/2006">
+        <mc:Choice xmlns:a14="http://schemas.microsoft.com/office/drawing/2010/main" Requires="a14">
+          <p:sp>
+            <p:nvSpPr>
+              <p:cNvPr id="69" name="TextBox 68">
+                <a:extLst>
+                  <a:ext uri="{FF2B5EF4-FFF2-40B4-BE49-F238E27FC236}">
+                    <a16:creationId xmlns:a16="http://schemas.microsoft.com/office/drawing/2014/main" id="{7C07DAC5-6602-B447-87B6-4994746BCA27}"/>
+                  </a:ext>
+                </a:extLst>
+              </p:cNvPr>
+              <p:cNvSpPr txBox="1"/>
+              <p:nvPr/>
+            </p:nvSpPr>
+            <p:spPr>
+              <a:xfrm>
+                <a:off x="285427" y="520872"/>
+                <a:ext cx="717395" cy="169277"/>
+              </a:xfrm>
+              <a:prstGeom prst="rect">
+                <a:avLst/>
+              </a:prstGeom>
+              <a:noFill/>
+            </p:spPr>
+            <p:txBody>
+              <a:bodyPr wrap="square" lIns="0" tIns="0" rIns="0" bIns="0" rtlCol="0">
+                <a:spAutoFit/>
+              </a:bodyPr>
+              <a:lstStyle/>
+              <a:p>
+                <a:r>
+                  <a:rPr lang="en-GB" sz="1100" dirty="0"/>
+                  <a:t>Price </a:t>
+                </a:r>
+                <a14:m>
+                  <m:oMath xmlns:m="http://schemas.openxmlformats.org/officeDocument/2006/math">
+                    <m:r>
+                      <a:rPr lang="en-GB" sz="1100" i="1">
+                        <a:latin typeface="Cambria Math" panose="02040503050406030204" pitchFamily="18" charset="0"/>
+                      </a:rPr>
+                      <m:t>𝑝</m:t>
+                    </m:r>
+                  </m:oMath>
+                </a14:m>
+                <a:endParaRPr lang="en-US" sz="1100" dirty="0"/>
+              </a:p>
+            </p:txBody>
+          </p:sp>
+        </mc:Choice>
+        <mc:Fallback>
+          <p:sp>
+            <p:nvSpPr>
+              <p:cNvPr id="69" name="TextBox 68">
+                <a:extLst>
+                  <a:ext uri="{FF2B5EF4-FFF2-40B4-BE49-F238E27FC236}">
+                    <a16:creationId xmlns:a16="http://schemas.microsoft.com/office/drawing/2014/main" id="{7C07DAC5-6602-B447-87B6-4994746BCA27}"/>
+                  </a:ext>
+                </a:extLst>
+              </p:cNvPr>
+              <p:cNvSpPr txBox="1">
+                <a:spLocks noRot="1" noChangeAspect="1" noMove="1" noResize="1" noEditPoints="1" noAdjustHandles="1" noChangeArrowheads="1" noChangeShapeType="1" noTextEdit="1"/>
+              </p:cNvSpPr>
+              <p:nvPr/>
+            </p:nvSpPr>
+            <p:spPr>
+              <a:xfrm>
+                <a:off x="285427" y="520872"/>
+                <a:ext cx="717395" cy="169277"/>
+              </a:xfrm>
+              <a:prstGeom prst="rect">
+                <a:avLst/>
+              </a:prstGeom>
+              <a:blipFill>
+                <a:blip r:embed="rId5"/>
+                <a:stretch>
+                  <a:fillRect l="-10345" t="-21429" b="-42857"/>
+                </a:stretch>
+              </a:blipFill>
+            </p:spPr>
+            <p:txBody>
+              <a:bodyPr/>
+              <a:lstStyle/>
+              <a:p>
+                <a:r>
+                  <a:rPr lang="en-US">
+                    <a:noFill/>
+                  </a:rPr>
+                  <a:t> </a:t>
+                </a:r>
+              </a:p>
+            </p:txBody>
+          </p:sp>
+        </mc:Fallback>
+      </mc:AlternateContent>
+      <mc:AlternateContent xmlns:mc="http://schemas.openxmlformats.org/markup-compatibility/2006">
+        <mc:Choice xmlns:a14="http://schemas.microsoft.com/office/drawing/2010/main" Requires="a14">
+          <p:sp>
+            <p:nvSpPr>
+              <p:cNvPr id="71" name="TextBox 70">
+                <a:extLst>
+                  <a:ext uri="{FF2B5EF4-FFF2-40B4-BE49-F238E27FC236}">
+                    <a16:creationId xmlns:a16="http://schemas.microsoft.com/office/drawing/2014/main" id="{93DF90E4-DBF0-A345-9117-13AC42A6E25A}"/>
+                  </a:ext>
+                </a:extLst>
+              </p:cNvPr>
+              <p:cNvSpPr txBox="1"/>
+              <p:nvPr/>
+            </p:nvSpPr>
+            <p:spPr>
+              <a:xfrm>
+                <a:off x="783315" y="4393543"/>
+                <a:ext cx="717395" cy="169277"/>
+              </a:xfrm>
+              <a:prstGeom prst="rect">
+                <a:avLst/>
+              </a:prstGeom>
+              <a:noFill/>
+            </p:spPr>
+            <p:txBody>
+              <a:bodyPr wrap="square" lIns="0" tIns="0" rIns="0" bIns="0" rtlCol="0">
+                <a:spAutoFit/>
+              </a:bodyPr>
+              <a:lstStyle/>
+              <a:p>
+                <a14:m>
+                  <m:oMathPara xmlns:m="http://schemas.openxmlformats.org/officeDocument/2006/math">
+                    <m:oMathParaPr>
+                      <m:jc m:val="centerGroup"/>
+                    </m:oMathParaPr>
+                    <m:oMath xmlns:m="http://schemas.openxmlformats.org/officeDocument/2006/math">
+                      <m:r>
+                        <a:rPr lang="en-GB" sz="1100" i="1">
+                          <a:latin typeface="Cambria Math" panose="02040503050406030204" pitchFamily="18" charset="0"/>
+                        </a:rPr>
+                        <m:t>𝑞</m:t>
+                      </m:r>
+                      <m:r>
+                        <a:rPr lang="en-GB" sz="1100" i="1">
+                          <a:latin typeface="Cambria Math" panose="02040503050406030204" pitchFamily="18" charset="0"/>
+                        </a:rPr>
+                        <m:t>=2.75</m:t>
+                      </m:r>
+                    </m:oMath>
+                  </m:oMathPara>
+                </a14:m>
+                <a:endParaRPr lang="en-US" sz="1100" dirty="0"/>
+              </a:p>
+            </p:txBody>
+          </p:sp>
+        </mc:Choice>
+        <mc:Fallback>
+          <p:sp>
+            <p:nvSpPr>
+              <p:cNvPr id="71" name="TextBox 70">
+                <a:extLst>
+                  <a:ext uri="{FF2B5EF4-FFF2-40B4-BE49-F238E27FC236}">
+                    <a16:creationId xmlns:a16="http://schemas.microsoft.com/office/drawing/2014/main" id="{93DF90E4-DBF0-A345-9117-13AC42A6E25A}"/>
+                  </a:ext>
+                </a:extLst>
+              </p:cNvPr>
+              <p:cNvSpPr txBox="1">
+                <a:spLocks noRot="1" noChangeAspect="1" noMove="1" noResize="1" noEditPoints="1" noAdjustHandles="1" noChangeArrowheads="1" noChangeShapeType="1" noTextEdit="1"/>
+              </p:cNvSpPr>
+              <p:nvPr/>
+            </p:nvSpPr>
+            <p:spPr>
+              <a:xfrm>
+                <a:off x="783315" y="4393543"/>
+                <a:ext cx="717395" cy="169277"/>
+              </a:xfrm>
+              <a:prstGeom prst="rect">
+                <a:avLst/>
+              </a:prstGeom>
+              <a:blipFill>
+                <a:blip r:embed="rId6"/>
+                <a:stretch>
+                  <a:fillRect b="-14286"/>
+                </a:stretch>
+              </a:blipFill>
+            </p:spPr>
+            <p:txBody>
+              <a:bodyPr/>
+              <a:lstStyle/>
+              <a:p>
+                <a:r>
+                  <a:rPr lang="en-US">
+                    <a:noFill/>
+                  </a:rPr>
+                  <a:t> </a:t>
+                </a:r>
+              </a:p>
+            </p:txBody>
+          </p:sp>
+        </mc:Fallback>
+      </mc:AlternateContent>
+      <mc:AlternateContent xmlns:mc="http://schemas.openxmlformats.org/markup-compatibility/2006">
+        <mc:Choice xmlns:a14="http://schemas.microsoft.com/office/drawing/2010/main" Requires="a14">
+          <p:sp>
+            <p:nvSpPr>
+              <p:cNvPr id="72" name="TextBox 71">
+                <a:extLst>
+                  <a:ext uri="{FF2B5EF4-FFF2-40B4-BE49-F238E27FC236}">
+                    <a16:creationId xmlns:a16="http://schemas.microsoft.com/office/drawing/2014/main" id="{0524699D-694E-6442-B635-AD1F5ADD0902}"/>
+                  </a:ext>
+                </a:extLst>
+              </p:cNvPr>
+              <p:cNvSpPr txBox="1"/>
+              <p:nvPr/>
+            </p:nvSpPr>
+            <p:spPr>
+              <a:xfrm>
+                <a:off x="3958357" y="4332056"/>
+                <a:ext cx="717395" cy="169277"/>
+              </a:xfrm>
+              <a:prstGeom prst="rect">
+                <a:avLst/>
+              </a:prstGeom>
+              <a:noFill/>
+            </p:spPr>
+            <p:txBody>
+              <a:bodyPr wrap="square" lIns="0" tIns="0" rIns="0" bIns="0" rtlCol="0">
+                <a:spAutoFit/>
+              </a:bodyPr>
+              <a:lstStyle/>
+              <a:p>
+                <a14:m>
+                  <m:oMathPara xmlns:m="http://schemas.openxmlformats.org/officeDocument/2006/math">
+                    <m:oMathParaPr>
+                      <m:jc m:val="centerGroup"/>
+                    </m:oMathParaPr>
+                    <m:oMath xmlns:m="http://schemas.openxmlformats.org/officeDocument/2006/math">
+                      <m:r>
+                        <a:rPr lang="en-GB" sz="1100" i="1">
+                          <a:latin typeface="Cambria Math" panose="02040503050406030204" pitchFamily="18" charset="0"/>
+                        </a:rPr>
+                        <m:t>𝑞</m:t>
+                      </m:r>
+                      <m:r>
+                        <a:rPr lang="en-GB" sz="1100" i="1">
+                          <a:latin typeface="Cambria Math" panose="02040503050406030204" pitchFamily="18" charset="0"/>
+                        </a:rPr>
+                        <m:t>=15</m:t>
+                      </m:r>
+                    </m:oMath>
+                  </m:oMathPara>
+                </a14:m>
+                <a:endParaRPr lang="en-US" sz="1100" dirty="0"/>
+              </a:p>
+            </p:txBody>
+          </p:sp>
+        </mc:Choice>
+        <mc:Fallback>
+          <p:sp>
+            <p:nvSpPr>
+              <p:cNvPr id="72" name="TextBox 71">
+                <a:extLst>
+                  <a:ext uri="{FF2B5EF4-FFF2-40B4-BE49-F238E27FC236}">
+                    <a16:creationId xmlns:a16="http://schemas.microsoft.com/office/drawing/2014/main" id="{0524699D-694E-6442-B635-AD1F5ADD0902}"/>
+                  </a:ext>
+                </a:extLst>
+              </p:cNvPr>
+              <p:cNvSpPr txBox="1">
+                <a:spLocks noRot="1" noChangeAspect="1" noMove="1" noResize="1" noEditPoints="1" noAdjustHandles="1" noChangeArrowheads="1" noChangeShapeType="1" noTextEdit="1"/>
+              </p:cNvSpPr>
+              <p:nvPr/>
+            </p:nvSpPr>
+            <p:spPr>
+              <a:xfrm>
+                <a:off x="3958357" y="4332056"/>
+                <a:ext cx="717395" cy="169277"/>
+              </a:xfrm>
+              <a:prstGeom prst="rect">
+                <a:avLst/>
+              </a:prstGeom>
+              <a:blipFill>
+                <a:blip r:embed="rId7"/>
+                <a:stretch>
+                  <a:fillRect b="-14286"/>
+                </a:stretch>
+              </a:blipFill>
+            </p:spPr>
+            <p:txBody>
+              <a:bodyPr/>
+              <a:lstStyle/>
+              <a:p>
+                <a:r>
+                  <a:rPr lang="en-US">
+                    <a:noFill/>
+                  </a:rPr>
+                  <a:t> </a:t>
+                </a:r>
+              </a:p>
+            </p:txBody>
+          </p:sp>
+        </mc:Fallback>
+      </mc:AlternateContent>
+      <mc:AlternateContent xmlns:mc="http://schemas.openxmlformats.org/markup-compatibility/2006">
+        <mc:Choice xmlns:a14="http://schemas.microsoft.com/office/drawing/2010/main" Requires="a14">
+          <p:sp>
+            <p:nvSpPr>
+              <p:cNvPr id="74" name="TextBox 73">
+                <a:extLst>
+                  <a:ext uri="{FF2B5EF4-FFF2-40B4-BE49-F238E27FC236}">
+                    <a16:creationId xmlns:a16="http://schemas.microsoft.com/office/drawing/2014/main" id="{726FE0A0-712C-6941-9A9D-294305A9BA77}"/>
+                  </a:ext>
+                </a:extLst>
+              </p:cNvPr>
+              <p:cNvSpPr txBox="1"/>
+              <p:nvPr/>
+            </p:nvSpPr>
+            <p:spPr>
+              <a:xfrm>
+                <a:off x="0" y="1888772"/>
+                <a:ext cx="717395" cy="169277"/>
+              </a:xfrm>
+              <a:prstGeom prst="rect">
+                <a:avLst/>
+              </a:prstGeom>
+              <a:noFill/>
+            </p:spPr>
+            <p:txBody>
+              <a:bodyPr wrap="square" lIns="0" tIns="0" rIns="0" bIns="0" rtlCol="0">
+                <a:spAutoFit/>
+              </a:bodyPr>
+              <a:lstStyle/>
+              <a:p>
+                <a14:m>
+                  <m:oMathPara xmlns:m="http://schemas.openxmlformats.org/officeDocument/2006/math">
+                    <m:oMathParaPr>
+                      <m:jc m:val="centerGroup"/>
+                    </m:oMathParaPr>
+                    <m:oMath xmlns:m="http://schemas.openxmlformats.org/officeDocument/2006/math">
+                      <m:sSup>
+                        <m:sSupPr>
+                          <m:ctrlPr>
+                            <a:rPr lang="en-GB" sz="1100" i="1">
+                              <a:latin typeface="Cambria Math" panose="02040503050406030204" pitchFamily="18" charset="0"/>
+                            </a:rPr>
+                          </m:ctrlPr>
+                        </m:sSupPr>
+                        <m:e>
+                          <m:r>
+                            <a:rPr lang="en-GB" sz="1100" i="1">
+                              <a:latin typeface="Cambria Math" panose="02040503050406030204" pitchFamily="18" charset="0"/>
+                            </a:rPr>
+                            <m:t>𝑝</m:t>
+                          </m:r>
+                        </m:e>
+                        <m:sup>
+                          <m:r>
+                            <a:rPr lang="en-GB" sz="1100" i="1">
+                              <a:latin typeface="Cambria Math" panose="02040503050406030204" pitchFamily="18" charset="0"/>
+                            </a:rPr>
+                            <m:t>∗</m:t>
+                          </m:r>
+                        </m:sup>
+                      </m:sSup>
+                      <m:r>
+                        <a:rPr lang="en-GB" sz="1100" i="1">
+                          <a:latin typeface="Cambria Math" panose="02040503050406030204" pitchFamily="18" charset="0"/>
+                        </a:rPr>
+                        <m:t>=25</m:t>
+                      </m:r>
+                    </m:oMath>
+                  </m:oMathPara>
+                </a14:m>
+                <a:endParaRPr lang="en-US" sz="1100" dirty="0"/>
+              </a:p>
+            </p:txBody>
+          </p:sp>
+        </mc:Choice>
+        <mc:Fallback>
+          <p:sp>
+            <p:nvSpPr>
+              <p:cNvPr id="74" name="TextBox 73">
+                <a:extLst>
+                  <a:ext uri="{FF2B5EF4-FFF2-40B4-BE49-F238E27FC236}">
+                    <a16:creationId xmlns:a16="http://schemas.microsoft.com/office/drawing/2014/main" id="{726FE0A0-712C-6941-9A9D-294305A9BA77}"/>
+                  </a:ext>
+                </a:extLst>
+              </p:cNvPr>
+              <p:cNvSpPr txBox="1">
+                <a:spLocks noRot="1" noChangeAspect="1" noMove="1" noResize="1" noEditPoints="1" noAdjustHandles="1" noChangeArrowheads="1" noChangeShapeType="1" noTextEdit="1"/>
+              </p:cNvSpPr>
+              <p:nvPr/>
+            </p:nvSpPr>
+            <p:spPr>
+              <a:xfrm>
+                <a:off x="0" y="1888772"/>
+                <a:ext cx="717395" cy="169277"/>
+              </a:xfrm>
+              <a:prstGeom prst="rect">
+                <a:avLst/>
+              </a:prstGeom>
+              <a:blipFill>
+                <a:blip r:embed="rId8"/>
+                <a:stretch>
+                  <a:fillRect b="-14286"/>
+                </a:stretch>
+              </a:blipFill>
+            </p:spPr>
+            <p:txBody>
+              <a:bodyPr/>
+              <a:lstStyle/>
+              <a:p>
+                <a:r>
+                  <a:rPr lang="en-US">
+                    <a:noFill/>
+                  </a:rPr>
+                  <a:t> </a:t>
+                </a:r>
+              </a:p>
+            </p:txBody>
+          </p:sp>
+        </mc:Fallback>
+      </mc:AlternateContent>
+      <p:grpSp>
+        <p:nvGrpSpPr>
+          <p:cNvPr id="75" name="Group 74">
+            <a:extLst>
+              <a:ext uri="{FF2B5EF4-FFF2-40B4-BE49-F238E27FC236}">
+                <a16:creationId xmlns:a16="http://schemas.microsoft.com/office/drawing/2014/main" id="{47C9AF93-AF89-5A4E-9D04-A898A2B8E8B2}"/>
+              </a:ext>
+            </a:extLst>
+          </p:cNvPr>
+          <p:cNvGrpSpPr/>
+          <p:nvPr/>
+        </p:nvGrpSpPr>
+        <p:grpSpPr>
+          <a:xfrm>
+            <a:off x="708878" y="1967289"/>
+            <a:ext cx="463662" cy="2361384"/>
+            <a:chOff x="1137818" y="2808382"/>
+            <a:chExt cx="1076196" cy="1751379"/>
+          </a:xfrm>
+        </p:grpSpPr>
+        <p:sp>
+          <p:nvSpPr>
+            <p:cNvPr id="76" name="Line 28">
+              <a:extLst>
+                <a:ext uri="{FF2B5EF4-FFF2-40B4-BE49-F238E27FC236}">
+                  <a16:creationId xmlns:a16="http://schemas.microsoft.com/office/drawing/2014/main" id="{5AE5E688-710E-3047-B1F6-26EAD5B8AE25}"/>
+                </a:ext>
+              </a:extLst>
+            </p:cNvPr>
+            <p:cNvSpPr>
+              <a:spLocks noChangeShapeType="1"/>
+            </p:cNvSpPr>
+            <p:nvPr/>
+          </p:nvSpPr>
+          <p:spPr bwMode="auto">
+            <a:xfrm flipV="1">
+              <a:off x="2214014" y="2829891"/>
+              <a:ext cx="0" cy="1729870"/>
+            </a:xfrm>
+            <a:prstGeom prst="line">
+              <a:avLst/>
+            </a:prstGeom>
+            <a:noFill/>
+            <a:ln w="9525">
+              <a:solidFill>
+                <a:schemeClr val="tx1"/>
+              </a:solidFill>
+              <a:prstDash val="lgDash"/>
+              <a:round/>
+              <a:headEnd/>
+              <a:tailEnd type="oval"/>
+            </a:ln>
+            <a:effectLst/>
+            <a:extLst>
+              <a:ext uri="{909E8E84-426E-40dd-AFC4-6F175D3DCCD1}">
+                <a14:hiddenFill xmlns="" xmlns:a14="http://schemas.microsoft.com/office/drawing/2010/main">
+                  <a:noFill/>
+                </a14:hiddenFill>
+              </a:ext>
+              <a:ext uri="{AF507438-7753-43e0-B8FC-AC1667EBCBE1}">
+                <a14:hiddenEffects xmlns="" xmlns:a14="http://schemas.microsoft.com/office/drawing/2010/main">
+                  <a:effectLst>
+                    <a:outerShdw blurRad="63500" dist="38099" dir="2700000" algn="ctr" rotWithShape="0">
+                      <a:schemeClr val="bg2">
+                        <a:alpha val="74998"/>
+                      </a:schemeClr>
+                    </a:outerShdw>
+                  </a:effectLst>
+                </a14:hiddenEffects>
+              </a:ext>
+            </a:extLst>
+          </p:spPr>
+          <p:txBody>
+            <a:bodyPr/>
+            <a:lstStyle/>
+            <a:p>
+              <a:pPr>
+                <a:defRPr/>
+              </a:pPr>
+              <a:endParaRPr lang="en-US" sz="1890" dirty="0">
+                <a:latin typeface="CMU Serif Roman" panose="02000603000000000000" pitchFamily="2" charset="0"/>
+                <a:ea typeface="ＭＳ Ｐゴシック" charset="0"/>
+              </a:endParaRPr>
+            </a:p>
+          </p:txBody>
+        </p:sp>
+        <p:sp>
+          <p:nvSpPr>
+            <p:cNvPr id="77" name="Line 28">
+              <a:extLst>
+                <a:ext uri="{FF2B5EF4-FFF2-40B4-BE49-F238E27FC236}">
+                  <a16:creationId xmlns:a16="http://schemas.microsoft.com/office/drawing/2014/main" id="{43A34627-6752-284F-9B16-F3E6546C97AF}"/>
+                </a:ext>
+              </a:extLst>
+            </p:cNvPr>
+            <p:cNvSpPr>
+              <a:spLocks noChangeShapeType="1"/>
+            </p:cNvSpPr>
+            <p:nvPr/>
+          </p:nvSpPr>
+          <p:spPr bwMode="auto">
+            <a:xfrm>
+              <a:off x="1137818" y="2808382"/>
+              <a:ext cx="1053049" cy="0"/>
+            </a:xfrm>
+            <a:prstGeom prst="line">
+              <a:avLst/>
+            </a:prstGeom>
+            <a:noFill/>
+            <a:ln w="9525">
+              <a:solidFill>
+                <a:schemeClr val="tx1"/>
+              </a:solidFill>
+              <a:prstDash val="lgDash"/>
+              <a:round/>
+              <a:headEnd/>
+              <a:tailEnd/>
+            </a:ln>
+            <a:effectLst/>
+            <a:extLst>
+              <a:ext uri="{909E8E84-426E-40dd-AFC4-6F175D3DCCD1}">
+                <a14:hiddenFill xmlns="" xmlns:a14="http://schemas.microsoft.com/office/drawing/2010/main">
+                  <a:noFill/>
+                </a14:hiddenFill>
+              </a:ext>
+              <a:ext uri="{AF507438-7753-43e0-B8FC-AC1667EBCBE1}">
+                <a14:hiddenEffects xmlns="" xmlns:a14="http://schemas.microsoft.com/office/drawing/2010/main">
+                  <a:effectLst>
+                    <a:outerShdw blurRad="63500" dist="38099" dir="2700000" algn="ctr" rotWithShape="0">
+                      <a:schemeClr val="bg2">
+                        <a:alpha val="74998"/>
+                      </a:schemeClr>
+                    </a:outerShdw>
+                  </a:effectLst>
+                </a14:hiddenEffects>
+              </a:ext>
+            </a:extLst>
+          </p:spPr>
+          <p:txBody>
+            <a:bodyPr/>
+            <a:lstStyle/>
+            <a:p>
+              <a:pPr>
+                <a:defRPr/>
+              </a:pPr>
+              <a:endParaRPr lang="en-US" sz="1890" dirty="0">
+                <a:latin typeface="CMU Serif Roman" panose="02000603000000000000" pitchFamily="2" charset="0"/>
+                <a:ea typeface="ＭＳ Ｐゴシック" charset="0"/>
+              </a:endParaRPr>
+            </a:p>
+          </p:txBody>
+        </p:sp>
+      </p:grpSp>
+      <mc:AlternateContent xmlns:mc="http://schemas.openxmlformats.org/markup-compatibility/2006">
+        <mc:Choice xmlns:a14="http://schemas.microsoft.com/office/drawing/2010/main" Requires="a14">
+          <p:sp>
+            <p:nvSpPr>
+              <p:cNvPr id="81" name="TextBox 80">
+                <a:extLst>
+                  <a:ext uri="{FF2B5EF4-FFF2-40B4-BE49-F238E27FC236}">
+                    <a16:creationId xmlns:a16="http://schemas.microsoft.com/office/drawing/2014/main" id="{01834E45-9A61-C84E-B54C-0F78929AD238}"/>
+                  </a:ext>
+                </a:extLst>
+              </p:cNvPr>
+              <p:cNvSpPr txBox="1"/>
+              <p:nvPr/>
+            </p:nvSpPr>
+            <p:spPr>
+              <a:xfrm>
+                <a:off x="4454743" y="2552261"/>
+                <a:ext cx="717395" cy="169277"/>
+              </a:xfrm>
+              <a:prstGeom prst="rect">
+                <a:avLst/>
+              </a:prstGeom>
+              <a:noFill/>
+            </p:spPr>
+            <p:txBody>
+              <a:bodyPr wrap="square" lIns="0" tIns="0" rIns="0" bIns="0" rtlCol="0">
+                <a:spAutoFit/>
+              </a:bodyPr>
+              <a:lstStyle/>
+              <a:p>
+                <a14:m>
+                  <m:oMath xmlns:m="http://schemas.openxmlformats.org/officeDocument/2006/math">
+                    <m:r>
+                      <a:rPr lang="en-GB" sz="1100" i="1">
+                        <a:latin typeface="Cambria Math" panose="02040503050406030204" pitchFamily="18" charset="0"/>
+                      </a:rPr>
+                      <m:t>𝑀𝐶</m:t>
+                    </m:r>
+                    <m:r>
+                      <a:rPr lang="en-GB" sz="1100" i="1">
+                        <a:latin typeface="Cambria Math" panose="02040503050406030204" pitchFamily="18" charset="0"/>
+                      </a:rPr>
+                      <m:t>(</m:t>
+                    </m:r>
+                    <m:r>
+                      <a:rPr lang="en-GB" sz="1100" i="1">
+                        <a:latin typeface="Cambria Math" panose="02040503050406030204" pitchFamily="18" charset="0"/>
+                      </a:rPr>
+                      <m:t>𝑞</m:t>
+                    </m:r>
+                    <m:r>
+                      <a:rPr lang="en-GB" sz="1100" i="1">
+                        <a:latin typeface="Cambria Math" panose="02040503050406030204" pitchFamily="18" charset="0"/>
+                      </a:rPr>
+                      <m:t>)</m:t>
+                    </m:r>
+                  </m:oMath>
+                </a14:m>
+                <a:r>
+                  <a:rPr lang="en-US" sz="1100" dirty="0"/>
+                  <a:t>=</a:t>
+                </a:r>
+                <a:r>
+                  <a:rPr lang="en-GB" sz="1100" dirty="0"/>
+                  <a:t> </a:t>
+                </a:r>
+                <a14:m>
+                  <m:oMath xmlns:m="http://schemas.openxmlformats.org/officeDocument/2006/math">
+                    <m:r>
+                      <a:rPr lang="en-GB" sz="1100" i="1">
+                        <a:latin typeface="Cambria Math" panose="02040503050406030204" pitchFamily="18" charset="0"/>
+                      </a:rPr>
+                      <m:t>14</m:t>
+                    </m:r>
+                  </m:oMath>
+                </a14:m>
+                <a:endParaRPr lang="en-US" sz="1100" dirty="0"/>
+              </a:p>
+            </p:txBody>
+          </p:sp>
+        </mc:Choice>
+        <mc:Fallback>
+          <p:sp>
+            <p:nvSpPr>
+              <p:cNvPr id="81" name="TextBox 80">
+                <a:extLst>
+                  <a:ext uri="{FF2B5EF4-FFF2-40B4-BE49-F238E27FC236}">
+                    <a16:creationId xmlns:a16="http://schemas.microsoft.com/office/drawing/2014/main" id="{01834E45-9A61-C84E-B54C-0F78929AD238}"/>
+                  </a:ext>
+                </a:extLst>
+              </p:cNvPr>
+              <p:cNvSpPr txBox="1">
+                <a:spLocks noRot="1" noChangeAspect="1" noMove="1" noResize="1" noEditPoints="1" noAdjustHandles="1" noChangeArrowheads="1" noChangeShapeType="1" noTextEdit="1"/>
+              </p:cNvSpPr>
+              <p:nvPr/>
+            </p:nvSpPr>
+            <p:spPr>
+              <a:xfrm>
+                <a:off x="4454743" y="2552261"/>
+                <a:ext cx="717395" cy="169277"/>
+              </a:xfrm>
+              <a:prstGeom prst="rect">
+                <a:avLst/>
+              </a:prstGeom>
+              <a:blipFill>
+                <a:blip r:embed="rId9"/>
+                <a:stretch>
+                  <a:fillRect l="-5263" t="-21429" b="-42857"/>
+                </a:stretch>
+              </a:blipFill>
+            </p:spPr>
+            <p:txBody>
+              <a:bodyPr/>
+              <a:lstStyle/>
+              <a:p>
+                <a:r>
+                  <a:rPr lang="en-US">
+                    <a:noFill/>
+                  </a:rPr>
+                  <a:t> </a:t>
+                </a:r>
+              </a:p>
+            </p:txBody>
+          </p:sp>
+        </mc:Fallback>
+      </mc:AlternateContent>
+      <mc:AlternateContent xmlns:mc="http://schemas.openxmlformats.org/markup-compatibility/2006">
+        <mc:Choice xmlns:a14="http://schemas.microsoft.com/office/drawing/2010/main" Requires="a14">
+          <p:sp>
+            <p:nvSpPr>
+              <p:cNvPr id="27" name="TextBox 26">
+                <a:extLst>
+                  <a:ext uri="{FF2B5EF4-FFF2-40B4-BE49-F238E27FC236}">
+                    <a16:creationId xmlns:a16="http://schemas.microsoft.com/office/drawing/2014/main" id="{CA4F8550-9810-CA47-B87A-E5D122E5D626}"/>
+                  </a:ext>
+                </a:extLst>
+              </p:cNvPr>
+              <p:cNvSpPr txBox="1"/>
+              <p:nvPr/>
+            </p:nvSpPr>
+            <p:spPr>
+              <a:xfrm>
+                <a:off x="4827740" y="4510673"/>
+                <a:ext cx="717395" cy="169277"/>
+              </a:xfrm>
+              <a:prstGeom prst="rect">
+                <a:avLst/>
+              </a:prstGeom>
+              <a:noFill/>
+            </p:spPr>
+            <p:txBody>
+              <a:bodyPr wrap="square" lIns="0" tIns="0" rIns="0" bIns="0" rtlCol="0">
+                <a:spAutoFit/>
+              </a:bodyPr>
+              <a:lstStyle/>
+              <a:p>
+                <a:r>
+                  <a:rPr lang="en-GB" sz="1100" dirty="0"/>
+                  <a:t>Quantity </a:t>
+                </a:r>
+                <a14:m>
+                  <m:oMath xmlns:m="http://schemas.openxmlformats.org/officeDocument/2006/math">
+                    <m:r>
+                      <a:rPr lang="en-GB" sz="1100" i="1">
+                        <a:latin typeface="Cambria Math" panose="02040503050406030204" pitchFamily="18" charset="0"/>
+                      </a:rPr>
+                      <m:t>𝑞</m:t>
+                    </m:r>
+                  </m:oMath>
+                </a14:m>
+                <a:endParaRPr lang="en-US" sz="1100" dirty="0"/>
+              </a:p>
+            </p:txBody>
+          </p:sp>
+        </mc:Choice>
+        <mc:Fallback>
+          <p:sp>
+            <p:nvSpPr>
+              <p:cNvPr id="27" name="TextBox 26">
+                <a:extLst>
+                  <a:ext uri="{FF2B5EF4-FFF2-40B4-BE49-F238E27FC236}">
+                    <a16:creationId xmlns:a16="http://schemas.microsoft.com/office/drawing/2014/main" id="{CA4F8550-9810-CA47-B87A-E5D122E5D626}"/>
+                  </a:ext>
+                </a:extLst>
+              </p:cNvPr>
+              <p:cNvSpPr txBox="1">
+                <a:spLocks noRot="1" noChangeAspect="1" noMove="1" noResize="1" noEditPoints="1" noAdjustHandles="1" noChangeArrowheads="1" noChangeShapeType="1" noTextEdit="1"/>
+              </p:cNvSpPr>
+              <p:nvPr/>
+            </p:nvSpPr>
+            <p:spPr>
+              <a:xfrm>
+                <a:off x="4827740" y="4510673"/>
+                <a:ext cx="717395" cy="169277"/>
+              </a:xfrm>
+              <a:prstGeom prst="rect">
+                <a:avLst/>
+              </a:prstGeom>
+              <a:blipFill>
+                <a:blip r:embed="rId10"/>
+                <a:stretch>
+                  <a:fillRect l="-10345" t="-20000" b="-33333"/>
+                </a:stretch>
+              </a:blipFill>
+            </p:spPr>
+            <p:txBody>
+              <a:bodyPr/>
+              <a:lstStyle/>
+              <a:p>
+                <a:r>
+                  <a:rPr lang="en-US">
+                    <a:noFill/>
+                  </a:rPr>
+                  <a:t> </a:t>
+                </a:r>
+              </a:p>
+            </p:txBody>
+          </p:sp>
+        </mc:Fallback>
+      </mc:AlternateContent>
+    </p:spTree>
+    <p:extLst>
+      <p:ext uri="{BB962C8B-B14F-4D97-AF65-F5344CB8AC3E}">
+        <p14:creationId xmlns:p14="http://schemas.microsoft.com/office/powerpoint/2010/main" val="2780995573"/>
+      </p:ext>
+    </p:extLst>
+  </p:cSld>
+  <p:clrMapOvr>
+    <a:masterClrMapping/>
+  </p:clrMapOvr>
+  <p:timing>
+    <p:tnLst>
+      <p:par>
+        <p:cTn id="1" dur="indefinite" restart="never" nodeType="tmRoot">
+          <p:childTnLst>
+            <p:seq concurrent="1" nextAc="seek">
+              <p:cTn id="2" dur="indefinite" nodeType="mainSeq">
+                <p:childTnLst>
+                  <p:par>
+                    <p:cTn id="3" fill="hold">
+                      <p:stCondLst>
+                        <p:cond delay="indefinite"/>
+                        <p:cond evt="onBegin" delay="0">
+                          <p:tn val="2"/>
+                        </p:cond>
+                      </p:stCondLst>
+                      <p:childTnLst>
+                        <p:par>
+                          <p:cTn id="4" fill="hold">
+                            <p:stCondLst>
+                              <p:cond delay="0"/>
+                            </p:stCondLst>
+                            <p:childTnLst>
+                              <p:par>
+                                <p:cTn id="5" presetID="22" presetClass="entr" presetSubtype="1" fill="hold" nodeType="afterEffect">
+                                  <p:stCondLst>
+                                    <p:cond delay="0"/>
+                                  </p:stCondLst>
+                                  <p:childTnLst>
+                                    <p:set>
+                                      <p:cBhvr>
+                                        <p:cTn id="6" dur="1" fill="hold">
+                                          <p:stCondLst>
+                                            <p:cond delay="0"/>
+                                          </p:stCondLst>
+                                        </p:cTn>
+                                        <p:tgtEl>
+                                          <p:spTgt spid="63"/>
+                                        </p:tgtEl>
+                                        <p:attrNameLst>
+                                          <p:attrName>style.visibility</p:attrName>
+                                        </p:attrNameLst>
+                                      </p:cBhvr>
+                                      <p:to>
+                                        <p:strVal val="visible"/>
+                                      </p:to>
+                                    </p:set>
+                                    <p:animEffect transition="in" filter="wipe(up)">
+                                      <p:cBhvr>
+                                        <p:cTn id="7" dur="500"/>
+                                        <p:tgtEl>
+                                          <p:spTgt spid="63"/>
+                                        </p:tgtEl>
+                                      </p:cBhvr>
+                                    </p:animEffect>
+                                  </p:childTnLst>
+                                </p:cTn>
+                              </p:par>
+                            </p:childTnLst>
+                          </p:cTn>
+                        </p:par>
+                        <p:par>
+                          <p:cTn id="8" fill="hold">
+                            <p:stCondLst>
+                              <p:cond delay="500"/>
+                            </p:stCondLst>
+                            <p:childTnLst>
+                              <p:par>
+                                <p:cTn id="9" presetID="22" presetClass="entr" presetSubtype="8" fill="hold" nodeType="afterEffect">
+                                  <p:stCondLst>
+                                    <p:cond delay="0"/>
+                                  </p:stCondLst>
+                                  <p:childTnLst>
+                                    <p:set>
+                                      <p:cBhvr>
+                                        <p:cTn id="10" dur="1" fill="hold">
+                                          <p:stCondLst>
+                                            <p:cond delay="0"/>
+                                          </p:stCondLst>
+                                        </p:cTn>
+                                        <p:tgtEl>
+                                          <p:spTgt spid="61"/>
+                                        </p:tgtEl>
+                                        <p:attrNameLst>
+                                          <p:attrName>style.visibility</p:attrName>
+                                        </p:attrNameLst>
+                                      </p:cBhvr>
+                                      <p:to>
+                                        <p:strVal val="visible"/>
+                                      </p:to>
+                                    </p:set>
+                                    <p:animEffect transition="in" filter="wipe(left)">
+                                      <p:cBhvr>
+                                        <p:cTn id="11" dur="500"/>
+                                        <p:tgtEl>
+                                          <p:spTgt spid="61"/>
+                                        </p:tgtEl>
+                                      </p:cBhvr>
+                                    </p:animEffect>
+                                  </p:childTnLst>
+                                </p:cTn>
+                              </p:par>
+                            </p:childTnLst>
+                          </p:cTn>
+                        </p:par>
+                        <p:par>
+                          <p:cTn id="12" fill="hold">
+                            <p:stCondLst>
+                              <p:cond delay="1000"/>
+                            </p:stCondLst>
+                            <p:childTnLst>
+                              <p:par>
+                                <p:cTn id="13" presetID="22" presetClass="entr" presetSubtype="8" fill="hold" nodeType="afterEffect">
+                                  <p:stCondLst>
+                                    <p:cond delay="0"/>
+                                  </p:stCondLst>
+                                  <p:childTnLst>
+                                    <p:set>
+                                      <p:cBhvr>
+                                        <p:cTn id="14" dur="1" fill="hold">
+                                          <p:stCondLst>
+                                            <p:cond delay="0"/>
+                                          </p:stCondLst>
+                                        </p:cTn>
+                                        <p:tgtEl>
+                                          <p:spTgt spid="54"/>
+                                        </p:tgtEl>
+                                        <p:attrNameLst>
+                                          <p:attrName>style.visibility</p:attrName>
+                                        </p:attrNameLst>
+                                      </p:cBhvr>
+                                      <p:to>
+                                        <p:strVal val="visible"/>
+                                      </p:to>
+                                    </p:set>
+                                    <p:animEffect transition="in" filter="wipe(left)">
+                                      <p:cBhvr>
+                                        <p:cTn id="15" dur="500"/>
+                                        <p:tgtEl>
+                                          <p:spTgt spid="54"/>
+                                        </p:tgtEl>
+                                      </p:cBhvr>
+                                    </p:animEffect>
+                                  </p:childTnLst>
+                                </p:cTn>
+                              </p:par>
+                            </p:childTnLst>
+                          </p:cTn>
+                        </p:par>
+                        <p:par>
+                          <p:cTn id="16" fill="hold">
+                            <p:stCondLst>
+                              <p:cond delay="1500"/>
+                            </p:stCondLst>
+                            <p:childTnLst>
+                              <p:par>
+                                <p:cTn id="17" presetID="22" presetClass="entr" presetSubtype="8" fill="hold" nodeType="afterEffect">
+                                  <p:stCondLst>
+                                    <p:cond delay="0"/>
+                                  </p:stCondLst>
+                                  <p:childTnLst>
+                                    <p:set>
+                                      <p:cBhvr>
+                                        <p:cTn id="18" dur="1" fill="hold">
+                                          <p:stCondLst>
+                                            <p:cond delay="0"/>
+                                          </p:stCondLst>
+                                        </p:cTn>
+                                        <p:tgtEl>
+                                          <p:spTgt spid="55"/>
+                                        </p:tgtEl>
+                                        <p:attrNameLst>
+                                          <p:attrName>style.visibility</p:attrName>
+                                        </p:attrNameLst>
+                                      </p:cBhvr>
+                                      <p:to>
+                                        <p:strVal val="visible"/>
+                                      </p:to>
+                                    </p:set>
+                                    <p:animEffect transition="in" filter="wipe(left)">
+                                      <p:cBhvr>
+                                        <p:cTn id="19" dur="500"/>
+                                        <p:tgtEl>
+                                          <p:spTgt spid="55"/>
+                                        </p:tgtEl>
+                                      </p:cBhvr>
+                                    </p:animEffect>
+                                  </p:childTnLst>
+                                </p:cTn>
+                              </p:par>
+                            </p:childTnLst>
+                          </p:cTn>
+                        </p:par>
+                        <p:par>
+                          <p:cTn id="20" fill="hold">
+                            <p:stCondLst>
+                              <p:cond delay="2000"/>
+                            </p:stCondLst>
+                            <p:childTnLst>
+                              <p:par>
+                                <p:cTn id="21" presetID="22" presetClass="entr" presetSubtype="8" fill="hold" nodeType="afterEffect">
+                                  <p:stCondLst>
+                                    <p:cond delay="0"/>
+                                  </p:stCondLst>
+                                  <p:childTnLst>
+                                    <p:set>
+                                      <p:cBhvr>
+                                        <p:cTn id="22" dur="1" fill="hold">
+                                          <p:stCondLst>
+                                            <p:cond delay="0"/>
+                                          </p:stCondLst>
+                                        </p:cTn>
+                                        <p:tgtEl>
+                                          <p:spTgt spid="56"/>
+                                        </p:tgtEl>
+                                        <p:attrNameLst>
+                                          <p:attrName>style.visibility</p:attrName>
+                                        </p:attrNameLst>
+                                      </p:cBhvr>
+                                      <p:to>
+                                        <p:strVal val="visible"/>
+                                      </p:to>
+                                    </p:set>
+                                    <p:animEffect transition="in" filter="wipe(left)">
+                                      <p:cBhvr>
+                                        <p:cTn id="23" dur="500"/>
+                                        <p:tgtEl>
+                                          <p:spTgt spid="56"/>
+                                        </p:tgtEl>
+                                      </p:cBhvr>
+                                    </p:animEffect>
+                                  </p:childTnLst>
+                                </p:cTn>
+                              </p:par>
+                            </p:childTnLst>
+                          </p:cTn>
+                        </p:par>
+                        <p:par>
+                          <p:cTn id="24" fill="hold">
+                            <p:stCondLst>
+                              <p:cond delay="2500"/>
+                            </p:stCondLst>
+                            <p:childTnLst>
+                              <p:par>
+                                <p:cTn id="25" presetID="22" presetClass="entr" presetSubtype="8" fill="hold" nodeType="afterEffect">
+                                  <p:stCondLst>
+                                    <p:cond delay="0"/>
+                                  </p:stCondLst>
+                                  <p:childTnLst>
+                                    <p:set>
+                                      <p:cBhvr>
+                                        <p:cTn id="26" dur="1" fill="hold">
+                                          <p:stCondLst>
+                                            <p:cond delay="0"/>
+                                          </p:stCondLst>
+                                        </p:cTn>
+                                        <p:tgtEl>
+                                          <p:spTgt spid="57"/>
+                                        </p:tgtEl>
+                                        <p:attrNameLst>
+                                          <p:attrName>style.visibility</p:attrName>
+                                        </p:attrNameLst>
+                                      </p:cBhvr>
+                                      <p:to>
+                                        <p:strVal val="visible"/>
+                                      </p:to>
+                                    </p:set>
+                                    <p:animEffect transition="in" filter="wipe(left)">
+                                      <p:cBhvr>
+                                        <p:cTn id="27" dur="500"/>
+                                        <p:tgtEl>
+                                          <p:spTgt spid="57"/>
+                                        </p:tgtEl>
+                                      </p:cBhvr>
+                                    </p:animEffect>
+                                  </p:childTnLst>
+                                </p:cTn>
+                              </p:par>
+                            </p:childTnLst>
+                          </p:cTn>
+                        </p:par>
+                        <p:par>
+                          <p:cTn id="28" fill="hold">
+                            <p:stCondLst>
+                              <p:cond delay="3000"/>
+                            </p:stCondLst>
+                            <p:childTnLst>
+                              <p:par>
+                                <p:cTn id="29" presetID="22" presetClass="entr" presetSubtype="8" fill="hold" nodeType="afterEffect">
+                                  <p:stCondLst>
+                                    <p:cond delay="0"/>
+                                  </p:stCondLst>
+                                  <p:childTnLst>
+                                    <p:set>
+                                      <p:cBhvr>
+                                        <p:cTn id="30" dur="1" fill="hold">
+                                          <p:stCondLst>
+                                            <p:cond delay="0"/>
+                                          </p:stCondLst>
+                                        </p:cTn>
+                                        <p:tgtEl>
+                                          <p:spTgt spid="58"/>
+                                        </p:tgtEl>
+                                        <p:attrNameLst>
+                                          <p:attrName>style.visibility</p:attrName>
+                                        </p:attrNameLst>
+                                      </p:cBhvr>
+                                      <p:to>
+                                        <p:strVal val="visible"/>
+                                      </p:to>
+                                    </p:set>
+                                    <p:animEffect transition="in" filter="wipe(left)">
+                                      <p:cBhvr>
+                                        <p:cTn id="31" dur="500"/>
+                                        <p:tgtEl>
+                                          <p:spTgt spid="58"/>
+                                        </p:tgtEl>
+                                      </p:cBhvr>
+                                    </p:animEffect>
+                                  </p:childTnLst>
+                                </p:cTn>
+                              </p:par>
+                            </p:childTnLst>
+                          </p:cTn>
+                        </p:par>
+                        <p:par>
+                          <p:cTn id="32" fill="hold">
+                            <p:stCondLst>
+                              <p:cond delay="3500"/>
+                            </p:stCondLst>
+                            <p:childTnLst>
+                              <p:par>
+                                <p:cTn id="33" presetID="22" presetClass="entr" presetSubtype="8" fill="hold" nodeType="afterEffect">
+                                  <p:stCondLst>
+                                    <p:cond delay="0"/>
+                                  </p:stCondLst>
+                                  <p:childTnLst>
+                                    <p:set>
+                                      <p:cBhvr>
+                                        <p:cTn id="34" dur="1" fill="hold">
+                                          <p:stCondLst>
+                                            <p:cond delay="0"/>
+                                          </p:stCondLst>
+                                        </p:cTn>
+                                        <p:tgtEl>
+                                          <p:spTgt spid="59"/>
+                                        </p:tgtEl>
+                                        <p:attrNameLst>
+                                          <p:attrName>style.visibility</p:attrName>
+                                        </p:attrNameLst>
+                                      </p:cBhvr>
+                                      <p:to>
+                                        <p:strVal val="visible"/>
+                                      </p:to>
+                                    </p:set>
+                                    <p:animEffect transition="in" filter="wipe(left)">
+                                      <p:cBhvr>
+                                        <p:cTn id="35" dur="500"/>
+                                        <p:tgtEl>
+                                          <p:spTgt spid="59"/>
+                                        </p:tgtEl>
+                                      </p:cBhvr>
+                                    </p:animEffect>
+                                  </p:childTnLst>
+                                </p:cTn>
+                              </p:par>
+                            </p:childTnLst>
+                          </p:cTn>
+                        </p:par>
+                      </p:childTnLst>
+                    </p:cTn>
+                  </p:par>
+                </p:childTnLst>
+              </p:cTn>
+              <p:prevCondLst>
+                <p:cond evt="onPrev" delay="0">
+                  <p:tgtEl>
+                    <p:sldTgt/>
+                  </p:tgtEl>
+                </p:cond>
+              </p:prevCondLst>
+              <p:nextCondLst>
+                <p:cond evt="onNext" delay="0">
+                  <p:tgtEl>
+                    <p:sldTgt/>
+                  </p:tgtEl>
+                </p:cond>
+              </p:nextCondLst>
+            </p:seq>
+          </p:childTnLst>
+        </p:cTn>
+      </p:par>
+    </p:tnLst>
+  </p:timing>
+</p:sld>
+</file>
+
+<file path=ppt/slides/slide7.xml><?xml version="1.0" encoding="utf-8"?>
+<p:sld xmlns:a="http://schemas.openxmlformats.org/drawingml/2006/main" xmlns:r="http://schemas.openxmlformats.org/officeDocument/2006/relationships" xmlns:p="http://schemas.openxmlformats.org/presentationml/2006/main">
+  <p:cSld>
+    <p:spTree>
+      <p:nvGrpSpPr>
+        <p:cNvPr id="1" name=""/>
+        <p:cNvGrpSpPr/>
+        <p:nvPr/>
+      </p:nvGrpSpPr>
+      <p:grpSpPr>
+        <a:xfrm>
+          <a:off x="0" y="0"/>
+          <a:ext cx="0" cy="0"/>
+          <a:chOff x="0" y="0"/>
+          <a:chExt cx="0" cy="0"/>
+        </a:xfrm>
+      </p:grpSpPr>
+      <p:sp>
+        <p:nvSpPr>
           <p:cNvPr id="25" name="Triangle 24">
             <a:extLst>
               <a:ext uri="{FF2B5EF4-FFF2-40B4-BE49-F238E27FC236}">
@@ -10985,7 +14363,7 @@
         </p:nvSpPr>
         <p:spPr>
           <a:xfrm>
-            <a:off x="1305418" y="2417667"/>
+            <a:off x="1305421" y="2558916"/>
             <a:ext cx="159243" cy="225411"/>
           </a:xfrm>
           <a:prstGeom prst="triangle">
@@ -11051,7 +14429,7 @@
         </p:nvSpPr>
         <p:spPr bwMode="auto">
           <a:xfrm>
-            <a:off x="731698" y="1103973"/>
+            <a:off x="731699" y="1245220"/>
             <a:ext cx="559947" cy="879917"/>
           </a:xfrm>
           <a:prstGeom prst="line">
@@ -11116,7 +14494,7 @@
         </p:nvSpPr>
         <p:spPr bwMode="auto">
           <a:xfrm>
-            <a:off x="1291641" y="1983890"/>
+            <a:off x="1291641" y="2125139"/>
             <a:ext cx="3039710" cy="2079801"/>
           </a:xfrm>
           <a:prstGeom prst="line">
@@ -11181,7 +14559,7 @@
         </p:nvSpPr>
         <p:spPr bwMode="auto">
           <a:xfrm>
-            <a:off x="731697" y="1103970"/>
+            <a:off x="731698" y="1245216"/>
             <a:ext cx="574947" cy="1929816"/>
           </a:xfrm>
           <a:prstGeom prst="line">
@@ -11246,7 +14624,7 @@
         </p:nvSpPr>
         <p:spPr bwMode="auto">
           <a:xfrm>
-            <a:off x="1319193" y="2417667"/>
+            <a:off x="1319196" y="2558916"/>
             <a:ext cx="1127337" cy="1651023"/>
           </a:xfrm>
           <a:prstGeom prst="line">
@@ -11311,7 +14689,7 @@
         </p:nvSpPr>
         <p:spPr bwMode="auto">
           <a:xfrm>
-            <a:off x="1305417" y="2417667"/>
+            <a:off x="1305417" y="2558916"/>
             <a:ext cx="0" cy="639939"/>
           </a:xfrm>
           <a:prstGeom prst="line">
@@ -11377,7 +14755,7 @@
         </p:nvSpPr>
         <p:spPr bwMode="auto">
           <a:xfrm>
-            <a:off x="731697" y="2643405"/>
+            <a:off x="731698" y="2784651"/>
             <a:ext cx="4251023" cy="0"/>
           </a:xfrm>
           <a:prstGeom prst="line">
@@ -11443,7 +14821,7 @@
         </p:nvSpPr>
         <p:spPr>
           <a:xfrm rot="10800000">
-            <a:off x="1201144" y="2653402"/>
+            <a:off x="1201147" y="2794648"/>
             <a:ext cx="104275" cy="360384"/>
           </a:xfrm>
           <a:prstGeom prst="triangle">
@@ -11508,7 +14886,7 @@
         </p:nvSpPr>
         <p:spPr bwMode="auto">
           <a:xfrm>
-            <a:off x="731697" y="4063686"/>
+            <a:off x="731698" y="4204932"/>
             <a:ext cx="4251023" cy="0"/>
           </a:xfrm>
           <a:prstGeom prst="line">
@@ -11570,7 +14948,7 @@
         </p:nvSpPr>
         <p:spPr>
           <a:xfrm flipV="1">
-            <a:off x="1332237" y="2556678"/>
+            <a:off x="1332240" y="2697927"/>
             <a:ext cx="45719" cy="45719"/>
           </a:xfrm>
           <a:prstGeom prst="plus">
@@ -11632,7 +15010,7 @@
         </p:nvSpPr>
         <p:spPr bwMode="auto">
           <a:xfrm>
-            <a:off x="731694" y="555451"/>
+            <a:off x="731694" y="696697"/>
             <a:ext cx="0" cy="3508236"/>
           </a:xfrm>
           <a:prstGeom prst="line">
@@ -11696,7 +15074,7 @@
         </p:nvCxnSpPr>
         <p:spPr>
           <a:xfrm>
-            <a:off x="1233368" y="2697020"/>
+            <a:off x="1233371" y="2838266"/>
             <a:ext cx="52625" cy="330"/>
           </a:xfrm>
           <a:prstGeom prst="line">
@@ -11739,7 +15117,7 @@
             </p:nvSpPr>
             <p:spPr>
               <a:xfrm>
-                <a:off x="1935145" y="3306732"/>
+                <a:off x="1935148" y="3447981"/>
                 <a:ext cx="717395" cy="169277"/>
               </a:xfrm>
               <a:prstGeom prst="rect">
@@ -11808,7 +15186,7 @@
             </p:nvSpPr>
             <p:spPr>
               <a:xfrm>
-                <a:off x="1935145" y="3306732"/>
+                <a:off x="1935148" y="3447981"/>
                 <a:ext cx="717395" cy="169277"/>
               </a:xfrm>
               <a:prstGeom prst="rect">
@@ -11852,7 +15230,7 @@
             </p:nvSpPr>
             <p:spPr>
               <a:xfrm>
-                <a:off x="814475" y="1282992"/>
+                <a:off x="814476" y="1424239"/>
                 <a:ext cx="717395" cy="169277"/>
               </a:xfrm>
               <a:prstGeom prst="rect">
@@ -11921,7 +15299,7 @@
             </p:nvSpPr>
             <p:spPr>
               <a:xfrm>
-                <a:off x="814475" y="1282992"/>
+                <a:off x="814476" y="1424239"/>
                 <a:ext cx="717395" cy="169277"/>
               </a:xfrm>
               <a:prstGeom prst="rect">
@@ -11965,7 +15343,7 @@
             </p:nvSpPr>
             <p:spPr>
               <a:xfrm>
-                <a:off x="1105963" y="4510673"/>
+                <a:off x="1120386" y="4510673"/>
                 <a:ext cx="717395" cy="169277"/>
               </a:xfrm>
               <a:prstGeom prst="rect">
@@ -12022,7 +15400,7 @@
             </p:nvSpPr>
             <p:spPr>
               <a:xfrm>
-                <a:off x="1105963" y="4510673"/>
+                <a:off x="1120386" y="4510673"/>
                 <a:ext cx="717395" cy="169277"/>
               </a:xfrm>
               <a:prstGeom prst="rect">
@@ -12066,7 +15444,7 @@
             </p:nvSpPr>
             <p:spPr>
               <a:xfrm>
-                <a:off x="80217" y="1002189"/>
+                <a:off x="80217" y="1143436"/>
                 <a:ext cx="717395" cy="169277"/>
               </a:xfrm>
               <a:prstGeom prst="rect">
@@ -12123,7 +15501,7 @@
             </p:nvSpPr>
             <p:spPr>
               <a:xfrm>
-                <a:off x="80217" y="1002189"/>
+                <a:off x="80217" y="1143436"/>
                 <a:ext cx="717395" cy="169277"/>
               </a:xfrm>
               <a:prstGeom prst="rect">
@@ -12167,7 +15545,7 @@
             </p:nvSpPr>
             <p:spPr>
               <a:xfrm>
-                <a:off x="299725" y="329870"/>
+                <a:off x="299725" y="471117"/>
                 <a:ext cx="717395" cy="169277"/>
               </a:xfrm>
               <a:prstGeom prst="rect">
@@ -12217,7 +15595,7 @@
             </p:nvSpPr>
             <p:spPr>
               <a:xfrm>
-                <a:off x="299725" y="329870"/>
+                <a:off x="299725" y="471117"/>
                 <a:ext cx="717395" cy="169277"/>
               </a:xfrm>
               <a:prstGeom prst="rect">
@@ -12261,7 +15639,7 @@
             </p:nvSpPr>
             <p:spPr>
               <a:xfrm>
-                <a:off x="4866485" y="4226248"/>
+                <a:off x="4827740" y="4491327"/>
                 <a:ext cx="717395" cy="169277"/>
               </a:xfrm>
               <a:prstGeom prst="rect">
@@ -12311,7 +15689,7 @@
             </p:nvSpPr>
             <p:spPr>
               <a:xfrm>
-                <a:off x="4866485" y="4226248"/>
+                <a:off x="4827740" y="4491327"/>
                 <a:ext cx="717395" cy="169277"/>
               </a:xfrm>
               <a:prstGeom prst="rect">
@@ -12320,7 +15698,7 @@
               <a:blipFill>
                 <a:blip r:embed="rId7"/>
                 <a:stretch>
-                  <a:fillRect l="-10345" t="-21429" b="-42857"/>
+                  <a:fillRect l="-10345" t="-28571" b="-42857"/>
                 </a:stretch>
               </a:blipFill>
             </p:spPr>
@@ -12355,7 +15733,7 @@
             </p:nvSpPr>
             <p:spPr>
               <a:xfrm>
-                <a:off x="797614" y="4202543"/>
+                <a:off x="797615" y="4343790"/>
                 <a:ext cx="717395" cy="169277"/>
               </a:xfrm>
               <a:prstGeom prst="rect">
@@ -12412,7 +15790,7 @@
             </p:nvSpPr>
             <p:spPr>
               <a:xfrm>
-                <a:off x="797614" y="4202543"/>
+                <a:off x="797615" y="4343790"/>
                 <a:ext cx="717395" cy="169277"/>
               </a:xfrm>
               <a:prstGeom prst="rect">
@@ -12456,7 +15834,7 @@
             </p:nvSpPr>
             <p:spPr>
               <a:xfrm>
-                <a:off x="3972656" y="4141056"/>
+                <a:off x="3972657" y="4282303"/>
                 <a:ext cx="717395" cy="169277"/>
               </a:xfrm>
               <a:prstGeom prst="rect">
@@ -12513,7 +15891,7 @@
             </p:nvSpPr>
             <p:spPr>
               <a:xfrm>
-                <a:off x="3972656" y="4141056"/>
+                <a:off x="3972657" y="4282303"/>
                 <a:ext cx="717395" cy="169277"/>
               </a:xfrm>
               <a:prstGeom prst="rect">
@@ -12522,7 +15900,7 @@
               <a:blipFill>
                 <a:blip r:embed="rId9"/>
                 <a:stretch>
-                  <a:fillRect b="-14286"/>
+                  <a:fillRect b="-6667"/>
                 </a:stretch>
               </a:blipFill>
             </p:spPr>
@@ -12557,7 +15935,7 @@
             </p:nvSpPr>
             <p:spPr>
               <a:xfrm>
-                <a:off x="0" y="2011282"/>
+                <a:off x="0" y="2152529"/>
                 <a:ext cx="717395" cy="169277"/>
               </a:xfrm>
               <a:prstGeom prst="rect">
@@ -12580,7 +15958,7 @@
                       <m:sSup>
                         <m:sSupPr>
                           <m:ctrlPr>
-                            <a:rPr lang="en-GB" sz="1100" i="1" smtClean="0">
+                            <a:rPr lang="en-GB" sz="1100" i="1">
                               <a:latin typeface="Cambria Math" panose="02040503050406030204" pitchFamily="18" charset="0"/>
                             </a:rPr>
                           </m:ctrlPr>
@@ -12606,13 +15984,7 @@
                         <a:rPr lang="en-GB" sz="1100" i="1">
                           <a:latin typeface="Cambria Math" panose="02040503050406030204" pitchFamily="18" charset="0"/>
                         </a:rPr>
-                        <m:t>=</m:t>
-                      </m:r>
-                      <m:r>
-                        <a:rPr lang="en-GB" sz="1100" b="0" i="1" smtClean="0">
-                          <a:latin typeface="Cambria Math" panose="02040503050406030204" pitchFamily="18" charset="0"/>
-                        </a:rPr>
-                        <m:t>22</m:t>
+                        <m:t>=22</m:t>
                       </m:r>
                     </m:oMath>
                   </m:oMathPara>
@@ -12639,7 +16011,7 @@
             </p:nvSpPr>
             <p:spPr>
               <a:xfrm>
-                <a:off x="0" y="2011282"/>
+                <a:off x="0" y="2152529"/>
                 <a:ext cx="717395" cy="169277"/>
               </a:xfrm>
               <a:prstGeom prst="rect">
@@ -12683,7 +16055,7 @@
             </p:nvSpPr>
             <p:spPr>
               <a:xfrm>
-                <a:off x="14300" y="1697772"/>
+                <a:off x="14300" y="1839019"/>
                 <a:ext cx="717395" cy="169277"/>
               </a:xfrm>
               <a:prstGeom prst="rect">
@@ -12706,7 +16078,7 @@
                       <m:sSup>
                         <m:sSupPr>
                           <m:ctrlPr>
-                            <a:rPr lang="en-GB" sz="1100" i="1" smtClean="0">
+                            <a:rPr lang="en-GB" sz="1100" i="1">
                               <a:latin typeface="Cambria Math" panose="02040503050406030204" pitchFamily="18" charset="0"/>
                             </a:rPr>
                           </m:ctrlPr>
@@ -12732,13 +16104,7 @@
                         <a:rPr lang="en-GB" sz="1100" i="1">
                           <a:latin typeface="Cambria Math" panose="02040503050406030204" pitchFamily="18" charset="0"/>
                         </a:rPr>
-                        <m:t>=</m:t>
-                      </m:r>
-                      <m:r>
-                        <a:rPr lang="en-GB" sz="1100" b="0" i="1" smtClean="0">
-                          <a:latin typeface="Cambria Math" panose="02040503050406030204" pitchFamily="18" charset="0"/>
-                        </a:rPr>
-                        <m:t>25</m:t>
+                        <m:t>=25</m:t>
                       </m:r>
                     </m:oMath>
                   </m:oMathPara>
@@ -12765,7 +16131,7 @@
             </p:nvSpPr>
             <p:spPr>
               <a:xfrm>
-                <a:off x="14300" y="1697772"/>
+                <a:off x="14300" y="1839019"/>
                 <a:ext cx="717395" cy="169277"/>
               </a:xfrm>
               <a:prstGeom prst="rect">
@@ -12807,7 +16173,7 @@
         </p:nvGrpSpPr>
         <p:grpSpPr>
           <a:xfrm>
-            <a:off x="723178" y="1776290"/>
+            <a:off x="723178" y="1917536"/>
             <a:ext cx="463662" cy="2361384"/>
             <a:chOff x="1137818" y="2808382"/>
             <a:chExt cx="1076196" cy="1751379"/>
@@ -12960,8 +16326,8 @@
         </p:nvGrpSpPr>
         <p:grpSpPr>
           <a:xfrm>
-            <a:off x="734650" y="2095921"/>
-            <a:ext cx="744434" cy="2352407"/>
+            <a:off x="734650" y="2237169"/>
+            <a:ext cx="744434" cy="2254158"/>
             <a:chOff x="1137818" y="2808382"/>
             <a:chExt cx="1076196" cy="1751379"/>
           </a:xfrm>
@@ -13115,7 +16481,7 @@
             </p:nvSpPr>
             <p:spPr>
               <a:xfrm>
-                <a:off x="4469040" y="2361259"/>
+                <a:off x="4469043" y="2502508"/>
                 <a:ext cx="717395" cy="169277"/>
               </a:xfrm>
               <a:prstGeom prst="rect">
@@ -13197,7 +16563,7 @@
             </p:nvSpPr>
             <p:spPr>
               <a:xfrm>
-                <a:off x="4469040" y="2361259"/>
+                <a:off x="4469043" y="2502508"/>
                 <a:ext cx="717395" cy="169277"/>
               </a:xfrm>
               <a:prstGeom prst="rect">
